--- a/engineer_courses/s5_outils_numeriques/b0_demistifier_python/B0_0_Outils_Methodes.pptx
+++ b/engineer_courses/s5_outils_numeriques/b0_demistifier_python/B0_0_Outils_Methodes.pptx
@@ -9,7 +9,8 @@
     <p:sldId id="257" r:id="rId3"/>
     <p:sldId id="258" r:id="rId4"/>
     <p:sldId id="259" r:id="rId5"/>
-    <p:sldId id="260" r:id="rId6"/>
+    <p:sldId id="261" r:id="rId6"/>
+    <p:sldId id="260" r:id="rId7"/>
   </p:sldIdLst>
   <p:sldSz cx="12192000" cy="6858000"/>
   <p:notesSz cx="6858000" cy="9144000"/>
@@ -272,7 +273,7 @@
           <a:p>
             <a:fld id="{02AC24A9-CCB6-4F8D-B8DB-C2F3692CFA5A}" type="datetimeFigureOut">
               <a:rPr lang="en-US" smtClean="0"/>
-              <a:t>4/8/2023</a:t>
+              <a:t>4/9/2023</a:t>
             </a:fld>
             <a:endParaRPr lang="en-US" dirty="0"/>
           </a:p>
@@ -642,7 +643,7 @@
           <a:p>
             <a:fld id="{02AC24A9-CCB6-4F8D-B8DB-C2F3692CFA5A}" type="datetimeFigureOut">
               <a:rPr lang="en-US" smtClean="0"/>
-              <a:t>4/8/2023</a:t>
+              <a:t>4/9/2023</a:t>
             </a:fld>
             <a:endParaRPr lang="en-US"/>
           </a:p>
@@ -851,7 +852,7 @@
           <a:p>
             <a:fld id="{02AC24A9-CCB6-4F8D-B8DB-C2F3692CFA5A}" type="datetimeFigureOut">
               <a:rPr lang="en-US" smtClean="0"/>
-              <a:t>4/8/2023</a:t>
+              <a:t>4/9/2023</a:t>
             </a:fld>
             <a:endParaRPr lang="en-US"/>
           </a:p>
@@ -1321,7 +1322,7 @@
           <a:p>
             <a:fld id="{02AC24A9-CCB6-4F8D-B8DB-C2F3692CFA5A}" type="datetimeFigureOut">
               <a:rPr lang="en-US" smtClean="0"/>
-              <a:t>4/8/2023</a:t>
+              <a:t>4/9/2023</a:t>
             </a:fld>
             <a:endParaRPr lang="en-US"/>
           </a:p>
@@ -1775,7 +1776,7 @@
           <a:p>
             <a:fld id="{02AC24A9-CCB6-4F8D-B8DB-C2F3692CFA5A}" type="datetimeFigureOut">
               <a:rPr lang="en-US" smtClean="0"/>
-              <a:t>4/8/2023</a:t>
+              <a:t>4/9/2023</a:t>
             </a:fld>
             <a:endParaRPr lang="en-US"/>
           </a:p>
@@ -2307,7 +2308,7 @@
           <a:p>
             <a:fld id="{02AC24A9-CCB6-4F8D-B8DB-C2F3692CFA5A}" type="datetimeFigureOut">
               <a:rPr lang="en-US" smtClean="0"/>
-              <a:t>4/8/2023</a:t>
+              <a:t>4/9/2023</a:t>
             </a:fld>
             <a:endParaRPr lang="en-US"/>
           </a:p>
@@ -3006,7 +3007,7 @@
           <a:p>
             <a:fld id="{02AC24A9-CCB6-4F8D-B8DB-C2F3692CFA5A}" type="datetimeFigureOut">
               <a:rPr lang="en-US" smtClean="0"/>
-              <a:t>4/8/2023</a:t>
+              <a:t>4/9/2023</a:t>
             </a:fld>
             <a:endParaRPr lang="en-US"/>
           </a:p>
@@ -3335,7 +3336,7 @@
           <a:p>
             <a:fld id="{02AC24A9-CCB6-4F8D-B8DB-C2F3692CFA5A}" type="datetimeFigureOut">
               <a:rPr lang="en-US" smtClean="0"/>
-              <a:t>4/8/2023</a:t>
+              <a:t>4/9/2023</a:t>
             </a:fld>
             <a:endParaRPr lang="en-US"/>
           </a:p>
@@ -3448,7 +3449,7 @@
           <a:p>
             <a:fld id="{02AC24A9-CCB6-4F8D-B8DB-C2F3692CFA5A}" type="datetimeFigureOut">
               <a:rPr lang="en-US" smtClean="0"/>
-              <a:t>4/8/2023</a:t>
+              <a:t>4/9/2023</a:t>
             </a:fld>
             <a:endParaRPr lang="en-US"/>
           </a:p>
@@ -3943,7 +3944,7 @@
           <a:p>
             <a:fld id="{02AC24A9-CCB6-4F8D-B8DB-C2F3692CFA5A}" type="datetimeFigureOut">
               <a:rPr lang="en-US" smtClean="0"/>
-              <a:t>4/8/2023</a:t>
+              <a:t>4/9/2023</a:t>
             </a:fld>
             <a:endParaRPr lang="en-US" dirty="0"/>
           </a:p>
@@ -4420,7 +4421,7 @@
           <a:p>
             <a:fld id="{02AC24A9-CCB6-4F8D-B8DB-C2F3692CFA5A}" type="datetimeFigureOut">
               <a:rPr lang="en-US" smtClean="0"/>
-              <a:t>4/8/2023</a:t>
+              <a:t>4/9/2023</a:t>
             </a:fld>
             <a:endParaRPr lang="en-US"/>
           </a:p>
@@ -4663,7 +4664,7 @@
           <a:p>
             <a:fld id="{02AC24A9-CCB6-4F8D-B8DB-C2F3692CFA5A}" type="datetimeFigureOut">
               <a:rPr lang="en-US" smtClean="0"/>
-              <a:t>4/8/2023</a:t>
+              <a:t>4/9/2023</a:t>
             </a:fld>
             <a:endParaRPr lang="en-US"/>
           </a:p>
@@ -5323,7 +5324,7 @@
           <a:p>
             <a:r>
               <a:rPr lang="fr-FR" sz="2000"/>
-              <a:t>Outils Numériques / Semestre 5 / Institut d’Optique</a:t>
+              <a:t>Outils Numériques / Semestre 5 / Institut d’Optique / B0_0</a:t>
             </a:r>
           </a:p>
         </p:txBody>
@@ -6436,6 +6437,248 @@
 </file>
 
 <file path=ppt/slides/slide5.xml><?xml version="1.0" encoding="utf-8"?>
+<p:sld xmlns:a="http://schemas.openxmlformats.org/drawingml/2006/main" xmlns:r="http://schemas.openxmlformats.org/officeDocument/2006/relationships" xmlns:p="http://schemas.openxmlformats.org/presentationml/2006/main">
+  <p:cSld>
+    <p:spTree>
+      <p:nvGrpSpPr>
+        <p:cNvPr id="1" name=""/>
+        <p:cNvGrpSpPr/>
+        <p:nvPr/>
+      </p:nvGrpSpPr>
+      <p:grpSpPr>
+        <a:xfrm>
+          <a:off x="0" y="0"/>
+          <a:ext cx="0" cy="0"/>
+          <a:chOff x="0" y="0"/>
+          <a:chExt cx="0" cy="0"/>
+        </a:xfrm>
+      </p:grpSpPr>
+      <p:sp>
+        <p:nvSpPr>
+          <p:cNvPr id="3" name="Espace réservé du contenu 2">
+            <a:extLst>
+              <a:ext uri="{FF2B5EF4-FFF2-40B4-BE49-F238E27FC236}">
+                <a16:creationId xmlns:a16="http://schemas.microsoft.com/office/drawing/2014/main" id="{E0BBB9DE-019C-C741-F224-494739D4B752}"/>
+              </a:ext>
+            </a:extLst>
+          </p:cNvPr>
+          <p:cNvSpPr>
+            <a:spLocks noGrp="1"/>
+          </p:cNvSpPr>
+          <p:nvPr>
+            <p:ph sz="half" idx="1"/>
+          </p:nvPr>
+        </p:nvSpPr>
+        <p:spPr>
+          <a:xfrm>
+            <a:off x="1115568" y="2478024"/>
+            <a:ext cx="10407838" cy="3694176"/>
+          </a:xfrm>
+        </p:spPr>
+        <p:txBody>
+          <a:bodyPr>
+            <a:normAutofit/>
+          </a:bodyPr>
+          <a:lstStyle/>
+          <a:p>
+            <a:r>
+              <a:rPr lang="fr-FR" sz="2400" dirty="0"/>
+              <a:t>Développement sous </a:t>
+            </a:r>
+            <a:r>
+              <a:rPr lang="fr-FR" sz="2400" b="1" dirty="0"/>
+              <a:t>Python 3.9 </a:t>
+            </a:r>
+            <a:r>
+              <a:rPr lang="fr-FR" sz="2400" dirty="0"/>
+              <a:t>(min) / </a:t>
+            </a:r>
+            <a:r>
+              <a:rPr lang="fr-FR" sz="2400" b="1" dirty="0"/>
+              <a:t>Anaconda 3</a:t>
+            </a:r>
+            <a:r>
+              <a:rPr lang="fr-FR" sz="2400" dirty="0"/>
+              <a:t> / </a:t>
+            </a:r>
+            <a:r>
+              <a:rPr lang="fr-FR" sz="2400" b="1" dirty="0" err="1"/>
+              <a:t>Spyder</a:t>
+            </a:r>
+            <a:r>
+              <a:rPr lang="fr-FR" sz="2400" b="1" dirty="0"/>
+              <a:t> 5</a:t>
+            </a:r>
+          </a:p>
+          <a:p>
+            <a:pPr lvl="1"/>
+            <a:r>
+              <a:rPr lang="fr-FR" dirty="0"/>
+              <a:t>Style de code selon le guide </a:t>
+            </a:r>
+            <a:r>
+              <a:rPr lang="fr-FR" b="1" dirty="0"/>
+              <a:t>PEP 8</a:t>
+            </a:r>
+            <a:r>
+              <a:rPr lang="fr-FR" dirty="0"/>
+              <a:t>  </a:t>
+            </a:r>
+            <a:br>
+              <a:rPr lang="fr-FR" dirty="0"/>
+            </a:br>
+            <a:r>
+              <a:rPr lang="fr-FR" dirty="0"/>
+              <a:t>		https://peps.python.org/pep-0008/</a:t>
+            </a:r>
+          </a:p>
+          <a:p>
+            <a:pPr lvl="1"/>
+            <a:r>
+              <a:rPr lang="fr-FR" dirty="0"/>
+              <a:t>Style de commentaires et de documentation selon le guide </a:t>
+            </a:r>
+            <a:r>
+              <a:rPr lang="fr-FR" b="1" dirty="0"/>
+              <a:t>PEP 257 </a:t>
+            </a:r>
+            <a:br>
+              <a:rPr lang="fr-FR" b="1" dirty="0"/>
+            </a:br>
+            <a:r>
+              <a:rPr lang="fr-FR" b="1" dirty="0"/>
+              <a:t>		</a:t>
+            </a:r>
+            <a:r>
+              <a:rPr lang="fr-FR" dirty="0"/>
+              <a:t>https://peps.python.org/pep-0257/</a:t>
+            </a:r>
+          </a:p>
+          <a:p>
+            <a:r>
+              <a:rPr lang="fr-FR" sz="2400" dirty="0"/>
+              <a:t>Utilisation de bibliothèques standards (</a:t>
+            </a:r>
+            <a:r>
+              <a:rPr lang="fr-FR" sz="2400" dirty="0" err="1"/>
+              <a:t>Numpy</a:t>
+            </a:r>
+            <a:r>
+              <a:rPr lang="fr-FR" sz="2400" dirty="0"/>
+              <a:t>, </a:t>
+            </a:r>
+            <a:r>
+              <a:rPr lang="fr-FR" sz="2400" dirty="0" err="1"/>
+              <a:t>Matplotlib</a:t>
+            </a:r>
+            <a:r>
+              <a:rPr lang="fr-FR" sz="2400" dirty="0"/>
+              <a:t>, </a:t>
+            </a:r>
+            <a:r>
+              <a:rPr lang="fr-FR" sz="2400" dirty="0" err="1"/>
+              <a:t>Scipy</a:t>
+            </a:r>
+            <a:r>
+              <a:rPr lang="fr-FR" sz="2400" dirty="0"/>
+              <a:t>…)</a:t>
+            </a:r>
+          </a:p>
+          <a:p>
+            <a:r>
+              <a:rPr lang="fr-FR" sz="2400" dirty="0"/>
+              <a:t>Découpage en fonctions simples (fichiers .</a:t>
+            </a:r>
+            <a:r>
+              <a:rPr lang="fr-FR" sz="2400" dirty="0" err="1"/>
+              <a:t>py</a:t>
+            </a:r>
+            <a:r>
+              <a:rPr lang="fr-FR" sz="2400" dirty="0"/>
+              <a:t> séparés)</a:t>
+            </a:r>
+            <a:endParaRPr lang="fr-FR" dirty="0"/>
+          </a:p>
+        </p:txBody>
+      </p:sp>
+      <p:sp>
+        <p:nvSpPr>
+          <p:cNvPr id="2" name="Titre 1">
+            <a:extLst>
+              <a:ext uri="{FF2B5EF4-FFF2-40B4-BE49-F238E27FC236}">
+                <a16:creationId xmlns:a16="http://schemas.microsoft.com/office/drawing/2014/main" id="{90162AE8-C1B0-5C56-8313-DEE494F38273}"/>
+              </a:ext>
+            </a:extLst>
+          </p:cNvPr>
+          <p:cNvSpPr>
+            <a:spLocks noGrp="1"/>
+          </p:cNvSpPr>
+          <p:nvPr>
+            <p:ph type="title"/>
+          </p:nvPr>
+        </p:nvSpPr>
+        <p:spPr/>
+        <p:txBody>
+          <a:bodyPr/>
+          <a:lstStyle/>
+          <a:p>
+            <a:r>
+              <a:rPr lang="fr-FR" dirty="0"/>
+              <a:t>Méthode de travail / Bonnes pratiques</a:t>
+            </a:r>
+          </a:p>
+        </p:txBody>
+      </p:sp>
+      <p:pic>
+        <p:nvPicPr>
+          <p:cNvPr id="5" name="Image 4" descr="Une image contenant texte&#10;&#10;Description générée automatiquement">
+            <a:extLst>
+              <a:ext uri="{FF2B5EF4-FFF2-40B4-BE49-F238E27FC236}">
+                <a16:creationId xmlns:a16="http://schemas.microsoft.com/office/drawing/2014/main" id="{204ADC40-1D61-539F-22ED-6B21D67FBDE6}"/>
+              </a:ext>
+            </a:extLst>
+          </p:cNvPr>
+          <p:cNvPicPr>
+            <a:picLocks noChangeAspect="1"/>
+          </p:cNvPicPr>
+          <p:nvPr/>
+        </p:nvPicPr>
+        <p:blipFill>
+          <a:blip r:embed="rId2">
+            <a:extLst>
+              <a:ext uri="{28A0092B-C50C-407E-A947-70E740481C1C}">
+                <a14:useLocalDpi xmlns:a14="http://schemas.microsoft.com/office/drawing/2010/main" val="0"/>
+              </a:ext>
+            </a:extLst>
+          </a:blip>
+          <a:stretch>
+            <a:fillRect/>
+          </a:stretch>
+        </p:blipFill>
+        <p:spPr>
+          <a:xfrm>
+            <a:off x="202922" y="5934456"/>
+            <a:ext cx="1825291" cy="749808"/>
+          </a:xfrm>
+          <a:prstGeom prst="rect">
+            <a:avLst/>
+          </a:prstGeom>
+        </p:spPr>
+      </p:pic>
+    </p:spTree>
+    <p:extLst>
+      <p:ext uri="{BB962C8B-B14F-4D97-AF65-F5344CB8AC3E}">
+        <p14:creationId xmlns:p14="http://schemas.microsoft.com/office/powerpoint/2010/main" val="3230963344"/>
+      </p:ext>
+    </p:extLst>
+  </p:cSld>
+  <p:clrMapOvr>
+    <a:masterClrMapping/>
+  </p:clrMapOvr>
+</p:sld>
+</file>
+
+<file path=ppt/slides/slide6.xml><?xml version="1.0" encoding="utf-8"?>
 <p:sld xmlns:a="http://schemas.openxmlformats.org/drawingml/2006/main" xmlns:r="http://schemas.openxmlformats.org/officeDocument/2006/relationships" xmlns:p="http://schemas.openxmlformats.org/presentationml/2006/main">
   <p:cSld>
     <p:spTree>

--- a/engineer_courses/s5_outils_numeriques/b0_demistifier_python/B0_0_Outils_Methodes.pptx
+++ b/engineer_courses/s5_outils_numeriques/b0_demistifier_python/B0_0_Outils_Methodes.pptx
@@ -9,8 +9,11 @@
     <p:sldId id="257" r:id="rId3"/>
     <p:sldId id="258" r:id="rId4"/>
     <p:sldId id="259" r:id="rId5"/>
-    <p:sldId id="261" r:id="rId6"/>
-    <p:sldId id="260" r:id="rId7"/>
+    <p:sldId id="262" r:id="rId6"/>
+    <p:sldId id="264" r:id="rId7"/>
+    <p:sldId id="263" r:id="rId8"/>
+    <p:sldId id="261" r:id="rId9"/>
+    <p:sldId id="260" r:id="rId10"/>
   </p:sldIdLst>
   <p:sldSz cx="12192000" cy="6858000"/>
   <p:notesSz cx="6858000" cy="9144000"/>
@@ -273,7 +276,7 @@
           <a:p>
             <a:fld id="{02AC24A9-CCB6-4F8D-B8DB-C2F3692CFA5A}" type="datetimeFigureOut">
               <a:rPr lang="en-US" smtClean="0"/>
-              <a:t>4/9/2023</a:t>
+              <a:t>4/10/2023</a:t>
             </a:fld>
             <a:endParaRPr lang="en-US" dirty="0"/>
           </a:p>
@@ -643,7 +646,7 @@
           <a:p>
             <a:fld id="{02AC24A9-CCB6-4F8D-B8DB-C2F3692CFA5A}" type="datetimeFigureOut">
               <a:rPr lang="en-US" smtClean="0"/>
-              <a:t>4/9/2023</a:t>
+              <a:t>4/10/2023</a:t>
             </a:fld>
             <a:endParaRPr lang="en-US"/>
           </a:p>
@@ -852,7 +855,7 @@
           <a:p>
             <a:fld id="{02AC24A9-CCB6-4F8D-B8DB-C2F3692CFA5A}" type="datetimeFigureOut">
               <a:rPr lang="en-US" smtClean="0"/>
-              <a:t>4/9/2023</a:t>
+              <a:t>4/10/2023</a:t>
             </a:fld>
             <a:endParaRPr lang="en-US"/>
           </a:p>
@@ -1322,7 +1325,7 @@
           <a:p>
             <a:fld id="{02AC24A9-CCB6-4F8D-B8DB-C2F3692CFA5A}" type="datetimeFigureOut">
               <a:rPr lang="en-US" smtClean="0"/>
-              <a:t>4/9/2023</a:t>
+              <a:t>4/10/2023</a:t>
             </a:fld>
             <a:endParaRPr lang="en-US"/>
           </a:p>
@@ -1776,7 +1779,7 @@
           <a:p>
             <a:fld id="{02AC24A9-CCB6-4F8D-B8DB-C2F3692CFA5A}" type="datetimeFigureOut">
               <a:rPr lang="en-US" smtClean="0"/>
-              <a:t>4/9/2023</a:t>
+              <a:t>4/10/2023</a:t>
             </a:fld>
             <a:endParaRPr lang="en-US"/>
           </a:p>
@@ -2308,7 +2311,7 @@
           <a:p>
             <a:fld id="{02AC24A9-CCB6-4F8D-B8DB-C2F3692CFA5A}" type="datetimeFigureOut">
               <a:rPr lang="en-US" smtClean="0"/>
-              <a:t>4/9/2023</a:t>
+              <a:t>4/10/2023</a:t>
             </a:fld>
             <a:endParaRPr lang="en-US"/>
           </a:p>
@@ -3007,7 +3010,7 @@
           <a:p>
             <a:fld id="{02AC24A9-CCB6-4F8D-B8DB-C2F3692CFA5A}" type="datetimeFigureOut">
               <a:rPr lang="en-US" smtClean="0"/>
-              <a:t>4/9/2023</a:t>
+              <a:t>4/10/2023</a:t>
             </a:fld>
             <a:endParaRPr lang="en-US"/>
           </a:p>
@@ -3336,7 +3339,7 @@
           <a:p>
             <a:fld id="{02AC24A9-CCB6-4F8D-B8DB-C2F3692CFA5A}" type="datetimeFigureOut">
               <a:rPr lang="en-US" smtClean="0"/>
-              <a:t>4/9/2023</a:t>
+              <a:t>4/10/2023</a:t>
             </a:fld>
             <a:endParaRPr lang="en-US"/>
           </a:p>
@@ -3449,7 +3452,7 @@
           <a:p>
             <a:fld id="{02AC24A9-CCB6-4F8D-B8DB-C2F3692CFA5A}" type="datetimeFigureOut">
               <a:rPr lang="en-US" smtClean="0"/>
-              <a:t>4/9/2023</a:t>
+              <a:t>4/10/2023</a:t>
             </a:fld>
             <a:endParaRPr lang="en-US"/>
           </a:p>
@@ -3944,7 +3947,7 @@
           <a:p>
             <a:fld id="{02AC24A9-CCB6-4F8D-B8DB-C2F3692CFA5A}" type="datetimeFigureOut">
               <a:rPr lang="en-US" smtClean="0"/>
-              <a:t>4/9/2023</a:t>
+              <a:t>4/10/2023</a:t>
             </a:fld>
             <a:endParaRPr lang="en-US" dirty="0"/>
           </a:p>
@@ -4421,7 +4424,7 @@
           <a:p>
             <a:fld id="{02AC24A9-CCB6-4F8D-B8DB-C2F3692CFA5A}" type="datetimeFigureOut">
               <a:rPr lang="en-US" smtClean="0"/>
-              <a:t>4/9/2023</a:t>
+              <a:t>4/10/2023</a:t>
             </a:fld>
             <a:endParaRPr lang="en-US"/>
           </a:p>
@@ -4664,7 +4667,7 @@
           <a:p>
             <a:fld id="{02AC24A9-CCB6-4F8D-B8DB-C2F3692CFA5A}" type="datetimeFigureOut">
               <a:rPr lang="en-US" smtClean="0"/>
-              <a:t>4/9/2023</a:t>
+              <a:t>4/10/2023</a:t>
             </a:fld>
             <a:endParaRPr lang="en-US"/>
           </a:p>
@@ -5289,7 +5292,7 @@
           <a:p>
             <a:r>
               <a:rPr lang="fr-FR" sz="4800" dirty="0"/>
-              <a:t>Outils et méthodes de travail</a:t>
+              <a:t>Outils de travail</a:t>
             </a:r>
           </a:p>
         </p:txBody>
@@ -6245,32 +6248,10 @@
           <a:p>
             <a:pPr lvl="1"/>
             <a:r>
-              <a:rPr lang="fr-FR" dirty="0"/>
-              <a:t>github.com/</a:t>
-            </a:r>
-            <a:r>
-              <a:rPr lang="fr-FR" dirty="0" err="1"/>
-              <a:t>iogs</a:t>
-            </a:r>
-            <a:r>
-              <a:rPr lang="fr-FR" dirty="0"/>
-              <a:t>-outils-</a:t>
-            </a:r>
-            <a:r>
-              <a:rPr lang="fr-FR" dirty="0" err="1"/>
-              <a:t>nums</a:t>
-            </a:r>
-            <a:endParaRPr lang="fr-FR" dirty="0"/>
-          </a:p>
-          <a:p>
-            <a:pPr lvl="1"/>
-            <a:r>
-              <a:rPr lang="fr-FR" dirty="0"/>
-              <a:t>github.com/</a:t>
-            </a:r>
-            <a:r>
-              <a:rPr lang="fr-FR" dirty="0" err="1"/>
-              <a:t>iogs-toolboxes</a:t>
+              <a:rPr lang="fr-FR" dirty="0">
+                <a:hlinkClick r:id="rId2"/>
+              </a:rPr>
+              <a:t>github.com/IOGS-Digital-Methods</a:t>
             </a:r>
             <a:endParaRPr lang="fr-FR" dirty="0"/>
           </a:p>
@@ -6319,7 +6300,7 @@
           <p:nvPr/>
         </p:nvPicPr>
         <p:blipFill>
-          <a:blip r:embed="rId2">
+          <a:blip r:embed="rId3">
             <a:extLst>
               <a:ext uri="{28A0092B-C50C-407E-A947-70E740481C1C}">
                 <a14:useLocalDpi xmlns:a14="http://schemas.microsoft.com/office/drawing/2010/main" val="0"/>
@@ -6355,7 +6336,7 @@
           <p:nvPr/>
         </p:nvPicPr>
         <p:blipFill>
-          <a:blip r:embed="rId3">
+          <a:blip r:embed="rId4">
             <a:extLst>
               <a:ext uri="{28A0092B-C50C-407E-A947-70E740481C1C}">
                 <a14:useLocalDpi xmlns:a14="http://schemas.microsoft.com/office/drawing/2010/main" val="0"/>
@@ -6402,7 +6383,7 @@
           <p:nvPr/>
         </p:nvPicPr>
         <p:blipFill>
-          <a:blip r:embed="rId2">
+          <a:blip r:embed="rId3">
             <a:extLst>
               <a:ext uri="{28A0092B-C50C-407E-A947-70E740481C1C}">
                 <a14:useLocalDpi xmlns:a14="http://schemas.microsoft.com/office/drawing/2010/main" val="0"/>
@@ -6439,6 +6420,14 @@
 <file path=ppt/slides/slide5.xml><?xml version="1.0" encoding="utf-8"?>
 <p:sld xmlns:a="http://schemas.openxmlformats.org/drawingml/2006/main" xmlns:r="http://schemas.openxmlformats.org/officeDocument/2006/relationships" xmlns:p="http://schemas.openxmlformats.org/presentationml/2006/main">
   <p:cSld>
+    <p:bg>
+      <p:bgPr>
+        <a:solidFill>
+          <a:schemeClr val="bg1"/>
+        </a:solidFill>
+        <a:effectLst/>
+      </p:bgPr>
+    </p:bg>
     <p:spTree>
       <p:nvGrpSpPr>
         <p:cNvPr id="1" name=""/>
@@ -6453,6 +6442,1178 @@
           <a:chExt cx="0" cy="0"/>
         </a:xfrm>
       </p:grpSpPr>
+      <p:sp useBgFill="1">
+        <p:nvSpPr>
+          <p:cNvPr id="9" name="Rectangle 8">
+            <a:extLst>
+              <a:ext uri="{FF2B5EF4-FFF2-40B4-BE49-F238E27FC236}">
+                <a16:creationId xmlns:a16="http://schemas.microsoft.com/office/drawing/2014/main" id="{526E0BFB-CDF1-4990-8C11-AC849311E0A8}"/>
+              </a:ext>
+              <a:ext uri="{C183D7F6-B498-43B3-948B-1728B52AA6E4}">
+                <adec:decorative xmlns:adec="http://schemas.microsoft.com/office/drawing/2017/decorative" val="1"/>
+              </a:ext>
+            </a:extLst>
+          </p:cNvPr>
+          <p:cNvSpPr>
+            <a:spLocks noGrp="1" noRot="1" noChangeAspect="1" noMove="1" noResize="1" noEditPoints="1" noAdjustHandles="1" noChangeArrowheads="1" noChangeShapeType="1" noTextEdit="1"/>
+          </p:cNvSpPr>
+          <p:nvPr>
+            <p:extLst>
+              <p:ext uri="{386F3935-93C4-4BCD-93E2-E3B085C9AB24}">
+                <p16:designElem xmlns:p16="http://schemas.microsoft.com/office/powerpoint/2015/main" val="1"/>
+              </p:ext>
+            </p:extLst>
+          </p:nvPr>
+        </p:nvSpPr>
+        <p:spPr>
+          <a:xfrm>
+            <a:off x="0" y="0"/>
+            <a:ext cx="12192000" cy="6858000"/>
+          </a:xfrm>
+          <a:prstGeom prst="rect">
+            <a:avLst/>
+          </a:prstGeom>
+          <a:ln>
+            <a:noFill/>
+          </a:ln>
+        </p:spPr>
+        <p:style>
+          <a:lnRef idx="2">
+            <a:schemeClr val="accent1">
+              <a:shade val="50000"/>
+            </a:schemeClr>
+          </a:lnRef>
+          <a:fillRef idx="1">
+            <a:schemeClr val="accent1"/>
+          </a:fillRef>
+          <a:effectRef idx="0">
+            <a:schemeClr val="accent1"/>
+          </a:effectRef>
+          <a:fontRef idx="minor">
+            <a:schemeClr val="lt1"/>
+          </a:fontRef>
+        </p:style>
+        <p:txBody>
+          <a:bodyPr rtlCol="0" anchor="ctr"/>
+          <a:lstStyle/>
+          <a:p>
+            <a:pPr algn="ctr"/>
+            <a:endParaRPr lang="en-US"/>
+          </a:p>
+        </p:txBody>
+      </p:sp>
+      <p:pic>
+        <p:nvPicPr>
+          <p:cNvPr id="4" name="Picture 3">
+            <a:extLst>
+              <a:ext uri="{FF2B5EF4-FFF2-40B4-BE49-F238E27FC236}">
+                <a16:creationId xmlns:a16="http://schemas.microsoft.com/office/drawing/2014/main" id="{4C72F330-992B-B125-739B-F8303ED3A097}"/>
+              </a:ext>
+            </a:extLst>
+          </p:cNvPr>
+          <p:cNvPicPr>
+            <a:picLocks noChangeAspect="1"/>
+          </p:cNvPicPr>
+          <p:nvPr/>
+        </p:nvPicPr>
+        <p:blipFill rotWithShape="1">
+          <a:blip r:embed="rId2"/>
+          <a:srcRect t="11669" r="-1" b="426"/>
+          <a:stretch/>
+        </p:blipFill>
+        <p:spPr>
+          <a:xfrm>
+            <a:off x="-2" y="10"/>
+            <a:ext cx="8668512" cy="6857990"/>
+          </a:xfrm>
+          <a:prstGeom prst="rect">
+            <a:avLst/>
+          </a:prstGeom>
+        </p:spPr>
+      </p:pic>
+      <p:sp>
+        <p:nvSpPr>
+          <p:cNvPr id="11" name="Rectangle 10">
+            <a:extLst>
+              <a:ext uri="{FF2B5EF4-FFF2-40B4-BE49-F238E27FC236}">
+                <a16:creationId xmlns:a16="http://schemas.microsoft.com/office/drawing/2014/main" id="{6069A1F8-9BEB-4786-9694-FC48B2D75D21}"/>
+              </a:ext>
+              <a:ext uri="{C183D7F6-B498-43B3-948B-1728B52AA6E4}">
+                <adec:decorative xmlns:adec="http://schemas.microsoft.com/office/drawing/2017/decorative" val="1"/>
+              </a:ext>
+            </a:extLst>
+          </p:cNvPr>
+          <p:cNvSpPr>
+            <a:spLocks noGrp="1" noRot="1" noChangeAspect="1" noMove="1" noResize="1" noEditPoints="1" noAdjustHandles="1" noChangeArrowheads="1" noChangeShapeType="1" noTextEdit="1"/>
+          </p:cNvSpPr>
+          <p:nvPr>
+            <p:extLst>
+              <p:ext uri="{386F3935-93C4-4BCD-93E2-E3B085C9AB24}">
+                <p16:designElem xmlns:p16="http://schemas.microsoft.com/office/powerpoint/2015/main" val="1"/>
+              </p:ext>
+            </p:extLst>
+          </p:nvPr>
+        </p:nvSpPr>
+        <p:spPr>
+          <a:xfrm flipH="1">
+            <a:off x="2788244" y="0"/>
+            <a:ext cx="9403756" cy="6858000"/>
+          </a:xfrm>
+          <a:prstGeom prst="rect">
+            <a:avLst/>
+          </a:prstGeom>
+          <a:gradFill>
+            <a:gsLst>
+              <a:gs pos="58000">
+                <a:schemeClr val="bg1"/>
+              </a:gs>
+              <a:gs pos="30000">
+                <a:schemeClr val="bg1">
+                  <a:alpha val="64000"/>
+                </a:schemeClr>
+              </a:gs>
+              <a:gs pos="0">
+                <a:schemeClr val="bg1">
+                  <a:alpha val="0"/>
+                </a:schemeClr>
+              </a:gs>
+              <a:gs pos="100000">
+                <a:schemeClr val="bg1"/>
+              </a:gs>
+            </a:gsLst>
+            <a:lin ang="10800000" scaled="0"/>
+          </a:gradFill>
+          <a:ln>
+            <a:noFill/>
+          </a:ln>
+        </p:spPr>
+        <p:style>
+          <a:lnRef idx="2">
+            <a:schemeClr val="accent1">
+              <a:shade val="50000"/>
+            </a:schemeClr>
+          </a:lnRef>
+          <a:fillRef idx="1">
+            <a:schemeClr val="accent1"/>
+          </a:fillRef>
+          <a:effectRef idx="0">
+            <a:schemeClr val="accent1"/>
+          </a:effectRef>
+          <a:fontRef idx="minor">
+            <a:schemeClr val="lt1"/>
+          </a:fontRef>
+        </p:style>
+        <p:txBody>
+          <a:bodyPr rtlCol="0" anchor="ctr"/>
+          <a:lstStyle/>
+          <a:p>
+            <a:pPr algn="ctr"/>
+            <a:endParaRPr lang="en-US" dirty="0"/>
+          </a:p>
+        </p:txBody>
+      </p:sp>
+      <p:sp>
+        <p:nvSpPr>
+          <p:cNvPr id="2" name="Titre 1">
+            <a:extLst>
+              <a:ext uri="{FF2B5EF4-FFF2-40B4-BE49-F238E27FC236}">
+                <a16:creationId xmlns:a16="http://schemas.microsoft.com/office/drawing/2014/main" id="{CF8D1EB8-F6E7-EB54-1CC8-28472070B9FC}"/>
+              </a:ext>
+            </a:extLst>
+          </p:cNvPr>
+          <p:cNvSpPr>
+            <a:spLocks noGrp="1"/>
+          </p:cNvSpPr>
+          <p:nvPr>
+            <p:ph type="ctrTitle"/>
+          </p:nvPr>
+        </p:nvSpPr>
+        <p:spPr>
+          <a:xfrm>
+            <a:off x="7848600" y="1122363"/>
+            <a:ext cx="4023360" cy="3204134"/>
+          </a:xfrm>
+        </p:spPr>
+        <p:txBody>
+          <a:bodyPr anchor="b">
+            <a:normAutofit/>
+          </a:bodyPr>
+          <a:lstStyle/>
+          <a:p>
+            <a:r>
+              <a:rPr lang="fr-FR" sz="4800" dirty="0"/>
+              <a:t>GIT et </a:t>
+            </a:r>
+            <a:r>
+              <a:rPr lang="fr-FR" sz="4800" dirty="0" err="1"/>
+              <a:t>versionning</a:t>
+            </a:r>
+            <a:endParaRPr lang="fr-FR" sz="4800" dirty="0"/>
+          </a:p>
+        </p:txBody>
+      </p:sp>
+      <p:sp>
+        <p:nvSpPr>
+          <p:cNvPr id="3" name="Sous-titre 2">
+            <a:extLst>
+              <a:ext uri="{FF2B5EF4-FFF2-40B4-BE49-F238E27FC236}">
+                <a16:creationId xmlns:a16="http://schemas.microsoft.com/office/drawing/2014/main" id="{BDFEFAEF-AB6A-BE8F-01E7-845FB609FA07}"/>
+              </a:ext>
+            </a:extLst>
+          </p:cNvPr>
+          <p:cNvSpPr>
+            <a:spLocks noGrp="1"/>
+          </p:cNvSpPr>
+          <p:nvPr>
+            <p:ph type="subTitle" idx="1"/>
+          </p:nvPr>
+        </p:nvSpPr>
+        <p:spPr>
+          <a:xfrm>
+            <a:off x="7848600" y="4872922"/>
+            <a:ext cx="4023360" cy="1208141"/>
+          </a:xfrm>
+        </p:spPr>
+        <p:txBody>
+          <a:bodyPr>
+            <a:normAutofit/>
+          </a:bodyPr>
+          <a:lstStyle/>
+          <a:p>
+            <a:r>
+              <a:rPr lang="fr-FR" sz="2000"/>
+              <a:t>Outils Numériques / Semestre 5 / Institut d’Optique / B0_0</a:t>
+            </a:r>
+          </a:p>
+        </p:txBody>
+      </p:sp>
+      <p:sp>
+        <p:nvSpPr>
+          <p:cNvPr id="32" name="Rectangle 12">
+            <a:extLst>
+              <a:ext uri="{FF2B5EF4-FFF2-40B4-BE49-F238E27FC236}">
+                <a16:creationId xmlns:a16="http://schemas.microsoft.com/office/drawing/2014/main" id="{AF2F604E-43BE-4DC3-B983-E071523364F8}"/>
+              </a:ext>
+              <a:ext uri="{C183D7F6-B498-43B3-948B-1728B52AA6E4}">
+                <adec:decorative xmlns:adec="http://schemas.microsoft.com/office/drawing/2017/decorative" val="1"/>
+              </a:ext>
+            </a:extLst>
+          </p:cNvPr>
+          <p:cNvSpPr>
+            <a:spLocks noGrp="1" noRot="1" noChangeAspect="1" noMove="1" noResize="1" noEditPoints="1" noAdjustHandles="1" noChangeArrowheads="1" noChangeShapeType="1" noTextEdit="1"/>
+          </p:cNvSpPr>
+          <p:nvPr>
+            <p:extLst>
+              <p:ext uri="{386F3935-93C4-4BCD-93E2-E3B085C9AB24}">
+                <p16:designElem xmlns:p16="http://schemas.microsoft.com/office/powerpoint/2015/main" val="1"/>
+              </p:ext>
+            </p:extLst>
+          </p:nvPr>
+        </p:nvSpPr>
+        <p:spPr>
+          <a:xfrm rot="5400000">
+            <a:off x="8130540" y="346791"/>
+            <a:ext cx="146304" cy="704088"/>
+          </a:xfrm>
+          <a:prstGeom prst="rect">
+            <a:avLst/>
+          </a:prstGeom>
+          <a:solidFill>
+            <a:schemeClr val="accent1"/>
+          </a:solidFill>
+          <a:ln>
+            <a:noFill/>
+          </a:ln>
+        </p:spPr>
+        <p:style>
+          <a:lnRef idx="2">
+            <a:schemeClr val="accent1">
+              <a:shade val="50000"/>
+            </a:schemeClr>
+          </a:lnRef>
+          <a:fillRef idx="1">
+            <a:schemeClr val="accent1"/>
+          </a:fillRef>
+          <a:effectRef idx="0">
+            <a:schemeClr val="accent1"/>
+          </a:effectRef>
+          <a:fontRef idx="minor">
+            <a:schemeClr val="lt1"/>
+          </a:fontRef>
+        </p:style>
+        <p:txBody>
+          <a:bodyPr rtlCol="0" anchor="ctr"/>
+          <a:lstStyle/>
+          <a:p>
+            <a:pPr marL="0" marR="0" lvl="0" indent="0" algn="ctr" defTabSz="914400" rtl="0" eaLnBrk="1" fontAlgn="auto" latinLnBrk="0" hangingPunct="1">
+              <a:lnSpc>
+                <a:spcPct val="100000"/>
+              </a:lnSpc>
+              <a:spcBef>
+                <a:spcPts val="0"/>
+              </a:spcBef>
+              <a:spcAft>
+                <a:spcPts val="0"/>
+              </a:spcAft>
+              <a:buClrTx/>
+              <a:buSzTx/>
+              <a:buFontTx/>
+              <a:buNone/>
+              <a:tabLst/>
+              <a:defRPr/>
+            </a:pPr>
+            <a:endParaRPr kumimoji="0" lang="en-US" sz="1800" b="0" i="0" u="none" strike="noStrike" kern="1200" cap="none" spc="0" normalizeH="0" baseline="0" noProof="0">
+              <a:ln>
+                <a:noFill/>
+              </a:ln>
+              <a:solidFill>
+                <a:prstClr val="white"/>
+              </a:solidFill>
+              <a:effectLst/>
+              <a:uLnTx/>
+              <a:uFillTx/>
+              <a:latin typeface="Calibri" panose="020F0502020204030204"/>
+              <a:ea typeface="+mn-ea"/>
+              <a:cs typeface="+mn-cs"/>
+            </a:endParaRPr>
+          </a:p>
+        </p:txBody>
+      </p:sp>
+      <p:sp>
+        <p:nvSpPr>
+          <p:cNvPr id="33" name="Rectangle 14">
+            <a:extLst>
+              <a:ext uri="{FF2B5EF4-FFF2-40B4-BE49-F238E27FC236}">
+                <a16:creationId xmlns:a16="http://schemas.microsoft.com/office/drawing/2014/main" id="{08C9B587-E65E-4B52-B37C-ABEBB6E87928}"/>
+              </a:ext>
+              <a:ext uri="{C183D7F6-B498-43B3-948B-1728B52AA6E4}">
+                <adec:decorative xmlns:adec="http://schemas.microsoft.com/office/drawing/2017/decorative" val="1"/>
+              </a:ext>
+            </a:extLst>
+          </p:cNvPr>
+          <p:cNvSpPr>
+            <a:spLocks noGrp="1" noRot="1" noChangeAspect="1" noMove="1" noResize="1" noEditPoints="1" noAdjustHandles="1" noChangeArrowheads="1" noChangeShapeType="1" noTextEdit="1"/>
+          </p:cNvSpPr>
+          <p:nvPr>
+            <p:extLst>
+              <p:ext uri="{386F3935-93C4-4BCD-93E2-E3B085C9AB24}">
+                <p16:designElem xmlns:p16="http://schemas.microsoft.com/office/powerpoint/2015/main" val="1"/>
+              </p:ext>
+            </p:extLst>
+          </p:nvPr>
+        </p:nvSpPr>
+        <p:spPr>
+          <a:xfrm>
+            <a:off x="7851648" y="4546920"/>
+            <a:ext cx="4023360" cy="18288"/>
+          </a:xfrm>
+          <a:prstGeom prst="rect">
+            <a:avLst/>
+          </a:prstGeom>
+          <a:solidFill>
+            <a:schemeClr val="tx1"/>
+          </a:solidFill>
+          <a:ln w="3175">
+            <a:noFill/>
+          </a:ln>
+          <a:effectLst/>
+        </p:spPr>
+        <p:style>
+          <a:lnRef idx="2">
+            <a:schemeClr val="accent1">
+              <a:shade val="50000"/>
+            </a:schemeClr>
+          </a:lnRef>
+          <a:fillRef idx="1">
+            <a:schemeClr val="accent1"/>
+          </a:fillRef>
+          <a:effectRef idx="0">
+            <a:schemeClr val="accent1"/>
+          </a:effectRef>
+          <a:fontRef idx="minor">
+            <a:schemeClr val="lt1"/>
+          </a:fontRef>
+        </p:style>
+        <p:txBody>
+          <a:bodyPr rtlCol="0" anchor="ctr"/>
+          <a:lstStyle/>
+          <a:p>
+            <a:pPr marL="0" marR="0" lvl="0" indent="0" algn="ctr" defTabSz="914400" rtl="0" eaLnBrk="1" fontAlgn="auto" latinLnBrk="0" hangingPunct="1">
+              <a:lnSpc>
+                <a:spcPct val="100000"/>
+              </a:lnSpc>
+              <a:spcBef>
+                <a:spcPts val="0"/>
+              </a:spcBef>
+              <a:spcAft>
+                <a:spcPts val="0"/>
+              </a:spcAft>
+              <a:buClrTx/>
+              <a:buSzTx/>
+              <a:buFontTx/>
+              <a:buNone/>
+              <a:tabLst/>
+              <a:defRPr/>
+            </a:pPr>
+            <a:endParaRPr kumimoji="0" lang="en-US" sz="1800" b="0" i="0" u="none" strike="noStrike" kern="1200" cap="none" spc="0" normalizeH="0" baseline="0" noProof="0">
+              <a:ln>
+                <a:noFill/>
+              </a:ln>
+              <a:solidFill>
+                <a:prstClr val="white"/>
+              </a:solidFill>
+              <a:effectLst/>
+              <a:uLnTx/>
+              <a:uFillTx/>
+              <a:latin typeface="Calibri" panose="020F0502020204030204"/>
+              <a:ea typeface="+mn-ea"/>
+              <a:cs typeface="+mn-cs"/>
+            </a:endParaRPr>
+          </a:p>
+        </p:txBody>
+      </p:sp>
+      <p:pic>
+        <p:nvPicPr>
+          <p:cNvPr id="6" name="Image 5" descr="Une image contenant texte&#10;&#10;Description générée automatiquement">
+            <a:extLst>
+              <a:ext uri="{FF2B5EF4-FFF2-40B4-BE49-F238E27FC236}">
+                <a16:creationId xmlns:a16="http://schemas.microsoft.com/office/drawing/2014/main" id="{3D75D9F9-6192-EA6A-A7C9-F09C6FC342AD}"/>
+              </a:ext>
+            </a:extLst>
+          </p:cNvPr>
+          <p:cNvPicPr>
+            <a:picLocks noChangeAspect="1"/>
+          </p:cNvPicPr>
+          <p:nvPr/>
+        </p:nvPicPr>
+        <p:blipFill>
+          <a:blip r:embed="rId3">
+            <a:extLst>
+              <a:ext uri="{28A0092B-C50C-407E-A947-70E740481C1C}">
+                <a14:useLocalDpi xmlns:a14="http://schemas.microsoft.com/office/drawing/2010/main" val="0"/>
+              </a:ext>
+            </a:extLst>
+          </a:blip>
+          <a:stretch>
+            <a:fillRect/>
+          </a:stretch>
+        </p:blipFill>
+        <p:spPr>
+          <a:xfrm>
+            <a:off x="168033" y="195172"/>
+            <a:ext cx="2452178" cy="1007326"/>
+          </a:xfrm>
+          <a:prstGeom prst="rect">
+            <a:avLst/>
+          </a:prstGeom>
+        </p:spPr>
+      </p:pic>
+    </p:spTree>
+    <p:extLst>
+      <p:ext uri="{BB962C8B-B14F-4D97-AF65-F5344CB8AC3E}">
+        <p14:creationId xmlns:p14="http://schemas.microsoft.com/office/powerpoint/2010/main" val="1399107203"/>
+      </p:ext>
+    </p:extLst>
+  </p:cSld>
+  <p:clrMapOvr>
+    <a:overrideClrMapping bg1="dk1" tx1="lt1" bg2="dk2" tx2="lt2" accent1="accent1" accent2="accent2" accent3="accent3" accent4="accent4" accent5="accent5" accent6="accent6" hlink="hlink" folHlink="folHlink"/>
+  </p:clrMapOvr>
+</p:sld>
+</file>
+
+<file path=ppt/slides/slide6.xml><?xml version="1.0" encoding="utf-8"?>
+<p:sld xmlns:a="http://schemas.openxmlformats.org/drawingml/2006/main" xmlns:r="http://schemas.openxmlformats.org/officeDocument/2006/relationships" xmlns:p="http://schemas.openxmlformats.org/presentationml/2006/main">
+  <p:cSld>
+    <p:spTree>
+      <p:nvGrpSpPr>
+        <p:cNvPr id="1" name=""/>
+        <p:cNvGrpSpPr/>
+        <p:nvPr/>
+      </p:nvGrpSpPr>
+      <p:grpSpPr>
+        <a:xfrm>
+          <a:off x="0" y="0"/>
+          <a:ext cx="0" cy="0"/>
+          <a:chOff x="0" y="0"/>
+          <a:chExt cx="0" cy="0"/>
+        </a:xfrm>
+      </p:grpSpPr>
+      <p:sp>
+        <p:nvSpPr>
+          <p:cNvPr id="3" name="Espace réservé du contenu 2">
+            <a:extLst>
+              <a:ext uri="{FF2B5EF4-FFF2-40B4-BE49-F238E27FC236}">
+                <a16:creationId xmlns:a16="http://schemas.microsoft.com/office/drawing/2014/main" id="{E0BBB9DE-019C-C741-F224-494739D4B752}"/>
+              </a:ext>
+            </a:extLst>
+          </p:cNvPr>
+          <p:cNvSpPr>
+            <a:spLocks noGrp="1"/>
+          </p:cNvSpPr>
+          <p:nvPr>
+            <p:ph sz="half" idx="1"/>
+          </p:nvPr>
+        </p:nvSpPr>
+        <p:spPr>
+          <a:xfrm>
+            <a:off x="1115568" y="2478024"/>
+            <a:ext cx="10168128" cy="3694176"/>
+          </a:xfrm>
+        </p:spPr>
+        <p:txBody>
+          <a:bodyPr>
+            <a:normAutofit/>
+          </a:bodyPr>
+          <a:lstStyle/>
+          <a:p>
+            <a:r>
+              <a:rPr lang="fr-FR" b="1" dirty="0"/>
+              <a:t>TO DO</a:t>
+            </a:r>
+            <a:endParaRPr lang="fr-FR" dirty="0"/>
+          </a:p>
+        </p:txBody>
+      </p:sp>
+      <p:sp>
+        <p:nvSpPr>
+          <p:cNvPr id="2" name="Titre 1">
+            <a:extLst>
+              <a:ext uri="{FF2B5EF4-FFF2-40B4-BE49-F238E27FC236}">
+                <a16:creationId xmlns:a16="http://schemas.microsoft.com/office/drawing/2014/main" id="{90162AE8-C1B0-5C56-8313-DEE494F38273}"/>
+              </a:ext>
+            </a:extLst>
+          </p:cNvPr>
+          <p:cNvSpPr>
+            <a:spLocks noGrp="1"/>
+          </p:cNvSpPr>
+          <p:nvPr>
+            <p:ph type="title"/>
+          </p:nvPr>
+        </p:nvSpPr>
+        <p:spPr/>
+        <p:txBody>
+          <a:bodyPr/>
+          <a:lstStyle/>
+          <a:p>
+            <a:r>
+              <a:rPr lang="fr-FR" dirty="0"/>
+              <a:t>GitHub</a:t>
+            </a:r>
+          </a:p>
+        </p:txBody>
+      </p:sp>
+      <p:pic>
+        <p:nvPicPr>
+          <p:cNvPr id="5" name="Image 4" descr="Une image contenant texte&#10;&#10;Description générée automatiquement">
+            <a:extLst>
+              <a:ext uri="{FF2B5EF4-FFF2-40B4-BE49-F238E27FC236}">
+                <a16:creationId xmlns:a16="http://schemas.microsoft.com/office/drawing/2014/main" id="{204ADC40-1D61-539F-22ED-6B21D67FBDE6}"/>
+              </a:ext>
+            </a:extLst>
+          </p:cNvPr>
+          <p:cNvPicPr>
+            <a:picLocks noChangeAspect="1"/>
+          </p:cNvPicPr>
+          <p:nvPr/>
+        </p:nvPicPr>
+        <p:blipFill>
+          <a:blip r:embed="rId2">
+            <a:extLst>
+              <a:ext uri="{28A0092B-C50C-407E-A947-70E740481C1C}">
+                <a14:useLocalDpi xmlns:a14="http://schemas.microsoft.com/office/drawing/2010/main" val="0"/>
+              </a:ext>
+            </a:extLst>
+          </a:blip>
+          <a:stretch>
+            <a:fillRect/>
+          </a:stretch>
+        </p:blipFill>
+        <p:spPr>
+          <a:xfrm>
+            <a:off x="202922" y="5934456"/>
+            <a:ext cx="1825291" cy="749808"/>
+          </a:xfrm>
+          <a:prstGeom prst="rect">
+            <a:avLst/>
+          </a:prstGeom>
+        </p:spPr>
+      </p:pic>
+      <p:pic>
+        <p:nvPicPr>
+          <p:cNvPr id="2050" name="Picture 2" descr="Résultat de recherche d'images pour &quot;github logo&quot;">
+            <a:extLst>
+              <a:ext uri="{FF2B5EF4-FFF2-40B4-BE49-F238E27FC236}">
+                <a16:creationId xmlns:a16="http://schemas.microsoft.com/office/drawing/2014/main" id="{EF17F59B-3DC2-541B-6AF7-484C8DC259FE}"/>
+              </a:ext>
+            </a:extLst>
+          </p:cNvPr>
+          <p:cNvPicPr>
+            <a:picLocks noChangeAspect="1" noChangeArrowheads="1"/>
+          </p:cNvPicPr>
+          <p:nvPr/>
+        </p:nvPicPr>
+        <p:blipFill>
+          <a:blip r:embed="rId3">
+            <a:extLst>
+              <a:ext uri="{28A0092B-C50C-407E-A947-70E740481C1C}">
+                <a14:useLocalDpi xmlns:a14="http://schemas.microsoft.com/office/drawing/2010/main" val="0"/>
+              </a:ext>
+            </a:extLst>
+          </a:blip>
+          <a:srcRect/>
+          <a:stretch>
+            <a:fillRect/>
+          </a:stretch>
+        </p:blipFill>
+        <p:spPr bwMode="auto">
+          <a:xfrm>
+            <a:off x="9076379" y="461391"/>
+            <a:ext cx="2276475" cy="1266825"/>
+          </a:xfrm>
+          <a:prstGeom prst="rect">
+            <a:avLst/>
+          </a:prstGeom>
+          <a:noFill/>
+          <a:extLst>
+            <a:ext uri="{909E8E84-426E-40DD-AFC4-6F175D3DCCD1}">
+              <a14:hiddenFill xmlns:a14="http://schemas.microsoft.com/office/drawing/2010/main">
+                <a:solidFill>
+                  <a:srgbClr val="FFFFFF"/>
+                </a:solidFill>
+              </a14:hiddenFill>
+            </a:ext>
+          </a:extLst>
+        </p:spPr>
+      </p:pic>
+    </p:spTree>
+    <p:extLst>
+      <p:ext uri="{BB962C8B-B14F-4D97-AF65-F5344CB8AC3E}">
+        <p14:creationId xmlns:p14="http://schemas.microsoft.com/office/powerpoint/2010/main" val="2977696754"/>
+      </p:ext>
+    </p:extLst>
+  </p:cSld>
+  <p:clrMapOvr>
+    <a:masterClrMapping/>
+  </p:clrMapOvr>
+</p:sld>
+</file>
+
+<file path=ppt/slides/slide7.xml><?xml version="1.0" encoding="utf-8"?>
+<p:sld xmlns:a="http://schemas.openxmlformats.org/drawingml/2006/main" xmlns:r="http://schemas.openxmlformats.org/officeDocument/2006/relationships" xmlns:p="http://schemas.openxmlformats.org/presentationml/2006/main">
+  <p:cSld>
+    <p:bg>
+      <p:bgPr>
+        <a:solidFill>
+          <a:schemeClr val="bg1"/>
+        </a:solidFill>
+        <a:effectLst/>
+      </p:bgPr>
+    </p:bg>
+    <p:spTree>
+      <p:nvGrpSpPr>
+        <p:cNvPr id="1" name=""/>
+        <p:cNvGrpSpPr/>
+        <p:nvPr/>
+      </p:nvGrpSpPr>
+      <p:grpSpPr>
+        <a:xfrm>
+          <a:off x="0" y="0"/>
+          <a:ext cx="0" cy="0"/>
+          <a:chOff x="0" y="0"/>
+          <a:chExt cx="0" cy="0"/>
+        </a:xfrm>
+      </p:grpSpPr>
+      <p:sp useBgFill="1">
+        <p:nvSpPr>
+          <p:cNvPr id="9" name="Rectangle 8">
+            <a:extLst>
+              <a:ext uri="{FF2B5EF4-FFF2-40B4-BE49-F238E27FC236}">
+                <a16:creationId xmlns:a16="http://schemas.microsoft.com/office/drawing/2014/main" id="{526E0BFB-CDF1-4990-8C11-AC849311E0A8}"/>
+              </a:ext>
+              <a:ext uri="{C183D7F6-B498-43B3-948B-1728B52AA6E4}">
+                <adec:decorative xmlns:adec="http://schemas.microsoft.com/office/drawing/2017/decorative" val="1"/>
+              </a:ext>
+            </a:extLst>
+          </p:cNvPr>
+          <p:cNvSpPr>
+            <a:spLocks noGrp="1" noRot="1" noChangeAspect="1" noMove="1" noResize="1" noEditPoints="1" noAdjustHandles="1" noChangeArrowheads="1" noChangeShapeType="1" noTextEdit="1"/>
+          </p:cNvSpPr>
+          <p:nvPr>
+            <p:extLst>
+              <p:ext uri="{386F3935-93C4-4BCD-93E2-E3B085C9AB24}">
+                <p16:designElem xmlns:p16="http://schemas.microsoft.com/office/powerpoint/2015/main" val="1"/>
+              </p:ext>
+            </p:extLst>
+          </p:nvPr>
+        </p:nvSpPr>
+        <p:spPr>
+          <a:xfrm>
+            <a:off x="0" y="0"/>
+            <a:ext cx="12192000" cy="6858000"/>
+          </a:xfrm>
+          <a:prstGeom prst="rect">
+            <a:avLst/>
+          </a:prstGeom>
+          <a:ln>
+            <a:noFill/>
+          </a:ln>
+        </p:spPr>
+        <p:style>
+          <a:lnRef idx="2">
+            <a:schemeClr val="accent1">
+              <a:shade val="50000"/>
+            </a:schemeClr>
+          </a:lnRef>
+          <a:fillRef idx="1">
+            <a:schemeClr val="accent1"/>
+          </a:fillRef>
+          <a:effectRef idx="0">
+            <a:schemeClr val="accent1"/>
+          </a:effectRef>
+          <a:fontRef idx="minor">
+            <a:schemeClr val="lt1"/>
+          </a:fontRef>
+        </p:style>
+        <p:txBody>
+          <a:bodyPr rtlCol="0" anchor="ctr"/>
+          <a:lstStyle/>
+          <a:p>
+            <a:pPr algn="ctr"/>
+            <a:endParaRPr lang="en-US"/>
+          </a:p>
+        </p:txBody>
+      </p:sp>
+      <p:pic>
+        <p:nvPicPr>
+          <p:cNvPr id="4" name="Picture 3">
+            <a:extLst>
+              <a:ext uri="{FF2B5EF4-FFF2-40B4-BE49-F238E27FC236}">
+                <a16:creationId xmlns:a16="http://schemas.microsoft.com/office/drawing/2014/main" id="{4C72F330-992B-B125-739B-F8303ED3A097}"/>
+              </a:ext>
+            </a:extLst>
+          </p:cNvPr>
+          <p:cNvPicPr>
+            <a:picLocks noChangeAspect="1"/>
+          </p:cNvPicPr>
+          <p:nvPr/>
+        </p:nvPicPr>
+        <p:blipFill rotWithShape="1">
+          <a:blip r:embed="rId2"/>
+          <a:srcRect t="11669" r="-1" b="426"/>
+          <a:stretch/>
+        </p:blipFill>
+        <p:spPr>
+          <a:xfrm>
+            <a:off x="-2" y="10"/>
+            <a:ext cx="8668512" cy="6857990"/>
+          </a:xfrm>
+          <a:prstGeom prst="rect">
+            <a:avLst/>
+          </a:prstGeom>
+        </p:spPr>
+      </p:pic>
+      <p:sp>
+        <p:nvSpPr>
+          <p:cNvPr id="11" name="Rectangle 10">
+            <a:extLst>
+              <a:ext uri="{FF2B5EF4-FFF2-40B4-BE49-F238E27FC236}">
+                <a16:creationId xmlns:a16="http://schemas.microsoft.com/office/drawing/2014/main" id="{6069A1F8-9BEB-4786-9694-FC48B2D75D21}"/>
+              </a:ext>
+              <a:ext uri="{C183D7F6-B498-43B3-948B-1728B52AA6E4}">
+                <adec:decorative xmlns:adec="http://schemas.microsoft.com/office/drawing/2017/decorative" val="1"/>
+              </a:ext>
+            </a:extLst>
+          </p:cNvPr>
+          <p:cNvSpPr>
+            <a:spLocks noGrp="1" noRot="1" noChangeAspect="1" noMove="1" noResize="1" noEditPoints="1" noAdjustHandles="1" noChangeArrowheads="1" noChangeShapeType="1" noTextEdit="1"/>
+          </p:cNvSpPr>
+          <p:nvPr>
+            <p:extLst>
+              <p:ext uri="{386F3935-93C4-4BCD-93E2-E3B085C9AB24}">
+                <p16:designElem xmlns:p16="http://schemas.microsoft.com/office/powerpoint/2015/main" val="1"/>
+              </p:ext>
+            </p:extLst>
+          </p:nvPr>
+        </p:nvSpPr>
+        <p:spPr>
+          <a:xfrm flipH="1">
+            <a:off x="2788244" y="0"/>
+            <a:ext cx="9403756" cy="6858000"/>
+          </a:xfrm>
+          <a:prstGeom prst="rect">
+            <a:avLst/>
+          </a:prstGeom>
+          <a:gradFill>
+            <a:gsLst>
+              <a:gs pos="58000">
+                <a:schemeClr val="bg1"/>
+              </a:gs>
+              <a:gs pos="30000">
+                <a:schemeClr val="bg1">
+                  <a:alpha val="64000"/>
+                </a:schemeClr>
+              </a:gs>
+              <a:gs pos="0">
+                <a:schemeClr val="bg1">
+                  <a:alpha val="0"/>
+                </a:schemeClr>
+              </a:gs>
+              <a:gs pos="100000">
+                <a:schemeClr val="bg1"/>
+              </a:gs>
+            </a:gsLst>
+            <a:lin ang="10800000" scaled="0"/>
+          </a:gradFill>
+          <a:ln>
+            <a:noFill/>
+          </a:ln>
+        </p:spPr>
+        <p:style>
+          <a:lnRef idx="2">
+            <a:schemeClr val="accent1">
+              <a:shade val="50000"/>
+            </a:schemeClr>
+          </a:lnRef>
+          <a:fillRef idx="1">
+            <a:schemeClr val="accent1"/>
+          </a:fillRef>
+          <a:effectRef idx="0">
+            <a:schemeClr val="accent1"/>
+          </a:effectRef>
+          <a:fontRef idx="minor">
+            <a:schemeClr val="lt1"/>
+          </a:fontRef>
+        </p:style>
+        <p:txBody>
+          <a:bodyPr rtlCol="0" anchor="ctr"/>
+          <a:lstStyle/>
+          <a:p>
+            <a:pPr algn="ctr"/>
+            <a:endParaRPr lang="en-US" dirty="0"/>
+          </a:p>
+        </p:txBody>
+      </p:sp>
+      <p:sp>
+        <p:nvSpPr>
+          <p:cNvPr id="2" name="Titre 1">
+            <a:extLst>
+              <a:ext uri="{FF2B5EF4-FFF2-40B4-BE49-F238E27FC236}">
+                <a16:creationId xmlns:a16="http://schemas.microsoft.com/office/drawing/2014/main" id="{CF8D1EB8-F6E7-EB54-1CC8-28472070B9FC}"/>
+              </a:ext>
+            </a:extLst>
+          </p:cNvPr>
+          <p:cNvSpPr>
+            <a:spLocks noGrp="1"/>
+          </p:cNvSpPr>
+          <p:nvPr>
+            <p:ph type="ctrTitle"/>
+          </p:nvPr>
+        </p:nvSpPr>
+        <p:spPr>
+          <a:xfrm>
+            <a:off x="7848600" y="1122363"/>
+            <a:ext cx="4023360" cy="3204134"/>
+          </a:xfrm>
+        </p:spPr>
+        <p:txBody>
+          <a:bodyPr anchor="b">
+            <a:normAutofit/>
+          </a:bodyPr>
+          <a:lstStyle/>
+          <a:p>
+            <a:r>
+              <a:rPr lang="fr-FR" sz="4800" dirty="0"/>
+              <a:t>Méthodes de travail</a:t>
+            </a:r>
+          </a:p>
+        </p:txBody>
+      </p:sp>
+      <p:sp>
+        <p:nvSpPr>
+          <p:cNvPr id="3" name="Sous-titre 2">
+            <a:extLst>
+              <a:ext uri="{FF2B5EF4-FFF2-40B4-BE49-F238E27FC236}">
+                <a16:creationId xmlns:a16="http://schemas.microsoft.com/office/drawing/2014/main" id="{BDFEFAEF-AB6A-BE8F-01E7-845FB609FA07}"/>
+              </a:ext>
+            </a:extLst>
+          </p:cNvPr>
+          <p:cNvSpPr>
+            <a:spLocks noGrp="1"/>
+          </p:cNvSpPr>
+          <p:nvPr>
+            <p:ph type="subTitle" idx="1"/>
+          </p:nvPr>
+        </p:nvSpPr>
+        <p:spPr>
+          <a:xfrm>
+            <a:off x="7848600" y="4872922"/>
+            <a:ext cx="4023360" cy="1208141"/>
+          </a:xfrm>
+        </p:spPr>
+        <p:txBody>
+          <a:bodyPr>
+            <a:normAutofit/>
+          </a:bodyPr>
+          <a:lstStyle/>
+          <a:p>
+            <a:r>
+              <a:rPr lang="fr-FR" sz="2000"/>
+              <a:t>Outils Numériques / Semestre 5 / Institut d’Optique / B0_0</a:t>
+            </a:r>
+          </a:p>
+        </p:txBody>
+      </p:sp>
+      <p:sp>
+        <p:nvSpPr>
+          <p:cNvPr id="32" name="Rectangle 12">
+            <a:extLst>
+              <a:ext uri="{FF2B5EF4-FFF2-40B4-BE49-F238E27FC236}">
+                <a16:creationId xmlns:a16="http://schemas.microsoft.com/office/drawing/2014/main" id="{AF2F604E-43BE-4DC3-B983-E071523364F8}"/>
+              </a:ext>
+              <a:ext uri="{C183D7F6-B498-43B3-948B-1728B52AA6E4}">
+                <adec:decorative xmlns:adec="http://schemas.microsoft.com/office/drawing/2017/decorative" val="1"/>
+              </a:ext>
+            </a:extLst>
+          </p:cNvPr>
+          <p:cNvSpPr>
+            <a:spLocks noGrp="1" noRot="1" noChangeAspect="1" noMove="1" noResize="1" noEditPoints="1" noAdjustHandles="1" noChangeArrowheads="1" noChangeShapeType="1" noTextEdit="1"/>
+          </p:cNvSpPr>
+          <p:nvPr>
+            <p:extLst>
+              <p:ext uri="{386F3935-93C4-4BCD-93E2-E3B085C9AB24}">
+                <p16:designElem xmlns:p16="http://schemas.microsoft.com/office/powerpoint/2015/main" val="1"/>
+              </p:ext>
+            </p:extLst>
+          </p:nvPr>
+        </p:nvSpPr>
+        <p:spPr>
+          <a:xfrm rot="5400000">
+            <a:off x="8130540" y="346791"/>
+            <a:ext cx="146304" cy="704088"/>
+          </a:xfrm>
+          <a:prstGeom prst="rect">
+            <a:avLst/>
+          </a:prstGeom>
+          <a:solidFill>
+            <a:schemeClr val="accent1"/>
+          </a:solidFill>
+          <a:ln>
+            <a:noFill/>
+          </a:ln>
+        </p:spPr>
+        <p:style>
+          <a:lnRef idx="2">
+            <a:schemeClr val="accent1">
+              <a:shade val="50000"/>
+            </a:schemeClr>
+          </a:lnRef>
+          <a:fillRef idx="1">
+            <a:schemeClr val="accent1"/>
+          </a:fillRef>
+          <a:effectRef idx="0">
+            <a:schemeClr val="accent1"/>
+          </a:effectRef>
+          <a:fontRef idx="minor">
+            <a:schemeClr val="lt1"/>
+          </a:fontRef>
+        </p:style>
+        <p:txBody>
+          <a:bodyPr rtlCol="0" anchor="ctr"/>
+          <a:lstStyle/>
+          <a:p>
+            <a:pPr marL="0" marR="0" lvl="0" indent="0" algn="ctr" defTabSz="914400" rtl="0" eaLnBrk="1" fontAlgn="auto" latinLnBrk="0" hangingPunct="1">
+              <a:lnSpc>
+                <a:spcPct val="100000"/>
+              </a:lnSpc>
+              <a:spcBef>
+                <a:spcPts val="0"/>
+              </a:spcBef>
+              <a:spcAft>
+                <a:spcPts val="0"/>
+              </a:spcAft>
+              <a:buClrTx/>
+              <a:buSzTx/>
+              <a:buFontTx/>
+              <a:buNone/>
+              <a:tabLst/>
+              <a:defRPr/>
+            </a:pPr>
+            <a:endParaRPr kumimoji="0" lang="en-US" sz="1800" b="0" i="0" u="none" strike="noStrike" kern="1200" cap="none" spc="0" normalizeH="0" baseline="0" noProof="0">
+              <a:ln>
+                <a:noFill/>
+              </a:ln>
+              <a:solidFill>
+                <a:prstClr val="white"/>
+              </a:solidFill>
+              <a:effectLst/>
+              <a:uLnTx/>
+              <a:uFillTx/>
+              <a:latin typeface="Calibri" panose="020F0502020204030204"/>
+              <a:ea typeface="+mn-ea"/>
+              <a:cs typeface="+mn-cs"/>
+            </a:endParaRPr>
+          </a:p>
+        </p:txBody>
+      </p:sp>
+      <p:sp>
+        <p:nvSpPr>
+          <p:cNvPr id="33" name="Rectangle 14">
+            <a:extLst>
+              <a:ext uri="{FF2B5EF4-FFF2-40B4-BE49-F238E27FC236}">
+                <a16:creationId xmlns:a16="http://schemas.microsoft.com/office/drawing/2014/main" id="{08C9B587-E65E-4B52-B37C-ABEBB6E87928}"/>
+              </a:ext>
+              <a:ext uri="{C183D7F6-B498-43B3-948B-1728B52AA6E4}">
+                <adec:decorative xmlns:adec="http://schemas.microsoft.com/office/drawing/2017/decorative" val="1"/>
+              </a:ext>
+            </a:extLst>
+          </p:cNvPr>
+          <p:cNvSpPr>
+            <a:spLocks noGrp="1" noRot="1" noChangeAspect="1" noMove="1" noResize="1" noEditPoints="1" noAdjustHandles="1" noChangeArrowheads="1" noChangeShapeType="1" noTextEdit="1"/>
+          </p:cNvSpPr>
+          <p:nvPr>
+            <p:extLst>
+              <p:ext uri="{386F3935-93C4-4BCD-93E2-E3B085C9AB24}">
+                <p16:designElem xmlns:p16="http://schemas.microsoft.com/office/powerpoint/2015/main" val="1"/>
+              </p:ext>
+            </p:extLst>
+          </p:nvPr>
+        </p:nvSpPr>
+        <p:spPr>
+          <a:xfrm>
+            <a:off x="7851648" y="4546920"/>
+            <a:ext cx="4023360" cy="18288"/>
+          </a:xfrm>
+          <a:prstGeom prst="rect">
+            <a:avLst/>
+          </a:prstGeom>
+          <a:solidFill>
+            <a:schemeClr val="tx1"/>
+          </a:solidFill>
+          <a:ln w="3175">
+            <a:noFill/>
+          </a:ln>
+          <a:effectLst/>
+        </p:spPr>
+        <p:style>
+          <a:lnRef idx="2">
+            <a:schemeClr val="accent1">
+              <a:shade val="50000"/>
+            </a:schemeClr>
+          </a:lnRef>
+          <a:fillRef idx="1">
+            <a:schemeClr val="accent1"/>
+          </a:fillRef>
+          <a:effectRef idx="0">
+            <a:schemeClr val="accent1"/>
+          </a:effectRef>
+          <a:fontRef idx="minor">
+            <a:schemeClr val="lt1"/>
+          </a:fontRef>
+        </p:style>
+        <p:txBody>
+          <a:bodyPr rtlCol="0" anchor="ctr"/>
+          <a:lstStyle/>
+          <a:p>
+            <a:pPr marL="0" marR="0" lvl="0" indent="0" algn="ctr" defTabSz="914400" rtl="0" eaLnBrk="1" fontAlgn="auto" latinLnBrk="0" hangingPunct="1">
+              <a:lnSpc>
+                <a:spcPct val="100000"/>
+              </a:lnSpc>
+              <a:spcBef>
+                <a:spcPts val="0"/>
+              </a:spcBef>
+              <a:spcAft>
+                <a:spcPts val="0"/>
+              </a:spcAft>
+              <a:buClrTx/>
+              <a:buSzTx/>
+              <a:buFontTx/>
+              <a:buNone/>
+              <a:tabLst/>
+              <a:defRPr/>
+            </a:pPr>
+            <a:endParaRPr kumimoji="0" lang="en-US" sz="1800" b="0" i="0" u="none" strike="noStrike" kern="1200" cap="none" spc="0" normalizeH="0" baseline="0" noProof="0">
+              <a:ln>
+                <a:noFill/>
+              </a:ln>
+              <a:solidFill>
+                <a:prstClr val="white"/>
+              </a:solidFill>
+              <a:effectLst/>
+              <a:uLnTx/>
+              <a:uFillTx/>
+              <a:latin typeface="Calibri" panose="020F0502020204030204"/>
+              <a:ea typeface="+mn-ea"/>
+              <a:cs typeface="+mn-cs"/>
+            </a:endParaRPr>
+          </a:p>
+        </p:txBody>
+      </p:sp>
+      <p:pic>
+        <p:nvPicPr>
+          <p:cNvPr id="6" name="Image 5" descr="Une image contenant texte&#10;&#10;Description générée automatiquement">
+            <a:extLst>
+              <a:ext uri="{FF2B5EF4-FFF2-40B4-BE49-F238E27FC236}">
+                <a16:creationId xmlns:a16="http://schemas.microsoft.com/office/drawing/2014/main" id="{3D75D9F9-6192-EA6A-A7C9-F09C6FC342AD}"/>
+              </a:ext>
+            </a:extLst>
+          </p:cNvPr>
+          <p:cNvPicPr>
+            <a:picLocks noChangeAspect="1"/>
+          </p:cNvPicPr>
+          <p:nvPr/>
+        </p:nvPicPr>
+        <p:blipFill>
+          <a:blip r:embed="rId3">
+            <a:extLst>
+              <a:ext uri="{28A0092B-C50C-407E-A947-70E740481C1C}">
+                <a14:useLocalDpi xmlns:a14="http://schemas.microsoft.com/office/drawing/2010/main" val="0"/>
+              </a:ext>
+            </a:extLst>
+          </a:blip>
+          <a:stretch>
+            <a:fillRect/>
+          </a:stretch>
+        </p:blipFill>
+        <p:spPr>
+          <a:xfrm>
+            <a:off x="168033" y="195172"/>
+            <a:ext cx="2452178" cy="1007326"/>
+          </a:xfrm>
+          <a:prstGeom prst="rect">
+            <a:avLst/>
+          </a:prstGeom>
+        </p:spPr>
+      </p:pic>
+    </p:spTree>
+    <p:extLst>
+      <p:ext uri="{BB962C8B-B14F-4D97-AF65-F5344CB8AC3E}">
+        <p14:creationId xmlns:p14="http://schemas.microsoft.com/office/powerpoint/2010/main" val="2757391437"/>
+      </p:ext>
+    </p:extLst>
+  </p:cSld>
+  <p:clrMapOvr>
+    <a:overrideClrMapping bg1="dk1" tx1="lt1" bg2="dk2" tx2="lt2" accent1="accent1" accent2="accent2" accent3="accent3" accent4="accent4" accent5="accent5" accent6="accent6" hlink="hlink" folHlink="folHlink"/>
+  </p:clrMapOvr>
+</p:sld>
+</file>
+
+<file path=ppt/slides/slide8.xml><?xml version="1.0" encoding="utf-8"?>
+<p:sld xmlns:a="http://schemas.openxmlformats.org/drawingml/2006/main" xmlns:r="http://schemas.openxmlformats.org/officeDocument/2006/relationships" xmlns:p="http://schemas.openxmlformats.org/presentationml/2006/main">
+  <p:cSld>
+    <p:spTree>
+      <p:nvGrpSpPr>
+        <p:cNvPr id="1" name=""/>
+        <p:cNvGrpSpPr/>
+        <p:nvPr/>
+      </p:nvGrpSpPr>
+      <p:grpSpPr>
+        <a:xfrm>
+          <a:off x="0" y="0"/>
+          <a:ext cx="0" cy="0"/>
+          <a:chOff x="0" y="0"/>
+          <a:chExt cx="0" cy="0"/>
+        </a:xfrm>
+      </p:grpSpPr>
       <p:sp>
         <p:nvSpPr>
           <p:cNvPr id="3" name="Espace réservé du contenu 2">
@@ -6678,7 +7839,7 @@
 </p:sld>
 </file>
 
-<file path=ppt/slides/slide6.xml><?xml version="1.0" encoding="utf-8"?>
+<file path=ppt/slides/slide9.xml><?xml version="1.0" encoding="utf-8"?>
 <p:sld xmlns:a="http://schemas.openxmlformats.org/drawingml/2006/main" xmlns:r="http://schemas.openxmlformats.org/officeDocument/2006/relationships" xmlns:p="http://schemas.openxmlformats.org/presentationml/2006/main">
   <p:cSld>
     <p:spTree>

--- a/engineer_courses/s5_outils_numeriques/b0_demistifier_python/B0_0_Outils_Methodes.pptx
+++ b/engineer_courses/s5_outils_numeriques/b0_demistifier_python/B0_0_Outils_Methodes.pptx
@@ -11,9 +11,10 @@
     <p:sldId id="259" r:id="rId5"/>
     <p:sldId id="262" r:id="rId6"/>
     <p:sldId id="264" r:id="rId7"/>
-    <p:sldId id="263" r:id="rId8"/>
-    <p:sldId id="261" r:id="rId9"/>
-    <p:sldId id="260" r:id="rId10"/>
+    <p:sldId id="265" r:id="rId8"/>
+    <p:sldId id="263" r:id="rId9"/>
+    <p:sldId id="261" r:id="rId10"/>
+    <p:sldId id="260" r:id="rId11"/>
   </p:sldIdLst>
   <p:sldSz cx="12192000" cy="6858000"/>
   <p:notesSz cx="6858000" cy="9144000"/>
@@ -5566,6 +5567,150 @@
 </p:sld>
 </file>
 
+<file path=ppt/slides/slide10.xml><?xml version="1.0" encoding="utf-8"?>
+<p:sld xmlns:a="http://schemas.openxmlformats.org/drawingml/2006/main" xmlns:r="http://schemas.openxmlformats.org/officeDocument/2006/relationships" xmlns:p="http://schemas.openxmlformats.org/presentationml/2006/main">
+  <p:cSld>
+    <p:spTree>
+      <p:nvGrpSpPr>
+        <p:cNvPr id="1" name=""/>
+        <p:cNvGrpSpPr/>
+        <p:nvPr/>
+      </p:nvGrpSpPr>
+      <p:grpSpPr>
+        <a:xfrm>
+          <a:off x="0" y="0"/>
+          <a:ext cx="0" cy="0"/>
+          <a:chOff x="0" y="0"/>
+          <a:chExt cx="0" cy="0"/>
+        </a:xfrm>
+      </p:grpSpPr>
+      <p:sp>
+        <p:nvSpPr>
+          <p:cNvPr id="3" name="Espace réservé du contenu 2">
+            <a:extLst>
+              <a:ext uri="{FF2B5EF4-FFF2-40B4-BE49-F238E27FC236}">
+                <a16:creationId xmlns:a16="http://schemas.microsoft.com/office/drawing/2014/main" id="{E0BBB9DE-019C-C741-F224-494739D4B752}"/>
+              </a:ext>
+            </a:extLst>
+          </p:cNvPr>
+          <p:cNvSpPr>
+            <a:spLocks noGrp="1"/>
+          </p:cNvSpPr>
+          <p:nvPr>
+            <p:ph sz="half" idx="1"/>
+          </p:nvPr>
+        </p:nvSpPr>
+        <p:spPr>
+          <a:xfrm>
+            <a:off x="1115568" y="2478024"/>
+            <a:ext cx="10168128" cy="3694176"/>
+          </a:xfrm>
+        </p:spPr>
+        <p:txBody>
+          <a:bodyPr>
+            <a:normAutofit/>
+          </a:bodyPr>
+          <a:lstStyle/>
+          <a:p>
+            <a:r>
+              <a:rPr lang="fr-FR" dirty="0"/>
+              <a:t>Démystifier les langages de haut niveau</a:t>
+            </a:r>
+            <a:endParaRPr lang="fr-FR" b="1" dirty="0"/>
+          </a:p>
+          <a:p>
+            <a:pPr lvl="1"/>
+            <a:r>
+              <a:rPr lang="fr-FR" dirty="0"/>
+              <a:t>Quelques notions théoriques</a:t>
+            </a:r>
+          </a:p>
+          <a:p>
+            <a:pPr lvl="1"/>
+            <a:r>
+              <a:rPr lang="fr-FR" dirty="0"/>
+              <a:t>Des exemples pratiques en Python (ou C/C++)</a:t>
+            </a:r>
+          </a:p>
+        </p:txBody>
+      </p:sp>
+      <p:sp>
+        <p:nvSpPr>
+          <p:cNvPr id="2" name="Titre 1">
+            <a:extLst>
+              <a:ext uri="{FF2B5EF4-FFF2-40B4-BE49-F238E27FC236}">
+                <a16:creationId xmlns:a16="http://schemas.microsoft.com/office/drawing/2014/main" id="{90162AE8-C1B0-5C56-8313-DEE494F38273}"/>
+              </a:ext>
+            </a:extLst>
+          </p:cNvPr>
+          <p:cNvSpPr>
+            <a:spLocks noGrp="1"/>
+          </p:cNvSpPr>
+          <p:nvPr>
+            <p:ph type="title"/>
+          </p:nvPr>
+        </p:nvSpPr>
+        <p:spPr/>
+        <p:txBody>
+          <a:bodyPr/>
+          <a:lstStyle/>
+          <a:p>
+            <a:r>
+              <a:rPr lang="fr-FR" dirty="0"/>
+              <a:t>Méthode de travail / Bloc 0</a:t>
+            </a:r>
+          </a:p>
+        </p:txBody>
+      </p:sp>
+      <p:pic>
+        <p:nvPicPr>
+          <p:cNvPr id="5" name="Image 4" descr="Une image contenant texte&#10;&#10;Description générée automatiquement">
+            <a:extLst>
+              <a:ext uri="{FF2B5EF4-FFF2-40B4-BE49-F238E27FC236}">
+                <a16:creationId xmlns:a16="http://schemas.microsoft.com/office/drawing/2014/main" id="{204ADC40-1D61-539F-22ED-6B21D67FBDE6}"/>
+              </a:ext>
+            </a:extLst>
+          </p:cNvPr>
+          <p:cNvPicPr>
+            <a:picLocks noChangeAspect="1"/>
+          </p:cNvPicPr>
+          <p:nvPr/>
+        </p:nvPicPr>
+        <p:blipFill>
+          <a:blip r:embed="rId2">
+            <a:extLst>
+              <a:ext uri="{28A0092B-C50C-407E-A947-70E740481C1C}">
+                <a14:useLocalDpi xmlns:a14="http://schemas.microsoft.com/office/drawing/2010/main" val="0"/>
+              </a:ext>
+            </a:extLst>
+          </a:blip>
+          <a:stretch>
+            <a:fillRect/>
+          </a:stretch>
+        </p:blipFill>
+        <p:spPr>
+          <a:xfrm>
+            <a:off x="202922" y="5934456"/>
+            <a:ext cx="1825291" cy="749808"/>
+          </a:xfrm>
+          <a:prstGeom prst="rect">
+            <a:avLst/>
+          </a:prstGeom>
+        </p:spPr>
+      </p:pic>
+    </p:spTree>
+    <p:extLst>
+      <p:ext uri="{BB962C8B-B14F-4D97-AF65-F5344CB8AC3E}">
+        <p14:creationId xmlns:p14="http://schemas.microsoft.com/office/powerpoint/2010/main" val="2211726380"/>
+      </p:ext>
+    </p:extLst>
+  </p:cSld>
+  <p:clrMapOvr>
+    <a:masterClrMapping/>
+  </p:clrMapOvr>
+</p:sld>
+</file>
+
 <file path=ppt/slides/slide2.xml><?xml version="1.0" encoding="utf-8"?>
 <p:sld xmlns:a="http://schemas.openxmlformats.org/drawingml/2006/main" xmlns:r="http://schemas.openxmlformats.org/officeDocument/2006/relationships" xmlns:p="http://schemas.openxmlformats.org/presentationml/2006/main">
   <p:cSld>
@@ -6940,42 +7085,6 @@
       </p:grpSpPr>
       <p:sp>
         <p:nvSpPr>
-          <p:cNvPr id="3" name="Espace réservé du contenu 2">
-            <a:extLst>
-              <a:ext uri="{FF2B5EF4-FFF2-40B4-BE49-F238E27FC236}">
-                <a16:creationId xmlns:a16="http://schemas.microsoft.com/office/drawing/2014/main" id="{E0BBB9DE-019C-C741-F224-494739D4B752}"/>
-              </a:ext>
-            </a:extLst>
-          </p:cNvPr>
-          <p:cNvSpPr>
-            <a:spLocks noGrp="1"/>
-          </p:cNvSpPr>
-          <p:nvPr>
-            <p:ph sz="half" idx="1"/>
-          </p:nvPr>
-        </p:nvSpPr>
-        <p:spPr>
-          <a:xfrm>
-            <a:off x="1115568" y="2478024"/>
-            <a:ext cx="10168128" cy="3694176"/>
-          </a:xfrm>
-        </p:spPr>
-        <p:txBody>
-          <a:bodyPr>
-            <a:normAutofit/>
-          </a:bodyPr>
-          <a:lstStyle/>
-          <a:p>
-            <a:r>
-              <a:rPr lang="fr-FR" b="1" dirty="0"/>
-              <a:t>TO DO</a:t>
-            </a:r>
-            <a:endParaRPr lang="fr-FR" dirty="0"/>
-          </a:p>
-        </p:txBody>
-      </p:sp>
-      <p:sp>
-        <p:nvSpPr>
           <p:cNvPr id="2" name="Titre 1">
             <a:extLst>
               <a:ext uri="{FF2B5EF4-FFF2-40B4-BE49-F238E27FC236}">
@@ -7085,6 +7194,132 @@
           </a:extLst>
         </p:spPr>
       </p:pic>
+      <p:pic>
+        <p:nvPicPr>
+          <p:cNvPr id="41" name="Image 40">
+            <a:extLst>
+              <a:ext uri="{FF2B5EF4-FFF2-40B4-BE49-F238E27FC236}">
+                <a16:creationId xmlns:a16="http://schemas.microsoft.com/office/drawing/2014/main" id="{41071474-0EEF-CB6B-D2F1-ACC72F5C06A3}"/>
+              </a:ext>
+            </a:extLst>
+          </p:cNvPr>
+          <p:cNvPicPr>
+            <a:picLocks noChangeAspect="1"/>
+          </p:cNvPicPr>
+          <p:nvPr/>
+        </p:nvPicPr>
+        <p:blipFill>
+          <a:blip r:embed="rId4"/>
+          <a:stretch>
+            <a:fillRect/>
+          </a:stretch>
+        </p:blipFill>
+        <p:spPr>
+          <a:xfrm>
+            <a:off x="4121063" y="2285615"/>
+            <a:ext cx="7675649" cy="4443797"/>
+          </a:xfrm>
+          <a:prstGeom prst="rect">
+            <a:avLst/>
+          </a:prstGeom>
+        </p:spPr>
+      </p:pic>
+      <p:sp>
+        <p:nvSpPr>
+          <p:cNvPr id="43" name="ZoneTexte 42">
+            <a:extLst>
+              <a:ext uri="{FF2B5EF4-FFF2-40B4-BE49-F238E27FC236}">
+                <a16:creationId xmlns:a16="http://schemas.microsoft.com/office/drawing/2014/main" id="{9E87E441-53D6-9921-A25B-CA8D67F6CBB0}"/>
+              </a:ext>
+            </a:extLst>
+          </p:cNvPr>
+          <p:cNvSpPr txBox="1"/>
+          <p:nvPr/>
+        </p:nvSpPr>
+        <p:spPr>
+          <a:xfrm>
+            <a:off x="6392314" y="6577781"/>
+            <a:ext cx="5485054" cy="261610"/>
+          </a:xfrm>
+          <a:prstGeom prst="rect">
+            <a:avLst/>
+          </a:prstGeom>
+          <a:noFill/>
+        </p:spPr>
+        <p:txBody>
+          <a:bodyPr wrap="square">
+            <a:spAutoFit/>
+          </a:bodyPr>
+          <a:lstStyle/>
+          <a:p>
+            <a:r>
+              <a:rPr lang="fr-FR" sz="1100" dirty="0"/>
+              <a:t>https://www.atlassian.com/fr/git/tutorials/comparing-workflows/gitflow-workflow</a:t>
+            </a:r>
+          </a:p>
+        </p:txBody>
+      </p:sp>
+      <p:sp>
+        <p:nvSpPr>
+          <p:cNvPr id="44" name="Espace réservé du contenu 2">
+            <a:extLst>
+              <a:ext uri="{FF2B5EF4-FFF2-40B4-BE49-F238E27FC236}">
+                <a16:creationId xmlns:a16="http://schemas.microsoft.com/office/drawing/2014/main" id="{CFC1AF1C-4CD6-7C05-B1D8-48280618648A}"/>
+              </a:ext>
+            </a:extLst>
+          </p:cNvPr>
+          <p:cNvSpPr>
+            <a:spLocks noGrp="1"/>
+          </p:cNvSpPr>
+          <p:nvPr>
+            <p:ph sz="half" idx="1"/>
+          </p:nvPr>
+        </p:nvSpPr>
+        <p:spPr>
+          <a:xfrm>
+            <a:off x="1115568" y="2478024"/>
+            <a:ext cx="10168128" cy="3694176"/>
+          </a:xfrm>
+        </p:spPr>
+        <p:txBody>
+          <a:bodyPr>
+            <a:normAutofit/>
+          </a:bodyPr>
+          <a:lstStyle/>
+          <a:p>
+            <a:r>
+              <a:rPr lang="fr-FR" b="1" dirty="0"/>
+              <a:t>Gestion de </a:t>
+            </a:r>
+            <a:br>
+              <a:rPr lang="fr-FR" b="1" dirty="0"/>
+            </a:br>
+            <a:r>
+              <a:rPr lang="fr-FR" b="1" dirty="0"/>
+              <a:t>versions</a:t>
+            </a:r>
+          </a:p>
+          <a:p>
+            <a:r>
+              <a:rPr lang="fr-FR" b="1" dirty="0"/>
+              <a:t>Dépôts de </a:t>
+            </a:r>
+            <a:br>
+              <a:rPr lang="fr-FR" b="1" dirty="0"/>
+            </a:br>
+            <a:r>
+              <a:rPr lang="fr-FR" b="1" dirty="0"/>
+              <a:t>fichiers</a:t>
+            </a:r>
+          </a:p>
+          <a:p>
+            <a:pPr marL="457200" lvl="1" indent="0">
+              <a:buNone/>
+            </a:pPr>
+            <a:endParaRPr lang="fr-FR" dirty="0"/>
+          </a:p>
+        </p:txBody>
+      </p:sp>
     </p:spTree>
     <p:extLst>
       <p:ext uri="{BB962C8B-B14F-4D97-AF65-F5344CB8AC3E}">
@@ -7099,6 +7334,1456 @@
 </file>
 
 <file path=ppt/slides/slide7.xml><?xml version="1.0" encoding="utf-8"?>
+<p:sld xmlns:a="http://schemas.openxmlformats.org/drawingml/2006/main" xmlns:r="http://schemas.openxmlformats.org/officeDocument/2006/relationships" xmlns:p="http://schemas.openxmlformats.org/presentationml/2006/main">
+  <p:cSld>
+    <p:spTree>
+      <p:nvGrpSpPr>
+        <p:cNvPr id="1" name=""/>
+        <p:cNvGrpSpPr/>
+        <p:nvPr/>
+      </p:nvGrpSpPr>
+      <p:grpSpPr>
+        <a:xfrm>
+          <a:off x="0" y="0"/>
+          <a:ext cx="0" cy="0"/>
+          <a:chOff x="0" y="0"/>
+          <a:chExt cx="0" cy="0"/>
+        </a:xfrm>
+      </p:grpSpPr>
+      <p:sp>
+        <p:nvSpPr>
+          <p:cNvPr id="14" name="Organigramme : Procédé prédéfini 13">
+            <a:extLst>
+              <a:ext uri="{FF2B5EF4-FFF2-40B4-BE49-F238E27FC236}">
+                <a16:creationId xmlns:a16="http://schemas.microsoft.com/office/drawing/2014/main" id="{149774E8-A104-6C9B-816A-4E3C2A207F29}"/>
+              </a:ext>
+            </a:extLst>
+          </p:cNvPr>
+          <p:cNvSpPr/>
+          <p:nvPr/>
+        </p:nvSpPr>
+        <p:spPr>
+          <a:xfrm>
+            <a:off x="1238863" y="2914972"/>
+            <a:ext cx="1455176" cy="2187969"/>
+          </a:xfrm>
+          <a:prstGeom prst="flowChartPredefinedProcess">
+            <a:avLst/>
+          </a:prstGeom>
+        </p:spPr>
+        <p:style>
+          <a:lnRef idx="2">
+            <a:schemeClr val="accent1">
+              <a:shade val="50000"/>
+            </a:schemeClr>
+          </a:lnRef>
+          <a:fillRef idx="1">
+            <a:schemeClr val="accent1"/>
+          </a:fillRef>
+          <a:effectRef idx="0">
+            <a:schemeClr val="accent1"/>
+          </a:effectRef>
+          <a:fontRef idx="minor">
+            <a:schemeClr val="lt1"/>
+          </a:fontRef>
+        </p:style>
+        <p:txBody>
+          <a:bodyPr rtlCol="0" anchor="ctr"/>
+          <a:lstStyle/>
+          <a:p>
+            <a:pPr algn="ctr"/>
+            <a:endParaRPr lang="fr-FR" dirty="0"/>
+          </a:p>
+        </p:txBody>
+      </p:sp>
+      <p:sp>
+        <p:nvSpPr>
+          <p:cNvPr id="2" name="Titre 1">
+            <a:extLst>
+              <a:ext uri="{FF2B5EF4-FFF2-40B4-BE49-F238E27FC236}">
+                <a16:creationId xmlns:a16="http://schemas.microsoft.com/office/drawing/2014/main" id="{90162AE8-C1B0-5C56-8313-DEE494F38273}"/>
+              </a:ext>
+            </a:extLst>
+          </p:cNvPr>
+          <p:cNvSpPr>
+            <a:spLocks noGrp="1"/>
+          </p:cNvSpPr>
+          <p:nvPr>
+            <p:ph type="title"/>
+          </p:nvPr>
+        </p:nvSpPr>
+        <p:spPr/>
+        <p:txBody>
+          <a:bodyPr/>
+          <a:lstStyle/>
+          <a:p>
+            <a:r>
+              <a:rPr lang="fr-FR" dirty="0"/>
+              <a:t>GitHub</a:t>
+            </a:r>
+          </a:p>
+        </p:txBody>
+      </p:sp>
+      <p:pic>
+        <p:nvPicPr>
+          <p:cNvPr id="5" name="Image 4" descr="Une image contenant texte&#10;&#10;Description générée automatiquement">
+            <a:extLst>
+              <a:ext uri="{FF2B5EF4-FFF2-40B4-BE49-F238E27FC236}">
+                <a16:creationId xmlns:a16="http://schemas.microsoft.com/office/drawing/2014/main" id="{204ADC40-1D61-539F-22ED-6B21D67FBDE6}"/>
+              </a:ext>
+            </a:extLst>
+          </p:cNvPr>
+          <p:cNvPicPr>
+            <a:picLocks noChangeAspect="1"/>
+          </p:cNvPicPr>
+          <p:nvPr/>
+        </p:nvPicPr>
+        <p:blipFill>
+          <a:blip r:embed="rId2">
+            <a:extLst>
+              <a:ext uri="{28A0092B-C50C-407E-A947-70E740481C1C}">
+                <a14:useLocalDpi xmlns:a14="http://schemas.microsoft.com/office/drawing/2010/main" val="0"/>
+              </a:ext>
+            </a:extLst>
+          </a:blip>
+          <a:stretch>
+            <a:fillRect/>
+          </a:stretch>
+        </p:blipFill>
+        <p:spPr>
+          <a:xfrm>
+            <a:off x="202922" y="5934456"/>
+            <a:ext cx="1825291" cy="749808"/>
+          </a:xfrm>
+          <a:prstGeom prst="rect">
+            <a:avLst/>
+          </a:prstGeom>
+        </p:spPr>
+      </p:pic>
+      <p:pic>
+        <p:nvPicPr>
+          <p:cNvPr id="2050" name="Picture 2" descr="Résultat de recherche d'images pour &quot;github logo&quot;">
+            <a:extLst>
+              <a:ext uri="{FF2B5EF4-FFF2-40B4-BE49-F238E27FC236}">
+                <a16:creationId xmlns:a16="http://schemas.microsoft.com/office/drawing/2014/main" id="{EF17F59B-3DC2-541B-6AF7-484C8DC259FE}"/>
+              </a:ext>
+            </a:extLst>
+          </p:cNvPr>
+          <p:cNvPicPr>
+            <a:picLocks noChangeAspect="1" noChangeArrowheads="1"/>
+          </p:cNvPicPr>
+          <p:nvPr/>
+        </p:nvPicPr>
+        <p:blipFill>
+          <a:blip r:embed="rId3">
+            <a:extLst>
+              <a:ext uri="{28A0092B-C50C-407E-A947-70E740481C1C}">
+                <a14:useLocalDpi xmlns:a14="http://schemas.microsoft.com/office/drawing/2010/main" val="0"/>
+              </a:ext>
+            </a:extLst>
+          </a:blip>
+          <a:srcRect/>
+          <a:stretch>
+            <a:fillRect/>
+          </a:stretch>
+        </p:blipFill>
+        <p:spPr bwMode="auto">
+          <a:xfrm>
+            <a:off x="9076379" y="461391"/>
+            <a:ext cx="2276475" cy="1266825"/>
+          </a:xfrm>
+          <a:prstGeom prst="rect">
+            <a:avLst/>
+          </a:prstGeom>
+          <a:noFill/>
+          <a:extLst>
+            <a:ext uri="{909E8E84-426E-40DD-AFC4-6F175D3DCCD1}">
+              <a14:hiddenFill xmlns:a14="http://schemas.microsoft.com/office/drawing/2010/main">
+                <a:solidFill>
+                  <a:srgbClr val="FFFFFF"/>
+                </a:solidFill>
+              </a14:hiddenFill>
+            </a:ext>
+          </a:extLst>
+        </p:spPr>
+      </p:pic>
+      <p:sp>
+        <p:nvSpPr>
+          <p:cNvPr id="7" name="Organigramme : Multidocument 6">
+            <a:extLst>
+              <a:ext uri="{FF2B5EF4-FFF2-40B4-BE49-F238E27FC236}">
+                <a16:creationId xmlns:a16="http://schemas.microsoft.com/office/drawing/2014/main" id="{C2FBBB5A-7B3E-E743-4513-C795065F0D8F}"/>
+              </a:ext>
+            </a:extLst>
+          </p:cNvPr>
+          <p:cNvSpPr/>
+          <p:nvPr/>
+        </p:nvSpPr>
+        <p:spPr>
+          <a:xfrm>
+            <a:off x="1288026" y="2979332"/>
+            <a:ext cx="1317523" cy="749808"/>
+          </a:xfrm>
+          <a:prstGeom prst="flowChartMultidocument">
+            <a:avLst/>
+          </a:prstGeom>
+          <a:solidFill>
+            <a:schemeClr val="accent5">
+              <a:lumMod val="40000"/>
+              <a:lumOff val="60000"/>
+            </a:schemeClr>
+          </a:solidFill>
+        </p:spPr>
+        <p:style>
+          <a:lnRef idx="2">
+            <a:schemeClr val="accent1">
+              <a:shade val="50000"/>
+            </a:schemeClr>
+          </a:lnRef>
+          <a:fillRef idx="1">
+            <a:schemeClr val="accent1"/>
+          </a:fillRef>
+          <a:effectRef idx="0">
+            <a:schemeClr val="accent1"/>
+          </a:effectRef>
+          <a:fontRef idx="minor">
+            <a:schemeClr val="lt1"/>
+          </a:fontRef>
+        </p:style>
+        <p:txBody>
+          <a:bodyPr rtlCol="0" anchor="ctr"/>
+          <a:lstStyle/>
+          <a:p>
+            <a:pPr algn="ctr"/>
+            <a:r>
+              <a:rPr lang="fr-FR" sz="1600" dirty="0">
+                <a:solidFill>
+                  <a:schemeClr val="tx1"/>
+                </a:solidFill>
+              </a:rPr>
+              <a:t>Dépôt 1</a:t>
+            </a:r>
+            <a:br>
+              <a:rPr lang="fr-FR" sz="1600" dirty="0">
+                <a:solidFill>
+                  <a:schemeClr val="tx1"/>
+                </a:solidFill>
+              </a:rPr>
+            </a:br>
+            <a:r>
+              <a:rPr lang="fr-FR" sz="1600" dirty="0">
+                <a:solidFill>
+                  <a:schemeClr val="tx1"/>
+                </a:solidFill>
+              </a:rPr>
+              <a:t>(main)</a:t>
+            </a:r>
+          </a:p>
+        </p:txBody>
+      </p:sp>
+      <p:sp>
+        <p:nvSpPr>
+          <p:cNvPr id="8" name="Organigramme : Disque magnétique 7">
+            <a:extLst>
+              <a:ext uri="{FF2B5EF4-FFF2-40B4-BE49-F238E27FC236}">
+                <a16:creationId xmlns:a16="http://schemas.microsoft.com/office/drawing/2014/main" id="{A7687CDF-7840-10B9-FA45-CE232B1E9B79}"/>
+              </a:ext>
+            </a:extLst>
+          </p:cNvPr>
+          <p:cNvSpPr/>
+          <p:nvPr/>
+        </p:nvSpPr>
+        <p:spPr>
+          <a:xfrm>
+            <a:off x="1115566" y="2329187"/>
+            <a:ext cx="4587143" cy="491613"/>
+          </a:xfrm>
+          <a:prstGeom prst="flowChartMagneticDisk">
+            <a:avLst/>
+          </a:prstGeom>
+          <a:solidFill>
+            <a:schemeClr val="accent2">
+              <a:lumMod val="20000"/>
+              <a:lumOff val="80000"/>
+            </a:schemeClr>
+          </a:solidFill>
+        </p:spPr>
+        <p:style>
+          <a:lnRef idx="2">
+            <a:schemeClr val="accent1">
+              <a:shade val="50000"/>
+            </a:schemeClr>
+          </a:lnRef>
+          <a:fillRef idx="1">
+            <a:schemeClr val="accent1"/>
+          </a:fillRef>
+          <a:effectRef idx="0">
+            <a:schemeClr val="accent1"/>
+          </a:effectRef>
+          <a:fontRef idx="minor">
+            <a:schemeClr val="lt1"/>
+          </a:fontRef>
+        </p:style>
+        <p:txBody>
+          <a:bodyPr rtlCol="0" anchor="ctr"/>
+          <a:lstStyle/>
+          <a:p>
+            <a:pPr algn="ctr"/>
+            <a:r>
+              <a:rPr lang="fr-FR" dirty="0">
+                <a:solidFill>
+                  <a:schemeClr val="tx1"/>
+                </a:solidFill>
+              </a:rPr>
+              <a:t>serveur</a:t>
+            </a:r>
+          </a:p>
+        </p:txBody>
+      </p:sp>
+      <p:sp>
+        <p:nvSpPr>
+          <p:cNvPr id="9" name="Organigramme : Disque magnétique 8">
+            <a:extLst>
+              <a:ext uri="{FF2B5EF4-FFF2-40B4-BE49-F238E27FC236}">
+                <a16:creationId xmlns:a16="http://schemas.microsoft.com/office/drawing/2014/main" id="{E6EF4634-89FD-B4F0-37FA-3462FD891767}"/>
+              </a:ext>
+            </a:extLst>
+          </p:cNvPr>
+          <p:cNvSpPr/>
+          <p:nvPr/>
+        </p:nvSpPr>
+        <p:spPr>
+          <a:xfrm>
+            <a:off x="7393858" y="2329186"/>
+            <a:ext cx="2189432" cy="491613"/>
+          </a:xfrm>
+          <a:prstGeom prst="flowChartMagneticDisk">
+            <a:avLst/>
+          </a:prstGeom>
+          <a:solidFill>
+            <a:schemeClr val="accent2">
+              <a:lumMod val="20000"/>
+              <a:lumOff val="80000"/>
+            </a:schemeClr>
+          </a:solidFill>
+        </p:spPr>
+        <p:style>
+          <a:lnRef idx="2">
+            <a:schemeClr val="accent1">
+              <a:shade val="50000"/>
+            </a:schemeClr>
+          </a:lnRef>
+          <a:fillRef idx="1">
+            <a:schemeClr val="accent1"/>
+          </a:fillRef>
+          <a:effectRef idx="0">
+            <a:schemeClr val="accent1"/>
+          </a:effectRef>
+          <a:fontRef idx="minor">
+            <a:schemeClr val="lt1"/>
+          </a:fontRef>
+        </p:style>
+        <p:txBody>
+          <a:bodyPr rtlCol="0" anchor="ctr"/>
+          <a:lstStyle/>
+          <a:p>
+            <a:pPr algn="ctr"/>
+            <a:r>
+              <a:rPr lang="fr-FR" dirty="0">
+                <a:solidFill>
+                  <a:schemeClr val="tx1"/>
+                </a:solidFill>
+              </a:rPr>
+              <a:t>local</a:t>
+            </a:r>
+          </a:p>
+        </p:txBody>
+      </p:sp>
+      <p:sp>
+        <p:nvSpPr>
+          <p:cNvPr id="10" name="Organigramme : Multidocument 9">
+            <a:extLst>
+              <a:ext uri="{FF2B5EF4-FFF2-40B4-BE49-F238E27FC236}">
+                <a16:creationId xmlns:a16="http://schemas.microsoft.com/office/drawing/2014/main" id="{9E6E3B75-F2EA-AED4-8954-848C10CC4608}"/>
+              </a:ext>
+            </a:extLst>
+          </p:cNvPr>
+          <p:cNvSpPr/>
+          <p:nvPr/>
+        </p:nvSpPr>
+        <p:spPr>
+          <a:xfrm>
+            <a:off x="1288025" y="3896917"/>
+            <a:ext cx="1317523" cy="749808"/>
+          </a:xfrm>
+          <a:prstGeom prst="flowChartMultidocument">
+            <a:avLst/>
+          </a:prstGeom>
+          <a:solidFill>
+            <a:schemeClr val="accent5">
+              <a:lumMod val="40000"/>
+              <a:lumOff val="60000"/>
+            </a:schemeClr>
+          </a:solidFill>
+        </p:spPr>
+        <p:style>
+          <a:lnRef idx="2">
+            <a:schemeClr val="accent1">
+              <a:shade val="50000"/>
+            </a:schemeClr>
+          </a:lnRef>
+          <a:fillRef idx="1">
+            <a:schemeClr val="accent1"/>
+          </a:fillRef>
+          <a:effectRef idx="0">
+            <a:schemeClr val="accent1"/>
+          </a:effectRef>
+          <a:fontRef idx="minor">
+            <a:schemeClr val="lt1"/>
+          </a:fontRef>
+        </p:style>
+        <p:txBody>
+          <a:bodyPr rtlCol="0" anchor="ctr"/>
+          <a:lstStyle/>
+          <a:p>
+            <a:pPr algn="ctr"/>
+            <a:r>
+              <a:rPr lang="fr-FR" sz="1600" dirty="0">
+                <a:solidFill>
+                  <a:schemeClr val="tx1"/>
+                </a:solidFill>
+              </a:rPr>
+              <a:t>Dépôt 2</a:t>
+            </a:r>
+          </a:p>
+        </p:txBody>
+      </p:sp>
+      <p:cxnSp>
+        <p:nvCxnSpPr>
+          <p:cNvPr id="12" name="Connecteur droit avec flèche 11">
+            <a:extLst>
+              <a:ext uri="{FF2B5EF4-FFF2-40B4-BE49-F238E27FC236}">
+                <a16:creationId xmlns:a16="http://schemas.microsoft.com/office/drawing/2014/main" id="{D0F15FF4-CE60-F056-AC91-A15A39A41A89}"/>
+              </a:ext>
+            </a:extLst>
+          </p:cNvPr>
+          <p:cNvCxnSpPr>
+            <a:cxnSpLocks/>
+          </p:cNvCxnSpPr>
+          <p:nvPr/>
+        </p:nvCxnSpPr>
+        <p:spPr>
+          <a:xfrm>
+            <a:off x="2815558" y="3283975"/>
+            <a:ext cx="1127177" cy="0"/>
+          </a:xfrm>
+          <a:prstGeom prst="straightConnector1">
+            <a:avLst/>
+          </a:prstGeom>
+          <a:ln w="31750">
+            <a:tailEnd type="triangle" w="lg" len="lg"/>
+          </a:ln>
+        </p:spPr>
+        <p:style>
+          <a:lnRef idx="1">
+            <a:schemeClr val="accent1"/>
+          </a:lnRef>
+          <a:fillRef idx="0">
+            <a:schemeClr val="accent1"/>
+          </a:fillRef>
+          <a:effectRef idx="0">
+            <a:schemeClr val="accent1"/>
+          </a:effectRef>
+          <a:fontRef idx="minor">
+            <a:schemeClr val="tx1"/>
+          </a:fontRef>
+        </p:style>
+      </p:cxnSp>
+      <p:sp>
+        <p:nvSpPr>
+          <p:cNvPr id="13" name="Organigramme : Multidocument 12">
+            <a:extLst>
+              <a:ext uri="{FF2B5EF4-FFF2-40B4-BE49-F238E27FC236}">
+                <a16:creationId xmlns:a16="http://schemas.microsoft.com/office/drawing/2014/main" id="{51A9E878-B96F-497C-6C65-88CC5FC2EFDA}"/>
+              </a:ext>
+            </a:extLst>
+          </p:cNvPr>
+          <p:cNvSpPr/>
+          <p:nvPr/>
+        </p:nvSpPr>
+        <p:spPr>
+          <a:xfrm>
+            <a:off x="7829812" y="2979332"/>
+            <a:ext cx="1317523" cy="749808"/>
+          </a:xfrm>
+          <a:prstGeom prst="flowChartMultidocument">
+            <a:avLst/>
+          </a:prstGeom>
+          <a:solidFill>
+            <a:schemeClr val="accent5">
+              <a:lumMod val="40000"/>
+              <a:lumOff val="60000"/>
+            </a:schemeClr>
+          </a:solidFill>
+        </p:spPr>
+        <p:style>
+          <a:lnRef idx="2">
+            <a:schemeClr val="accent1">
+              <a:shade val="50000"/>
+            </a:schemeClr>
+          </a:lnRef>
+          <a:fillRef idx="1">
+            <a:schemeClr val="accent1"/>
+          </a:fillRef>
+          <a:effectRef idx="0">
+            <a:schemeClr val="accent1"/>
+          </a:effectRef>
+          <a:fontRef idx="minor">
+            <a:schemeClr val="lt1"/>
+          </a:fontRef>
+        </p:style>
+        <p:txBody>
+          <a:bodyPr rtlCol="0" anchor="ctr"/>
+          <a:lstStyle/>
+          <a:p>
+            <a:pPr algn="ctr"/>
+            <a:r>
+              <a:rPr lang="fr-FR" sz="1600" dirty="0">
+                <a:solidFill>
+                  <a:schemeClr val="tx1"/>
+                </a:solidFill>
+              </a:rPr>
+              <a:t>Dépôt 1</a:t>
+            </a:r>
+          </a:p>
+        </p:txBody>
+      </p:sp>
+      <p:sp>
+        <p:nvSpPr>
+          <p:cNvPr id="15" name="Organigramme : Procédé prédéfini 14">
+            <a:extLst>
+              <a:ext uri="{FF2B5EF4-FFF2-40B4-BE49-F238E27FC236}">
+                <a16:creationId xmlns:a16="http://schemas.microsoft.com/office/drawing/2014/main" id="{6282871F-0429-B7BE-5F0E-032287FA74C0}"/>
+              </a:ext>
+            </a:extLst>
+          </p:cNvPr>
+          <p:cNvSpPr/>
+          <p:nvPr/>
+        </p:nvSpPr>
+        <p:spPr>
+          <a:xfrm>
+            <a:off x="4100053" y="2914972"/>
+            <a:ext cx="1455176" cy="2187969"/>
+          </a:xfrm>
+          <a:prstGeom prst="flowChartPredefinedProcess">
+            <a:avLst/>
+          </a:prstGeom>
+        </p:spPr>
+        <p:style>
+          <a:lnRef idx="2">
+            <a:schemeClr val="accent1">
+              <a:shade val="50000"/>
+            </a:schemeClr>
+          </a:lnRef>
+          <a:fillRef idx="1">
+            <a:schemeClr val="accent1"/>
+          </a:fillRef>
+          <a:effectRef idx="0">
+            <a:schemeClr val="accent1"/>
+          </a:effectRef>
+          <a:fontRef idx="minor">
+            <a:schemeClr val="lt1"/>
+          </a:fontRef>
+        </p:style>
+        <p:txBody>
+          <a:bodyPr rtlCol="0" anchor="ctr"/>
+          <a:lstStyle/>
+          <a:p>
+            <a:pPr algn="ctr"/>
+            <a:endParaRPr lang="fr-FR" dirty="0"/>
+          </a:p>
+        </p:txBody>
+      </p:sp>
+      <p:sp>
+        <p:nvSpPr>
+          <p:cNvPr id="16" name="Organigramme : Multidocument 15">
+            <a:extLst>
+              <a:ext uri="{FF2B5EF4-FFF2-40B4-BE49-F238E27FC236}">
+                <a16:creationId xmlns:a16="http://schemas.microsoft.com/office/drawing/2014/main" id="{1801D54D-1611-0A3F-F406-6D61F24A7EBA}"/>
+              </a:ext>
+            </a:extLst>
+          </p:cNvPr>
+          <p:cNvSpPr/>
+          <p:nvPr/>
+        </p:nvSpPr>
+        <p:spPr>
+          <a:xfrm>
+            <a:off x="4127092" y="2979332"/>
+            <a:ext cx="1317523" cy="749808"/>
+          </a:xfrm>
+          <a:prstGeom prst="flowChartMultidocument">
+            <a:avLst/>
+          </a:prstGeom>
+          <a:solidFill>
+            <a:schemeClr val="accent5">
+              <a:lumMod val="40000"/>
+              <a:lumOff val="60000"/>
+            </a:schemeClr>
+          </a:solidFill>
+        </p:spPr>
+        <p:style>
+          <a:lnRef idx="2">
+            <a:schemeClr val="accent1">
+              <a:shade val="50000"/>
+            </a:schemeClr>
+          </a:lnRef>
+          <a:fillRef idx="1">
+            <a:schemeClr val="accent1"/>
+          </a:fillRef>
+          <a:effectRef idx="0">
+            <a:schemeClr val="accent1"/>
+          </a:effectRef>
+          <a:fontRef idx="minor">
+            <a:schemeClr val="lt1"/>
+          </a:fontRef>
+        </p:style>
+        <p:txBody>
+          <a:bodyPr rtlCol="0" anchor="ctr"/>
+          <a:lstStyle/>
+          <a:p>
+            <a:pPr algn="ctr"/>
+            <a:r>
+              <a:rPr lang="fr-FR" sz="1600" dirty="0">
+                <a:solidFill>
+                  <a:schemeClr val="tx1"/>
+                </a:solidFill>
+              </a:rPr>
+              <a:t>Dépôt 1</a:t>
+            </a:r>
+          </a:p>
+        </p:txBody>
+      </p:sp>
+      <p:sp>
+        <p:nvSpPr>
+          <p:cNvPr id="18" name="ZoneTexte 17">
+            <a:extLst>
+              <a:ext uri="{FF2B5EF4-FFF2-40B4-BE49-F238E27FC236}">
+                <a16:creationId xmlns:a16="http://schemas.microsoft.com/office/drawing/2014/main" id="{13C41C10-56E7-EB92-DAA9-0D2D75D3C964}"/>
+              </a:ext>
+            </a:extLst>
+          </p:cNvPr>
+          <p:cNvSpPr txBox="1"/>
+          <p:nvPr/>
+        </p:nvSpPr>
+        <p:spPr>
+          <a:xfrm>
+            <a:off x="1509251" y="4795164"/>
+            <a:ext cx="914400" cy="307777"/>
+          </a:xfrm>
+          <a:prstGeom prst="rect">
+            <a:avLst/>
+          </a:prstGeom>
+          <a:noFill/>
+        </p:spPr>
+        <p:txBody>
+          <a:bodyPr wrap="square" rtlCol="0">
+            <a:spAutoFit/>
+          </a:bodyPr>
+          <a:lstStyle/>
+          <a:p>
+            <a:pPr algn="ctr"/>
+            <a:r>
+              <a:rPr lang="fr-FR" sz="1400" b="1" dirty="0"/>
+              <a:t>ORGA1</a:t>
+            </a:r>
+          </a:p>
+        </p:txBody>
+      </p:sp>
+      <p:sp>
+        <p:nvSpPr>
+          <p:cNvPr id="19" name="ZoneTexte 18">
+            <a:extLst>
+              <a:ext uri="{FF2B5EF4-FFF2-40B4-BE49-F238E27FC236}">
+                <a16:creationId xmlns:a16="http://schemas.microsoft.com/office/drawing/2014/main" id="{4848418A-1ED4-B2F5-CBD1-0A4F6D8D449C}"/>
+              </a:ext>
+            </a:extLst>
+          </p:cNvPr>
+          <p:cNvSpPr txBox="1"/>
+          <p:nvPr/>
+        </p:nvSpPr>
+        <p:spPr>
+          <a:xfrm>
+            <a:off x="4370441" y="4795163"/>
+            <a:ext cx="914400" cy="307777"/>
+          </a:xfrm>
+          <a:prstGeom prst="rect">
+            <a:avLst/>
+          </a:prstGeom>
+          <a:noFill/>
+        </p:spPr>
+        <p:txBody>
+          <a:bodyPr wrap="square" rtlCol="0">
+            <a:spAutoFit/>
+          </a:bodyPr>
+          <a:lstStyle/>
+          <a:p>
+            <a:pPr algn="ctr"/>
+            <a:r>
+              <a:rPr lang="fr-FR" sz="1400" b="1" dirty="0"/>
+              <a:t>USER</a:t>
+            </a:r>
+          </a:p>
+        </p:txBody>
+      </p:sp>
+      <p:sp>
+        <p:nvSpPr>
+          <p:cNvPr id="20" name="ZoneTexte 19">
+            <a:extLst>
+              <a:ext uri="{FF2B5EF4-FFF2-40B4-BE49-F238E27FC236}">
+                <a16:creationId xmlns:a16="http://schemas.microsoft.com/office/drawing/2014/main" id="{2D472531-D969-31DF-1CED-F0565A688EA4}"/>
+              </a:ext>
+            </a:extLst>
+          </p:cNvPr>
+          <p:cNvSpPr txBox="1"/>
+          <p:nvPr/>
+        </p:nvSpPr>
+        <p:spPr>
+          <a:xfrm>
+            <a:off x="2909122" y="2979332"/>
+            <a:ext cx="914400" cy="307777"/>
+          </a:xfrm>
+          <a:prstGeom prst="rect">
+            <a:avLst/>
+          </a:prstGeom>
+          <a:noFill/>
+        </p:spPr>
+        <p:txBody>
+          <a:bodyPr wrap="square" rtlCol="0">
+            <a:spAutoFit/>
+          </a:bodyPr>
+          <a:lstStyle/>
+          <a:p>
+            <a:pPr algn="ctr"/>
+            <a:r>
+              <a:rPr lang="fr-FR" sz="1400" b="1" dirty="0">
+                <a:solidFill>
+                  <a:schemeClr val="accent2"/>
+                </a:solidFill>
+              </a:rPr>
+              <a:t>fork</a:t>
+            </a:r>
+          </a:p>
+        </p:txBody>
+      </p:sp>
+      <p:cxnSp>
+        <p:nvCxnSpPr>
+          <p:cNvPr id="21" name="Connecteur droit avec flèche 20">
+            <a:extLst>
+              <a:ext uri="{FF2B5EF4-FFF2-40B4-BE49-F238E27FC236}">
+                <a16:creationId xmlns:a16="http://schemas.microsoft.com/office/drawing/2014/main" id="{33C6DC73-2CB4-C99B-C43D-93C627A1F9D4}"/>
+              </a:ext>
+            </a:extLst>
+          </p:cNvPr>
+          <p:cNvCxnSpPr>
+            <a:cxnSpLocks/>
+          </p:cNvCxnSpPr>
+          <p:nvPr/>
+        </p:nvCxnSpPr>
+        <p:spPr>
+          <a:xfrm>
+            <a:off x="5894279" y="3265746"/>
+            <a:ext cx="1127177" cy="0"/>
+          </a:xfrm>
+          <a:prstGeom prst="straightConnector1">
+            <a:avLst/>
+          </a:prstGeom>
+          <a:ln w="31750">
+            <a:tailEnd type="triangle" w="lg" len="lg"/>
+          </a:ln>
+        </p:spPr>
+        <p:style>
+          <a:lnRef idx="1">
+            <a:schemeClr val="accent1"/>
+          </a:lnRef>
+          <a:fillRef idx="0">
+            <a:schemeClr val="accent1"/>
+          </a:fillRef>
+          <a:effectRef idx="0">
+            <a:schemeClr val="accent1"/>
+          </a:effectRef>
+          <a:fontRef idx="minor">
+            <a:schemeClr val="tx1"/>
+          </a:fontRef>
+        </p:style>
+      </p:cxnSp>
+      <p:sp>
+        <p:nvSpPr>
+          <p:cNvPr id="22" name="ZoneTexte 21">
+            <a:extLst>
+              <a:ext uri="{FF2B5EF4-FFF2-40B4-BE49-F238E27FC236}">
+                <a16:creationId xmlns:a16="http://schemas.microsoft.com/office/drawing/2014/main" id="{C747F555-97F0-2934-B29C-B9D0F4CBE52C}"/>
+              </a:ext>
+            </a:extLst>
+          </p:cNvPr>
+          <p:cNvSpPr txBox="1"/>
+          <p:nvPr/>
+        </p:nvSpPr>
+        <p:spPr>
+          <a:xfrm>
+            <a:off x="5987843" y="2961103"/>
+            <a:ext cx="914400" cy="307777"/>
+          </a:xfrm>
+          <a:prstGeom prst="rect">
+            <a:avLst/>
+          </a:prstGeom>
+          <a:noFill/>
+        </p:spPr>
+        <p:txBody>
+          <a:bodyPr wrap="square" rtlCol="0">
+            <a:spAutoFit/>
+          </a:bodyPr>
+          <a:lstStyle/>
+          <a:p>
+            <a:pPr algn="ctr"/>
+            <a:r>
+              <a:rPr lang="fr-FR" sz="1400" b="1" dirty="0">
+                <a:solidFill>
+                  <a:schemeClr val="accent2"/>
+                </a:solidFill>
+              </a:rPr>
+              <a:t>clone</a:t>
+            </a:r>
+          </a:p>
+        </p:txBody>
+      </p:sp>
+      <p:sp>
+        <p:nvSpPr>
+          <p:cNvPr id="24" name="ZoneTexte 23">
+            <a:extLst>
+              <a:ext uri="{FF2B5EF4-FFF2-40B4-BE49-F238E27FC236}">
+                <a16:creationId xmlns:a16="http://schemas.microsoft.com/office/drawing/2014/main" id="{FF1A995C-596C-BCA2-3606-198166DD9415}"/>
+              </a:ext>
+            </a:extLst>
+          </p:cNvPr>
+          <p:cNvSpPr txBox="1"/>
+          <p:nvPr/>
+        </p:nvSpPr>
+        <p:spPr>
+          <a:xfrm>
+            <a:off x="8688552" y="3701179"/>
+            <a:ext cx="1900790" cy="307777"/>
+          </a:xfrm>
+          <a:prstGeom prst="rect">
+            <a:avLst/>
+          </a:prstGeom>
+          <a:noFill/>
+        </p:spPr>
+        <p:txBody>
+          <a:bodyPr wrap="square" rtlCol="0">
+            <a:spAutoFit/>
+          </a:bodyPr>
+          <a:lstStyle/>
+          <a:p>
+            <a:pPr algn="ctr"/>
+            <a:r>
+              <a:rPr lang="fr-FR" sz="1400" b="1" dirty="0" err="1">
+                <a:solidFill>
+                  <a:schemeClr val="accent2"/>
+                </a:solidFill>
+              </a:rPr>
+              <a:t>modify</a:t>
+            </a:r>
+            <a:r>
+              <a:rPr lang="fr-FR" sz="1400" b="1" dirty="0">
+                <a:solidFill>
+                  <a:schemeClr val="accent2"/>
+                </a:solidFill>
+              </a:rPr>
+              <a:t> / update</a:t>
+            </a:r>
+          </a:p>
+        </p:txBody>
+      </p:sp>
+      <p:cxnSp>
+        <p:nvCxnSpPr>
+          <p:cNvPr id="25" name="Connecteur droit avec flèche 24">
+            <a:extLst>
+              <a:ext uri="{FF2B5EF4-FFF2-40B4-BE49-F238E27FC236}">
+                <a16:creationId xmlns:a16="http://schemas.microsoft.com/office/drawing/2014/main" id="{122622FC-11CF-969C-14BF-F99F5896083F}"/>
+              </a:ext>
+            </a:extLst>
+          </p:cNvPr>
+          <p:cNvCxnSpPr>
+            <a:cxnSpLocks/>
+          </p:cNvCxnSpPr>
+          <p:nvPr/>
+        </p:nvCxnSpPr>
+        <p:spPr>
+          <a:xfrm flipH="1">
+            <a:off x="7393858" y="4268688"/>
+            <a:ext cx="1127177" cy="0"/>
+          </a:xfrm>
+          <a:prstGeom prst="straightConnector1">
+            <a:avLst/>
+          </a:prstGeom>
+          <a:ln w="31750">
+            <a:tailEnd type="triangle" w="lg" len="lg"/>
+          </a:ln>
+        </p:spPr>
+        <p:style>
+          <a:lnRef idx="1">
+            <a:schemeClr val="accent1"/>
+          </a:lnRef>
+          <a:fillRef idx="0">
+            <a:schemeClr val="accent1"/>
+          </a:fillRef>
+          <a:effectRef idx="0">
+            <a:schemeClr val="accent1"/>
+          </a:effectRef>
+          <a:fontRef idx="minor">
+            <a:schemeClr val="tx1"/>
+          </a:fontRef>
+        </p:style>
+      </p:cxnSp>
+      <p:sp>
+        <p:nvSpPr>
+          <p:cNvPr id="29" name="ZoneTexte 28">
+            <a:extLst>
+              <a:ext uri="{FF2B5EF4-FFF2-40B4-BE49-F238E27FC236}">
+                <a16:creationId xmlns:a16="http://schemas.microsoft.com/office/drawing/2014/main" id="{76073B51-E6E6-8097-ACD1-EBB218E9237F}"/>
+              </a:ext>
+            </a:extLst>
+          </p:cNvPr>
+          <p:cNvSpPr txBox="1"/>
+          <p:nvPr/>
+        </p:nvSpPr>
+        <p:spPr>
+          <a:xfrm>
+            <a:off x="7574173" y="3960911"/>
+            <a:ext cx="914400" cy="307777"/>
+          </a:xfrm>
+          <a:prstGeom prst="rect">
+            <a:avLst/>
+          </a:prstGeom>
+          <a:noFill/>
+        </p:spPr>
+        <p:txBody>
+          <a:bodyPr wrap="square" rtlCol="0">
+            <a:spAutoFit/>
+          </a:bodyPr>
+          <a:lstStyle/>
+          <a:p>
+            <a:pPr algn="ctr"/>
+            <a:r>
+              <a:rPr lang="fr-FR" sz="1400" b="1" dirty="0">
+                <a:solidFill>
+                  <a:schemeClr val="accent2"/>
+                </a:solidFill>
+              </a:rPr>
+              <a:t>commit</a:t>
+            </a:r>
+          </a:p>
+        </p:txBody>
+      </p:sp>
+      <p:cxnSp>
+        <p:nvCxnSpPr>
+          <p:cNvPr id="30" name="Connecteur droit avec flèche 29">
+            <a:extLst>
+              <a:ext uri="{FF2B5EF4-FFF2-40B4-BE49-F238E27FC236}">
+                <a16:creationId xmlns:a16="http://schemas.microsoft.com/office/drawing/2014/main" id="{C1122FB1-48DB-114F-59A8-6099FD0B8029}"/>
+              </a:ext>
+            </a:extLst>
+          </p:cNvPr>
+          <p:cNvCxnSpPr>
+            <a:cxnSpLocks/>
+          </p:cNvCxnSpPr>
+          <p:nvPr/>
+        </p:nvCxnSpPr>
+        <p:spPr>
+          <a:xfrm flipH="1">
+            <a:off x="5889807" y="4268688"/>
+            <a:ext cx="1127177" cy="0"/>
+          </a:xfrm>
+          <a:prstGeom prst="straightConnector1">
+            <a:avLst/>
+          </a:prstGeom>
+          <a:ln w="31750">
+            <a:tailEnd type="triangle" w="lg" len="lg"/>
+          </a:ln>
+        </p:spPr>
+        <p:style>
+          <a:lnRef idx="1">
+            <a:schemeClr val="accent1"/>
+          </a:lnRef>
+          <a:fillRef idx="0">
+            <a:schemeClr val="accent1"/>
+          </a:fillRef>
+          <a:effectRef idx="0">
+            <a:schemeClr val="accent1"/>
+          </a:effectRef>
+          <a:fontRef idx="minor">
+            <a:schemeClr val="tx1"/>
+          </a:fontRef>
+        </p:style>
+      </p:cxnSp>
+      <p:sp>
+        <p:nvSpPr>
+          <p:cNvPr id="31" name="ZoneTexte 30">
+            <a:extLst>
+              <a:ext uri="{FF2B5EF4-FFF2-40B4-BE49-F238E27FC236}">
+                <a16:creationId xmlns:a16="http://schemas.microsoft.com/office/drawing/2014/main" id="{B6509542-0ED6-09F6-DFD0-081E38A584B3}"/>
+              </a:ext>
+            </a:extLst>
+          </p:cNvPr>
+          <p:cNvSpPr txBox="1"/>
+          <p:nvPr/>
+        </p:nvSpPr>
+        <p:spPr>
+          <a:xfrm>
+            <a:off x="6050458" y="3960911"/>
+            <a:ext cx="914400" cy="307777"/>
+          </a:xfrm>
+          <a:prstGeom prst="rect">
+            <a:avLst/>
+          </a:prstGeom>
+          <a:noFill/>
+        </p:spPr>
+        <p:txBody>
+          <a:bodyPr wrap="square" rtlCol="0">
+            <a:spAutoFit/>
+          </a:bodyPr>
+          <a:lstStyle/>
+          <a:p>
+            <a:pPr algn="ctr"/>
+            <a:r>
+              <a:rPr lang="fr-FR" sz="1400" b="1" dirty="0">
+                <a:solidFill>
+                  <a:schemeClr val="accent2"/>
+                </a:solidFill>
+              </a:rPr>
+              <a:t>push</a:t>
+            </a:r>
+          </a:p>
+        </p:txBody>
+      </p:sp>
+      <p:cxnSp>
+        <p:nvCxnSpPr>
+          <p:cNvPr id="34" name="Connecteur droit avec flèche 33">
+            <a:extLst>
+              <a:ext uri="{FF2B5EF4-FFF2-40B4-BE49-F238E27FC236}">
+                <a16:creationId xmlns:a16="http://schemas.microsoft.com/office/drawing/2014/main" id="{8BBA0E32-EB54-BF1C-5EC2-ACD4003C4B4D}"/>
+              </a:ext>
+            </a:extLst>
+          </p:cNvPr>
+          <p:cNvCxnSpPr>
+            <a:cxnSpLocks/>
+          </p:cNvCxnSpPr>
+          <p:nvPr/>
+        </p:nvCxnSpPr>
+        <p:spPr>
+          <a:xfrm>
+            <a:off x="5894279" y="4881108"/>
+            <a:ext cx="1127177" cy="0"/>
+          </a:xfrm>
+          <a:prstGeom prst="straightConnector1">
+            <a:avLst/>
+          </a:prstGeom>
+          <a:ln w="31750">
+            <a:tailEnd type="triangle" w="lg" len="lg"/>
+          </a:ln>
+        </p:spPr>
+        <p:style>
+          <a:lnRef idx="1">
+            <a:schemeClr val="accent1"/>
+          </a:lnRef>
+          <a:fillRef idx="0">
+            <a:schemeClr val="accent1"/>
+          </a:fillRef>
+          <a:effectRef idx="0">
+            <a:schemeClr val="accent1"/>
+          </a:effectRef>
+          <a:fontRef idx="minor">
+            <a:schemeClr val="tx1"/>
+          </a:fontRef>
+        </p:style>
+      </p:cxnSp>
+      <p:sp>
+        <p:nvSpPr>
+          <p:cNvPr id="35" name="ZoneTexte 34">
+            <a:extLst>
+              <a:ext uri="{FF2B5EF4-FFF2-40B4-BE49-F238E27FC236}">
+                <a16:creationId xmlns:a16="http://schemas.microsoft.com/office/drawing/2014/main" id="{19F12750-DAF6-7955-F9EF-BBFA084C5495}"/>
+              </a:ext>
+            </a:extLst>
+          </p:cNvPr>
+          <p:cNvSpPr txBox="1"/>
+          <p:nvPr/>
+        </p:nvSpPr>
+        <p:spPr>
+          <a:xfrm>
+            <a:off x="5987843" y="4576465"/>
+            <a:ext cx="914400" cy="307777"/>
+          </a:xfrm>
+          <a:prstGeom prst="rect">
+            <a:avLst/>
+          </a:prstGeom>
+          <a:noFill/>
+        </p:spPr>
+        <p:txBody>
+          <a:bodyPr wrap="square" rtlCol="0">
+            <a:spAutoFit/>
+          </a:bodyPr>
+          <a:lstStyle/>
+          <a:p>
+            <a:pPr algn="ctr"/>
+            <a:r>
+              <a:rPr lang="fr-FR" sz="1400" b="1" dirty="0">
+                <a:solidFill>
+                  <a:schemeClr val="accent2"/>
+                </a:solidFill>
+              </a:rPr>
+              <a:t>pull</a:t>
+            </a:r>
+          </a:p>
+        </p:txBody>
+      </p:sp>
+      <p:sp>
+        <p:nvSpPr>
+          <p:cNvPr id="36" name="ZoneTexte 35">
+            <a:extLst>
+              <a:ext uri="{FF2B5EF4-FFF2-40B4-BE49-F238E27FC236}">
+                <a16:creationId xmlns:a16="http://schemas.microsoft.com/office/drawing/2014/main" id="{E6ACC1C3-D178-E440-05CF-40CDCB8D2E67}"/>
+              </a:ext>
+            </a:extLst>
+          </p:cNvPr>
+          <p:cNvSpPr txBox="1"/>
+          <p:nvPr/>
+        </p:nvSpPr>
+        <p:spPr>
+          <a:xfrm>
+            <a:off x="9176826" y="3087009"/>
+            <a:ext cx="1900790" cy="307777"/>
+          </a:xfrm>
+          <a:prstGeom prst="rect">
+            <a:avLst/>
+          </a:prstGeom>
+          <a:noFill/>
+        </p:spPr>
+        <p:txBody>
+          <a:bodyPr wrap="square" rtlCol="0">
+            <a:spAutoFit/>
+          </a:bodyPr>
+          <a:lstStyle/>
+          <a:p>
+            <a:pPr algn="ctr"/>
+            <a:r>
+              <a:rPr lang="fr-FR" sz="1400" b="1" dirty="0">
+                <a:solidFill>
+                  <a:schemeClr val="accent2"/>
+                </a:solidFill>
+              </a:rPr>
+              <a:t>user </a:t>
+            </a:r>
+            <a:r>
+              <a:rPr lang="fr-FR" sz="1400" b="1" dirty="0" err="1">
+                <a:solidFill>
+                  <a:schemeClr val="accent2"/>
+                </a:solidFill>
+              </a:rPr>
+              <a:t>branch</a:t>
+            </a:r>
+            <a:endParaRPr lang="fr-FR" sz="1400" b="1" dirty="0">
+              <a:solidFill>
+                <a:schemeClr val="accent2"/>
+              </a:solidFill>
+            </a:endParaRPr>
+          </a:p>
+        </p:txBody>
+      </p:sp>
+      <p:cxnSp>
+        <p:nvCxnSpPr>
+          <p:cNvPr id="3" name="Connecteur droit avec flèche 2">
+            <a:extLst>
+              <a:ext uri="{FF2B5EF4-FFF2-40B4-BE49-F238E27FC236}">
+                <a16:creationId xmlns:a16="http://schemas.microsoft.com/office/drawing/2014/main" id="{C23E57C9-087A-445D-62EA-D4B1A446CAFF}"/>
+              </a:ext>
+            </a:extLst>
+          </p:cNvPr>
+          <p:cNvCxnSpPr>
+            <a:cxnSpLocks/>
+          </p:cNvCxnSpPr>
+          <p:nvPr/>
+        </p:nvCxnSpPr>
+        <p:spPr>
+          <a:xfrm flipH="1">
+            <a:off x="2797191" y="4008956"/>
+            <a:ext cx="1127177" cy="0"/>
+          </a:xfrm>
+          <a:prstGeom prst="straightConnector1">
+            <a:avLst/>
+          </a:prstGeom>
+          <a:ln w="31750">
+            <a:tailEnd type="triangle" w="lg" len="lg"/>
+          </a:ln>
+        </p:spPr>
+        <p:style>
+          <a:lnRef idx="1">
+            <a:schemeClr val="accent1"/>
+          </a:lnRef>
+          <a:fillRef idx="0">
+            <a:schemeClr val="accent1"/>
+          </a:fillRef>
+          <a:effectRef idx="0">
+            <a:schemeClr val="accent1"/>
+          </a:effectRef>
+          <a:fontRef idx="minor">
+            <a:schemeClr val="tx1"/>
+          </a:fontRef>
+        </p:style>
+      </p:cxnSp>
+      <p:sp>
+        <p:nvSpPr>
+          <p:cNvPr id="4" name="ZoneTexte 3">
+            <a:extLst>
+              <a:ext uri="{FF2B5EF4-FFF2-40B4-BE49-F238E27FC236}">
+                <a16:creationId xmlns:a16="http://schemas.microsoft.com/office/drawing/2014/main" id="{0D1CE825-A8F1-01E5-3065-C9BFF8012EA1}"/>
+              </a:ext>
+            </a:extLst>
+          </p:cNvPr>
+          <p:cNvSpPr txBox="1"/>
+          <p:nvPr/>
+        </p:nvSpPr>
+        <p:spPr>
+          <a:xfrm>
+            <a:off x="2957842" y="3730675"/>
+            <a:ext cx="914400" cy="523220"/>
+          </a:xfrm>
+          <a:prstGeom prst="rect">
+            <a:avLst/>
+          </a:prstGeom>
+          <a:noFill/>
+        </p:spPr>
+        <p:txBody>
+          <a:bodyPr wrap="square" rtlCol="0">
+            <a:spAutoFit/>
+          </a:bodyPr>
+          <a:lstStyle/>
+          <a:p>
+            <a:pPr algn="ctr"/>
+            <a:r>
+              <a:rPr lang="fr-FR" sz="1400" b="1" dirty="0">
+                <a:solidFill>
+                  <a:schemeClr val="accent2"/>
+                </a:solidFill>
+              </a:rPr>
+              <a:t>pull </a:t>
+            </a:r>
+            <a:r>
+              <a:rPr lang="fr-FR" sz="1400" b="1" dirty="0" err="1">
+                <a:solidFill>
+                  <a:schemeClr val="accent2"/>
+                </a:solidFill>
+              </a:rPr>
+              <a:t>request</a:t>
+            </a:r>
+            <a:endParaRPr lang="fr-FR" sz="1400" b="1" dirty="0">
+              <a:solidFill>
+                <a:schemeClr val="accent2"/>
+              </a:solidFill>
+            </a:endParaRPr>
+          </a:p>
+        </p:txBody>
+      </p:sp>
+      <p:cxnSp>
+        <p:nvCxnSpPr>
+          <p:cNvPr id="6" name="Connecteur droit avec flèche 5">
+            <a:extLst>
+              <a:ext uri="{FF2B5EF4-FFF2-40B4-BE49-F238E27FC236}">
+                <a16:creationId xmlns:a16="http://schemas.microsoft.com/office/drawing/2014/main" id="{DE9C32AE-FFCD-20DE-1BB7-88783A62FE60}"/>
+              </a:ext>
+            </a:extLst>
+          </p:cNvPr>
+          <p:cNvCxnSpPr>
+            <a:cxnSpLocks/>
+          </p:cNvCxnSpPr>
+          <p:nvPr/>
+        </p:nvCxnSpPr>
+        <p:spPr>
+          <a:xfrm flipH="1">
+            <a:off x="2779195" y="4583310"/>
+            <a:ext cx="1127177" cy="0"/>
+          </a:xfrm>
+          <a:prstGeom prst="straightConnector1">
+            <a:avLst/>
+          </a:prstGeom>
+          <a:ln w="31750">
+            <a:tailEnd type="triangle" w="lg" len="lg"/>
+          </a:ln>
+        </p:spPr>
+        <p:style>
+          <a:lnRef idx="1">
+            <a:schemeClr val="accent1"/>
+          </a:lnRef>
+          <a:fillRef idx="0">
+            <a:schemeClr val="accent1"/>
+          </a:fillRef>
+          <a:effectRef idx="0">
+            <a:schemeClr val="accent1"/>
+          </a:effectRef>
+          <a:fontRef idx="minor">
+            <a:schemeClr val="tx1"/>
+          </a:fontRef>
+        </p:style>
+      </p:cxnSp>
+      <p:sp>
+        <p:nvSpPr>
+          <p:cNvPr id="11" name="ZoneTexte 10">
+            <a:extLst>
+              <a:ext uri="{FF2B5EF4-FFF2-40B4-BE49-F238E27FC236}">
+                <a16:creationId xmlns:a16="http://schemas.microsoft.com/office/drawing/2014/main" id="{F352DBA1-72B4-4AC1-395A-F30A5BC53E26}"/>
+              </a:ext>
+            </a:extLst>
+          </p:cNvPr>
+          <p:cNvSpPr txBox="1"/>
+          <p:nvPr/>
+        </p:nvSpPr>
+        <p:spPr>
+          <a:xfrm>
+            <a:off x="2939846" y="4305029"/>
+            <a:ext cx="914400" cy="307777"/>
+          </a:xfrm>
+          <a:prstGeom prst="rect">
+            <a:avLst/>
+          </a:prstGeom>
+          <a:noFill/>
+        </p:spPr>
+        <p:txBody>
+          <a:bodyPr wrap="square" rtlCol="0">
+            <a:spAutoFit/>
+          </a:bodyPr>
+          <a:lstStyle/>
+          <a:p>
+            <a:pPr algn="ctr"/>
+            <a:r>
+              <a:rPr lang="fr-FR" sz="1400" b="1" dirty="0">
+                <a:solidFill>
+                  <a:schemeClr val="accent2"/>
+                </a:solidFill>
+              </a:rPr>
+              <a:t>merge</a:t>
+            </a:r>
+          </a:p>
+        </p:txBody>
+      </p:sp>
+      <p:pic>
+        <p:nvPicPr>
+          <p:cNvPr id="23" name="Image 22">
+            <a:extLst>
+              <a:ext uri="{FF2B5EF4-FFF2-40B4-BE49-F238E27FC236}">
+                <a16:creationId xmlns:a16="http://schemas.microsoft.com/office/drawing/2014/main" id="{CCACDECB-8C8A-042A-98C7-C4935555F930}"/>
+              </a:ext>
+            </a:extLst>
+          </p:cNvPr>
+          <p:cNvPicPr>
+            <a:picLocks noChangeAspect="1"/>
+          </p:cNvPicPr>
+          <p:nvPr/>
+        </p:nvPicPr>
+        <p:blipFill>
+          <a:blip r:embed="rId4"/>
+          <a:stretch>
+            <a:fillRect/>
+          </a:stretch>
+        </p:blipFill>
+        <p:spPr>
+          <a:xfrm>
+            <a:off x="8386916" y="4569510"/>
+            <a:ext cx="3238905" cy="1951320"/>
+          </a:xfrm>
+          <a:prstGeom prst="rect">
+            <a:avLst/>
+          </a:prstGeom>
+        </p:spPr>
+      </p:pic>
+      <p:sp>
+        <p:nvSpPr>
+          <p:cNvPr id="27" name="ZoneTexte 26">
+            <a:extLst>
+              <a:ext uri="{FF2B5EF4-FFF2-40B4-BE49-F238E27FC236}">
+                <a16:creationId xmlns:a16="http://schemas.microsoft.com/office/drawing/2014/main" id="{FE89E02A-CEF3-4A35-9F74-F05934F4B4C5}"/>
+              </a:ext>
+            </a:extLst>
+          </p:cNvPr>
+          <p:cNvSpPr txBox="1"/>
+          <p:nvPr/>
+        </p:nvSpPr>
+        <p:spPr>
+          <a:xfrm>
+            <a:off x="7892160" y="6553459"/>
+            <a:ext cx="4345858" cy="261610"/>
+          </a:xfrm>
+          <a:prstGeom prst="rect">
+            <a:avLst/>
+          </a:prstGeom>
+          <a:noFill/>
+        </p:spPr>
+        <p:txBody>
+          <a:bodyPr wrap="square">
+            <a:spAutoFit/>
+          </a:bodyPr>
+          <a:lstStyle/>
+          <a:p>
+            <a:r>
+              <a:rPr lang="fr-FR" sz="1100" dirty="0"/>
+              <a:t>https://www.atlassian.com/fr/git/tutorials/using-branches</a:t>
+            </a:r>
+          </a:p>
+        </p:txBody>
+      </p:sp>
+      <p:pic>
+        <p:nvPicPr>
+          <p:cNvPr id="32" name="Image 31">
+            <a:extLst>
+              <a:ext uri="{FF2B5EF4-FFF2-40B4-BE49-F238E27FC236}">
+                <a16:creationId xmlns:a16="http://schemas.microsoft.com/office/drawing/2014/main" id="{6E98F732-3DEB-C246-7D32-648D1C7573EC}"/>
+              </a:ext>
+            </a:extLst>
+          </p:cNvPr>
+          <p:cNvPicPr>
+            <a:picLocks noChangeAspect="1"/>
+          </p:cNvPicPr>
+          <p:nvPr/>
+        </p:nvPicPr>
+        <p:blipFill>
+          <a:blip r:embed="rId5"/>
+          <a:stretch>
+            <a:fillRect/>
+          </a:stretch>
+        </p:blipFill>
+        <p:spPr>
+          <a:xfrm>
+            <a:off x="2166868" y="5452712"/>
+            <a:ext cx="5577506" cy="1264347"/>
+          </a:xfrm>
+          <a:prstGeom prst="rect">
+            <a:avLst/>
+          </a:prstGeom>
+        </p:spPr>
+      </p:pic>
+    </p:spTree>
+    <p:extLst>
+      <p:ext uri="{BB962C8B-B14F-4D97-AF65-F5344CB8AC3E}">
+        <p14:creationId xmlns:p14="http://schemas.microsoft.com/office/powerpoint/2010/main" val="893605857"/>
+      </p:ext>
+    </p:extLst>
+  </p:cSld>
+  <p:clrMapOvr>
+    <a:masterClrMapping/>
+  </p:clrMapOvr>
+</p:sld>
+</file>
+
+<file path=ppt/slides/slide8.xml><?xml version="1.0" encoding="utf-8"?>
 <p:sld xmlns:a="http://schemas.openxmlformats.org/drawingml/2006/main" xmlns:r="http://schemas.openxmlformats.org/officeDocument/2006/relationships" xmlns:p="http://schemas.openxmlformats.org/presentationml/2006/main">
   <p:cSld>
     <p:bg>
@@ -7597,248 +9282,6 @@
 </p:sld>
 </file>
 
-<file path=ppt/slides/slide8.xml><?xml version="1.0" encoding="utf-8"?>
-<p:sld xmlns:a="http://schemas.openxmlformats.org/drawingml/2006/main" xmlns:r="http://schemas.openxmlformats.org/officeDocument/2006/relationships" xmlns:p="http://schemas.openxmlformats.org/presentationml/2006/main">
-  <p:cSld>
-    <p:spTree>
-      <p:nvGrpSpPr>
-        <p:cNvPr id="1" name=""/>
-        <p:cNvGrpSpPr/>
-        <p:nvPr/>
-      </p:nvGrpSpPr>
-      <p:grpSpPr>
-        <a:xfrm>
-          <a:off x="0" y="0"/>
-          <a:ext cx="0" cy="0"/>
-          <a:chOff x="0" y="0"/>
-          <a:chExt cx="0" cy="0"/>
-        </a:xfrm>
-      </p:grpSpPr>
-      <p:sp>
-        <p:nvSpPr>
-          <p:cNvPr id="3" name="Espace réservé du contenu 2">
-            <a:extLst>
-              <a:ext uri="{FF2B5EF4-FFF2-40B4-BE49-F238E27FC236}">
-                <a16:creationId xmlns:a16="http://schemas.microsoft.com/office/drawing/2014/main" id="{E0BBB9DE-019C-C741-F224-494739D4B752}"/>
-              </a:ext>
-            </a:extLst>
-          </p:cNvPr>
-          <p:cNvSpPr>
-            <a:spLocks noGrp="1"/>
-          </p:cNvSpPr>
-          <p:nvPr>
-            <p:ph sz="half" idx="1"/>
-          </p:nvPr>
-        </p:nvSpPr>
-        <p:spPr>
-          <a:xfrm>
-            <a:off x="1115568" y="2478024"/>
-            <a:ext cx="10407838" cy="3694176"/>
-          </a:xfrm>
-        </p:spPr>
-        <p:txBody>
-          <a:bodyPr>
-            <a:normAutofit/>
-          </a:bodyPr>
-          <a:lstStyle/>
-          <a:p>
-            <a:r>
-              <a:rPr lang="fr-FR" sz="2400" dirty="0"/>
-              <a:t>Développement sous </a:t>
-            </a:r>
-            <a:r>
-              <a:rPr lang="fr-FR" sz="2400" b="1" dirty="0"/>
-              <a:t>Python 3.9 </a:t>
-            </a:r>
-            <a:r>
-              <a:rPr lang="fr-FR" sz="2400" dirty="0"/>
-              <a:t>(min) / </a:t>
-            </a:r>
-            <a:r>
-              <a:rPr lang="fr-FR" sz="2400" b="1" dirty="0"/>
-              <a:t>Anaconda 3</a:t>
-            </a:r>
-            <a:r>
-              <a:rPr lang="fr-FR" sz="2400" dirty="0"/>
-              <a:t> / </a:t>
-            </a:r>
-            <a:r>
-              <a:rPr lang="fr-FR" sz="2400" b="1" dirty="0" err="1"/>
-              <a:t>Spyder</a:t>
-            </a:r>
-            <a:r>
-              <a:rPr lang="fr-FR" sz="2400" b="1" dirty="0"/>
-              <a:t> 5</a:t>
-            </a:r>
-          </a:p>
-          <a:p>
-            <a:pPr lvl="1"/>
-            <a:r>
-              <a:rPr lang="fr-FR" dirty="0"/>
-              <a:t>Style de code selon le guide </a:t>
-            </a:r>
-            <a:r>
-              <a:rPr lang="fr-FR" b="1" dirty="0"/>
-              <a:t>PEP 8</a:t>
-            </a:r>
-            <a:r>
-              <a:rPr lang="fr-FR" dirty="0"/>
-              <a:t>  </a:t>
-            </a:r>
-            <a:br>
-              <a:rPr lang="fr-FR" dirty="0"/>
-            </a:br>
-            <a:r>
-              <a:rPr lang="fr-FR" dirty="0"/>
-              <a:t>		https://peps.python.org/pep-0008/</a:t>
-            </a:r>
-          </a:p>
-          <a:p>
-            <a:pPr lvl="1"/>
-            <a:r>
-              <a:rPr lang="fr-FR" dirty="0"/>
-              <a:t>Style de commentaires et de documentation selon le guide </a:t>
-            </a:r>
-            <a:r>
-              <a:rPr lang="fr-FR" b="1" dirty="0"/>
-              <a:t>PEP 257 </a:t>
-            </a:r>
-            <a:br>
-              <a:rPr lang="fr-FR" b="1" dirty="0"/>
-            </a:br>
-            <a:r>
-              <a:rPr lang="fr-FR" b="1" dirty="0"/>
-              <a:t>		</a:t>
-            </a:r>
-            <a:r>
-              <a:rPr lang="fr-FR" dirty="0"/>
-              <a:t>https://peps.python.org/pep-0257/</a:t>
-            </a:r>
-          </a:p>
-          <a:p>
-            <a:r>
-              <a:rPr lang="fr-FR" sz="2400" dirty="0"/>
-              <a:t>Utilisation de bibliothèques standards (</a:t>
-            </a:r>
-            <a:r>
-              <a:rPr lang="fr-FR" sz="2400" dirty="0" err="1"/>
-              <a:t>Numpy</a:t>
-            </a:r>
-            <a:r>
-              <a:rPr lang="fr-FR" sz="2400" dirty="0"/>
-              <a:t>, </a:t>
-            </a:r>
-            <a:r>
-              <a:rPr lang="fr-FR" sz="2400" dirty="0" err="1"/>
-              <a:t>Matplotlib</a:t>
-            </a:r>
-            <a:r>
-              <a:rPr lang="fr-FR" sz="2400" dirty="0"/>
-              <a:t>, </a:t>
-            </a:r>
-            <a:r>
-              <a:rPr lang="fr-FR" sz="2400" dirty="0" err="1"/>
-              <a:t>Scipy</a:t>
-            </a:r>
-            <a:r>
-              <a:rPr lang="fr-FR" sz="2400" dirty="0"/>
-              <a:t>…)</a:t>
-            </a:r>
-          </a:p>
-          <a:p>
-            <a:r>
-              <a:rPr lang="fr-FR" sz="2400" dirty="0"/>
-              <a:t>Découpage en fonctions simples (fichiers .</a:t>
-            </a:r>
-            <a:r>
-              <a:rPr lang="fr-FR" sz="2400" dirty="0" err="1"/>
-              <a:t>py</a:t>
-            </a:r>
-            <a:r>
-              <a:rPr lang="fr-FR" sz="2400" dirty="0"/>
-              <a:t> séparés)</a:t>
-            </a:r>
-            <a:endParaRPr lang="fr-FR" dirty="0"/>
-          </a:p>
-        </p:txBody>
-      </p:sp>
-      <p:sp>
-        <p:nvSpPr>
-          <p:cNvPr id="2" name="Titre 1">
-            <a:extLst>
-              <a:ext uri="{FF2B5EF4-FFF2-40B4-BE49-F238E27FC236}">
-                <a16:creationId xmlns:a16="http://schemas.microsoft.com/office/drawing/2014/main" id="{90162AE8-C1B0-5C56-8313-DEE494F38273}"/>
-              </a:ext>
-            </a:extLst>
-          </p:cNvPr>
-          <p:cNvSpPr>
-            <a:spLocks noGrp="1"/>
-          </p:cNvSpPr>
-          <p:nvPr>
-            <p:ph type="title"/>
-          </p:nvPr>
-        </p:nvSpPr>
-        <p:spPr/>
-        <p:txBody>
-          <a:bodyPr/>
-          <a:lstStyle/>
-          <a:p>
-            <a:r>
-              <a:rPr lang="fr-FR" dirty="0"/>
-              <a:t>Méthode de travail / Bonnes pratiques</a:t>
-            </a:r>
-          </a:p>
-        </p:txBody>
-      </p:sp>
-      <p:pic>
-        <p:nvPicPr>
-          <p:cNvPr id="5" name="Image 4" descr="Une image contenant texte&#10;&#10;Description générée automatiquement">
-            <a:extLst>
-              <a:ext uri="{FF2B5EF4-FFF2-40B4-BE49-F238E27FC236}">
-                <a16:creationId xmlns:a16="http://schemas.microsoft.com/office/drawing/2014/main" id="{204ADC40-1D61-539F-22ED-6B21D67FBDE6}"/>
-              </a:ext>
-            </a:extLst>
-          </p:cNvPr>
-          <p:cNvPicPr>
-            <a:picLocks noChangeAspect="1"/>
-          </p:cNvPicPr>
-          <p:nvPr/>
-        </p:nvPicPr>
-        <p:blipFill>
-          <a:blip r:embed="rId2">
-            <a:extLst>
-              <a:ext uri="{28A0092B-C50C-407E-A947-70E740481C1C}">
-                <a14:useLocalDpi xmlns:a14="http://schemas.microsoft.com/office/drawing/2010/main" val="0"/>
-              </a:ext>
-            </a:extLst>
-          </a:blip>
-          <a:stretch>
-            <a:fillRect/>
-          </a:stretch>
-        </p:blipFill>
-        <p:spPr>
-          <a:xfrm>
-            <a:off x="202922" y="5934456"/>
-            <a:ext cx="1825291" cy="749808"/>
-          </a:xfrm>
-          <a:prstGeom prst="rect">
-            <a:avLst/>
-          </a:prstGeom>
-        </p:spPr>
-      </p:pic>
-    </p:spTree>
-    <p:extLst>
-      <p:ext uri="{BB962C8B-B14F-4D97-AF65-F5344CB8AC3E}">
-        <p14:creationId xmlns:p14="http://schemas.microsoft.com/office/powerpoint/2010/main" val="3230963344"/>
-      </p:ext>
-    </p:extLst>
-  </p:cSld>
-  <p:clrMapOvr>
-    <a:masterClrMapping/>
-  </p:clrMapOvr>
-</p:sld>
-</file>
-
 <file path=ppt/slides/slide9.xml><?xml version="1.0" encoding="utf-8"?>
 <p:sld xmlns:a="http://schemas.openxmlformats.org/drawingml/2006/main" xmlns:r="http://schemas.openxmlformats.org/officeDocument/2006/relationships" xmlns:p="http://schemas.openxmlformats.org/presentationml/2006/main">
   <p:cSld>
@@ -7875,7 +9318,7 @@
         <p:spPr>
           <a:xfrm>
             <a:off x="1115568" y="2478024"/>
-            <a:ext cx="10168128" cy="3694176"/>
+            <a:ext cx="10407838" cy="3694176"/>
           </a:xfrm>
         </p:spPr>
         <p:txBody>
@@ -7885,24 +9328,122 @@
           <a:lstStyle/>
           <a:p>
             <a:r>
+              <a:rPr lang="fr-FR" sz="2400" dirty="0"/>
+              <a:t>Développement sous </a:t>
+            </a:r>
+            <a:r>
+              <a:rPr lang="fr-FR" sz="2400" b="1" dirty="0"/>
+              <a:t>Python 3.9 </a:t>
+            </a:r>
+            <a:r>
+              <a:rPr lang="fr-FR" sz="2400" dirty="0"/>
+              <a:t>(min) / </a:t>
+            </a:r>
+            <a:r>
+              <a:rPr lang="fr-FR" sz="2400" b="1" dirty="0"/>
+              <a:t>Anaconda 3</a:t>
+            </a:r>
+            <a:r>
+              <a:rPr lang="fr-FR" sz="2400" dirty="0"/>
+              <a:t> / </a:t>
+            </a:r>
+            <a:r>
+              <a:rPr lang="fr-FR" sz="2400" b="1" dirty="0" err="1"/>
+              <a:t>Spyder</a:t>
+            </a:r>
+            <a:r>
+              <a:rPr lang="fr-FR" sz="2400" b="1" dirty="0"/>
+              <a:t> 5</a:t>
+            </a:r>
+          </a:p>
+          <a:p>
+            <a:pPr lvl="1"/>
+            <a:r>
               <a:rPr lang="fr-FR" dirty="0"/>
-              <a:t>Démystifier les langages de haut niveau</a:t>
-            </a:r>
-            <a:endParaRPr lang="fr-FR" b="1" dirty="0"/>
+              <a:t>Style de code selon le guide </a:t>
+            </a:r>
+            <a:r>
+              <a:rPr lang="fr-FR" b="1" dirty="0"/>
+              <a:t>PEP 8</a:t>
+            </a:r>
+            <a:r>
+              <a:rPr lang="fr-FR" dirty="0"/>
+              <a:t>  </a:t>
+            </a:r>
+            <a:br>
+              <a:rPr lang="fr-FR" dirty="0"/>
+            </a:br>
+            <a:r>
+              <a:rPr lang="fr-FR" dirty="0"/>
+              <a:t>		https://peps.python.org/pep-0008/</a:t>
+            </a:r>
           </a:p>
           <a:p>
             <a:pPr lvl="1"/>
             <a:r>
               <a:rPr lang="fr-FR" dirty="0"/>
-              <a:t>Quelques notions théoriques</a:t>
-            </a:r>
-          </a:p>
-          <a:p>
-            <a:pPr lvl="1"/>
+              <a:t>Style de commentaires et de documentation selon le guide </a:t>
+            </a:r>
+            <a:r>
+              <a:rPr lang="fr-FR" b="1" dirty="0"/>
+              <a:t>PEP 257 </a:t>
+            </a:r>
+            <a:br>
+              <a:rPr lang="fr-FR" b="1" dirty="0"/>
+            </a:br>
+            <a:r>
+              <a:rPr lang="fr-FR" b="1" dirty="0"/>
+              <a:t>		</a:t>
+            </a:r>
             <a:r>
               <a:rPr lang="fr-FR" dirty="0"/>
-              <a:t>Des exemples pratiques en Python (ou C/C++)</a:t>
-            </a:r>
+              <a:t>https://peps.python.org/pep-0257/</a:t>
+            </a:r>
+          </a:p>
+          <a:p>
+            <a:r>
+              <a:rPr lang="fr-FR" sz="2400" dirty="0"/>
+              <a:t>Utilisation de bibliothèques standards (</a:t>
+            </a:r>
+            <a:r>
+              <a:rPr lang="fr-FR" sz="2400" dirty="0" err="1"/>
+              <a:t>Numpy</a:t>
+            </a:r>
+            <a:r>
+              <a:rPr lang="fr-FR" sz="2400" dirty="0"/>
+              <a:t>, </a:t>
+            </a:r>
+            <a:r>
+              <a:rPr lang="fr-FR" sz="2400" dirty="0" err="1"/>
+              <a:t>Matplotlib</a:t>
+            </a:r>
+            <a:r>
+              <a:rPr lang="fr-FR" sz="2400" dirty="0"/>
+              <a:t>, </a:t>
+            </a:r>
+            <a:r>
+              <a:rPr lang="fr-FR" sz="2400" dirty="0" err="1"/>
+              <a:t>Scipy</a:t>
+            </a:r>
+            <a:r>
+              <a:rPr lang="fr-FR" sz="2400" dirty="0"/>
+              <a:t>…)</a:t>
+            </a:r>
+          </a:p>
+          <a:p>
+            <a:r>
+              <a:rPr lang="fr-FR" sz="2400" dirty="0"/>
+              <a:t>Découpage en fonctions simples (fichiers .</a:t>
+            </a:r>
+            <a:r>
+              <a:rPr lang="fr-FR" sz="2400" dirty="0" err="1"/>
+              <a:t>py</a:t>
+            </a:r>
+            <a:r>
+              <a:rPr lang="fr-FR" sz="2400" dirty="0"/>
+              <a:t> séparés)</a:t>
+            </a:r>
+            <a:endParaRPr lang="fr-FR" dirty="0"/>
           </a:p>
         </p:txBody>
       </p:sp>
@@ -7929,7 +9470,7 @@
           <a:p>
             <a:r>
               <a:rPr lang="fr-FR" dirty="0"/>
-              <a:t>Méthode de travail / Bloc 0</a:t>
+              <a:t>Méthode de travail / Bonnes pratiques</a:t>
             </a:r>
           </a:p>
         </p:txBody>
@@ -7973,7 +9514,7 @@
     </p:spTree>
     <p:extLst>
       <p:ext uri="{BB962C8B-B14F-4D97-AF65-F5344CB8AC3E}">
-        <p14:creationId xmlns:p14="http://schemas.microsoft.com/office/powerpoint/2010/main" val="2211726380"/>
+        <p14:creationId xmlns:p14="http://schemas.microsoft.com/office/powerpoint/2010/main" val="3230963344"/>
       </p:ext>
     </p:extLst>
   </p:cSld>

--- a/engineer_courses/s5_outils_numeriques/b0_demistifier_python/B0_0_Outils_Methodes.pptx
+++ b/engineer_courses/s5_outils_numeriques/b0_demistifier_python/B0_0_Outils_Methodes.pptx
@@ -12,9 +12,10 @@
     <p:sldId id="262" r:id="rId6"/>
     <p:sldId id="264" r:id="rId7"/>
     <p:sldId id="265" r:id="rId8"/>
-    <p:sldId id="263" r:id="rId9"/>
-    <p:sldId id="261" r:id="rId10"/>
-    <p:sldId id="260" r:id="rId11"/>
+    <p:sldId id="266" r:id="rId9"/>
+    <p:sldId id="263" r:id="rId10"/>
+    <p:sldId id="261" r:id="rId11"/>
+    <p:sldId id="260" r:id="rId12"/>
   </p:sldIdLst>
   <p:sldSz cx="12192000" cy="6858000"/>
   <p:notesSz cx="6858000" cy="9144000"/>
@@ -5603,6 +5604,248 @@
         <p:spPr>
           <a:xfrm>
             <a:off x="1115568" y="2478024"/>
+            <a:ext cx="10407838" cy="3694176"/>
+          </a:xfrm>
+        </p:spPr>
+        <p:txBody>
+          <a:bodyPr>
+            <a:normAutofit/>
+          </a:bodyPr>
+          <a:lstStyle/>
+          <a:p>
+            <a:r>
+              <a:rPr lang="fr-FR" sz="2400" dirty="0"/>
+              <a:t>Développement sous </a:t>
+            </a:r>
+            <a:r>
+              <a:rPr lang="fr-FR" sz="2400" b="1" dirty="0"/>
+              <a:t>Python 3.9 </a:t>
+            </a:r>
+            <a:r>
+              <a:rPr lang="fr-FR" sz="2400" dirty="0"/>
+              <a:t>(min) / </a:t>
+            </a:r>
+            <a:r>
+              <a:rPr lang="fr-FR" sz="2400" b="1" dirty="0"/>
+              <a:t>Anaconda 3</a:t>
+            </a:r>
+            <a:r>
+              <a:rPr lang="fr-FR" sz="2400" dirty="0"/>
+              <a:t> / </a:t>
+            </a:r>
+            <a:r>
+              <a:rPr lang="fr-FR" sz="2400" b="1" dirty="0" err="1"/>
+              <a:t>Spyder</a:t>
+            </a:r>
+            <a:r>
+              <a:rPr lang="fr-FR" sz="2400" b="1" dirty="0"/>
+              <a:t> 5</a:t>
+            </a:r>
+          </a:p>
+          <a:p>
+            <a:pPr lvl="1"/>
+            <a:r>
+              <a:rPr lang="fr-FR" dirty="0"/>
+              <a:t>Style de code selon le guide </a:t>
+            </a:r>
+            <a:r>
+              <a:rPr lang="fr-FR" b="1" dirty="0"/>
+              <a:t>PEP 8</a:t>
+            </a:r>
+            <a:r>
+              <a:rPr lang="fr-FR" dirty="0"/>
+              <a:t>  </a:t>
+            </a:r>
+            <a:br>
+              <a:rPr lang="fr-FR" dirty="0"/>
+            </a:br>
+            <a:r>
+              <a:rPr lang="fr-FR" dirty="0"/>
+              <a:t>		https://peps.python.org/pep-0008/</a:t>
+            </a:r>
+          </a:p>
+          <a:p>
+            <a:pPr lvl="1"/>
+            <a:r>
+              <a:rPr lang="fr-FR" dirty="0"/>
+              <a:t>Style de commentaires et de documentation selon le guide </a:t>
+            </a:r>
+            <a:r>
+              <a:rPr lang="fr-FR" b="1" dirty="0"/>
+              <a:t>PEP 257 </a:t>
+            </a:r>
+            <a:br>
+              <a:rPr lang="fr-FR" b="1" dirty="0"/>
+            </a:br>
+            <a:r>
+              <a:rPr lang="fr-FR" b="1" dirty="0"/>
+              <a:t>		</a:t>
+            </a:r>
+            <a:r>
+              <a:rPr lang="fr-FR" dirty="0"/>
+              <a:t>https://peps.python.org/pep-0257/</a:t>
+            </a:r>
+          </a:p>
+          <a:p>
+            <a:r>
+              <a:rPr lang="fr-FR" sz="2400" dirty="0"/>
+              <a:t>Utilisation de bibliothèques standards (</a:t>
+            </a:r>
+            <a:r>
+              <a:rPr lang="fr-FR" sz="2400" dirty="0" err="1"/>
+              <a:t>Numpy</a:t>
+            </a:r>
+            <a:r>
+              <a:rPr lang="fr-FR" sz="2400" dirty="0"/>
+              <a:t>, </a:t>
+            </a:r>
+            <a:r>
+              <a:rPr lang="fr-FR" sz="2400" dirty="0" err="1"/>
+              <a:t>Matplotlib</a:t>
+            </a:r>
+            <a:r>
+              <a:rPr lang="fr-FR" sz="2400" dirty="0"/>
+              <a:t>, </a:t>
+            </a:r>
+            <a:r>
+              <a:rPr lang="fr-FR" sz="2400" dirty="0" err="1"/>
+              <a:t>Scipy</a:t>
+            </a:r>
+            <a:r>
+              <a:rPr lang="fr-FR" sz="2400" dirty="0"/>
+              <a:t>…)</a:t>
+            </a:r>
+          </a:p>
+          <a:p>
+            <a:r>
+              <a:rPr lang="fr-FR" sz="2400" dirty="0"/>
+              <a:t>Découpage en fonctions simples (fichiers .</a:t>
+            </a:r>
+            <a:r>
+              <a:rPr lang="fr-FR" sz="2400" dirty="0" err="1"/>
+              <a:t>py</a:t>
+            </a:r>
+            <a:r>
+              <a:rPr lang="fr-FR" sz="2400" dirty="0"/>
+              <a:t> séparés)</a:t>
+            </a:r>
+            <a:endParaRPr lang="fr-FR" dirty="0"/>
+          </a:p>
+        </p:txBody>
+      </p:sp>
+      <p:sp>
+        <p:nvSpPr>
+          <p:cNvPr id="2" name="Titre 1">
+            <a:extLst>
+              <a:ext uri="{FF2B5EF4-FFF2-40B4-BE49-F238E27FC236}">
+                <a16:creationId xmlns:a16="http://schemas.microsoft.com/office/drawing/2014/main" id="{90162AE8-C1B0-5C56-8313-DEE494F38273}"/>
+              </a:ext>
+            </a:extLst>
+          </p:cNvPr>
+          <p:cNvSpPr>
+            <a:spLocks noGrp="1"/>
+          </p:cNvSpPr>
+          <p:nvPr>
+            <p:ph type="title"/>
+          </p:nvPr>
+        </p:nvSpPr>
+        <p:spPr/>
+        <p:txBody>
+          <a:bodyPr/>
+          <a:lstStyle/>
+          <a:p>
+            <a:r>
+              <a:rPr lang="fr-FR" dirty="0"/>
+              <a:t>Méthode de travail / Bonnes pratiques</a:t>
+            </a:r>
+          </a:p>
+        </p:txBody>
+      </p:sp>
+      <p:pic>
+        <p:nvPicPr>
+          <p:cNvPr id="5" name="Image 4" descr="Une image contenant texte&#10;&#10;Description générée automatiquement">
+            <a:extLst>
+              <a:ext uri="{FF2B5EF4-FFF2-40B4-BE49-F238E27FC236}">
+                <a16:creationId xmlns:a16="http://schemas.microsoft.com/office/drawing/2014/main" id="{204ADC40-1D61-539F-22ED-6B21D67FBDE6}"/>
+              </a:ext>
+            </a:extLst>
+          </p:cNvPr>
+          <p:cNvPicPr>
+            <a:picLocks noChangeAspect="1"/>
+          </p:cNvPicPr>
+          <p:nvPr/>
+        </p:nvPicPr>
+        <p:blipFill>
+          <a:blip r:embed="rId2">
+            <a:extLst>
+              <a:ext uri="{28A0092B-C50C-407E-A947-70E740481C1C}">
+                <a14:useLocalDpi xmlns:a14="http://schemas.microsoft.com/office/drawing/2010/main" val="0"/>
+              </a:ext>
+            </a:extLst>
+          </a:blip>
+          <a:stretch>
+            <a:fillRect/>
+          </a:stretch>
+        </p:blipFill>
+        <p:spPr>
+          <a:xfrm>
+            <a:off x="202922" y="5934456"/>
+            <a:ext cx="1825291" cy="749808"/>
+          </a:xfrm>
+          <a:prstGeom prst="rect">
+            <a:avLst/>
+          </a:prstGeom>
+        </p:spPr>
+      </p:pic>
+    </p:spTree>
+    <p:extLst>
+      <p:ext uri="{BB962C8B-B14F-4D97-AF65-F5344CB8AC3E}">
+        <p14:creationId xmlns:p14="http://schemas.microsoft.com/office/powerpoint/2010/main" val="3230963344"/>
+      </p:ext>
+    </p:extLst>
+  </p:cSld>
+  <p:clrMapOvr>
+    <a:masterClrMapping/>
+  </p:clrMapOvr>
+</p:sld>
+</file>
+
+<file path=ppt/slides/slide11.xml><?xml version="1.0" encoding="utf-8"?>
+<p:sld xmlns:a="http://schemas.openxmlformats.org/drawingml/2006/main" xmlns:r="http://schemas.openxmlformats.org/officeDocument/2006/relationships" xmlns:p="http://schemas.openxmlformats.org/presentationml/2006/main">
+  <p:cSld>
+    <p:spTree>
+      <p:nvGrpSpPr>
+        <p:cNvPr id="1" name=""/>
+        <p:cNvGrpSpPr/>
+        <p:nvPr/>
+      </p:nvGrpSpPr>
+      <p:grpSpPr>
+        <a:xfrm>
+          <a:off x="0" y="0"/>
+          <a:ext cx="0" cy="0"/>
+          <a:chOff x="0" y="0"/>
+          <a:chExt cx="0" cy="0"/>
+        </a:xfrm>
+      </p:grpSpPr>
+      <p:sp>
+        <p:nvSpPr>
+          <p:cNvPr id="3" name="Espace réservé du contenu 2">
+            <a:extLst>
+              <a:ext uri="{FF2B5EF4-FFF2-40B4-BE49-F238E27FC236}">
+                <a16:creationId xmlns:a16="http://schemas.microsoft.com/office/drawing/2014/main" id="{E0BBB9DE-019C-C741-F224-494739D4B752}"/>
+              </a:ext>
+            </a:extLst>
+          </p:cNvPr>
+          <p:cNvSpPr>
+            <a:spLocks noGrp="1"/>
+          </p:cNvSpPr>
+          <p:nvPr>
+            <p:ph sz="half" idx="1"/>
+          </p:nvPr>
+        </p:nvSpPr>
+        <p:spPr>
+          <a:xfrm>
+            <a:off x="1115568" y="2478024"/>
             <a:ext cx="10168128" cy="3694176"/>
           </a:xfrm>
         </p:spPr>
@@ -8786,6 +9029,905 @@
 <file path=ppt/slides/slide8.xml><?xml version="1.0" encoding="utf-8"?>
 <p:sld xmlns:a="http://schemas.openxmlformats.org/drawingml/2006/main" xmlns:r="http://schemas.openxmlformats.org/officeDocument/2006/relationships" xmlns:p="http://schemas.openxmlformats.org/presentationml/2006/main">
   <p:cSld>
+    <p:spTree>
+      <p:nvGrpSpPr>
+        <p:cNvPr id="1" name=""/>
+        <p:cNvGrpSpPr/>
+        <p:nvPr/>
+      </p:nvGrpSpPr>
+      <p:grpSpPr>
+        <a:xfrm>
+          <a:off x="0" y="0"/>
+          <a:ext cx="0" cy="0"/>
+          <a:chOff x="0" y="0"/>
+          <a:chExt cx="0" cy="0"/>
+        </a:xfrm>
+      </p:grpSpPr>
+      <p:sp>
+        <p:nvSpPr>
+          <p:cNvPr id="28" name="Organigramme : Procédé prédéfini 27">
+            <a:extLst>
+              <a:ext uri="{FF2B5EF4-FFF2-40B4-BE49-F238E27FC236}">
+                <a16:creationId xmlns:a16="http://schemas.microsoft.com/office/drawing/2014/main" id="{7C8E1384-DB21-CA9B-7694-4DB8D98AC8FF}"/>
+              </a:ext>
+            </a:extLst>
+          </p:cNvPr>
+          <p:cNvSpPr/>
+          <p:nvPr/>
+        </p:nvSpPr>
+        <p:spPr>
+          <a:xfrm>
+            <a:off x="580102" y="2238984"/>
+            <a:ext cx="5987845" cy="3178589"/>
+          </a:xfrm>
+          <a:prstGeom prst="flowChartPredefinedProcess">
+            <a:avLst/>
+          </a:prstGeom>
+        </p:spPr>
+        <p:style>
+          <a:lnRef idx="2">
+            <a:schemeClr val="accent1">
+              <a:shade val="50000"/>
+            </a:schemeClr>
+          </a:lnRef>
+          <a:fillRef idx="1">
+            <a:schemeClr val="accent1"/>
+          </a:fillRef>
+          <a:effectRef idx="0">
+            <a:schemeClr val="accent1"/>
+          </a:effectRef>
+          <a:fontRef idx="minor">
+            <a:schemeClr val="lt1"/>
+          </a:fontRef>
+        </p:style>
+        <p:txBody>
+          <a:bodyPr rtlCol="0" anchor="ctr"/>
+          <a:lstStyle/>
+          <a:p>
+            <a:pPr algn="ctr"/>
+            <a:endParaRPr lang="fr-FR" dirty="0"/>
+          </a:p>
+        </p:txBody>
+      </p:sp>
+      <p:sp>
+        <p:nvSpPr>
+          <p:cNvPr id="2" name="Titre 1">
+            <a:extLst>
+              <a:ext uri="{FF2B5EF4-FFF2-40B4-BE49-F238E27FC236}">
+                <a16:creationId xmlns:a16="http://schemas.microsoft.com/office/drawing/2014/main" id="{90162AE8-C1B0-5C56-8313-DEE494F38273}"/>
+              </a:ext>
+            </a:extLst>
+          </p:cNvPr>
+          <p:cNvSpPr>
+            <a:spLocks noGrp="1"/>
+          </p:cNvSpPr>
+          <p:nvPr>
+            <p:ph type="title"/>
+          </p:nvPr>
+        </p:nvSpPr>
+        <p:spPr/>
+        <p:txBody>
+          <a:bodyPr/>
+          <a:lstStyle/>
+          <a:p>
+            <a:r>
+              <a:rPr lang="fr-FR" dirty="0"/>
+              <a:t>GitHub / Dépôts de </a:t>
+            </a:r>
+            <a:r>
+              <a:rPr lang="fr-FR" dirty="0" err="1"/>
+              <a:t>SupOp</a:t>
+            </a:r>
+            <a:endParaRPr lang="fr-FR" dirty="0"/>
+          </a:p>
+        </p:txBody>
+      </p:sp>
+      <p:pic>
+        <p:nvPicPr>
+          <p:cNvPr id="5" name="Image 4" descr="Une image contenant texte&#10;&#10;Description générée automatiquement">
+            <a:extLst>
+              <a:ext uri="{FF2B5EF4-FFF2-40B4-BE49-F238E27FC236}">
+                <a16:creationId xmlns:a16="http://schemas.microsoft.com/office/drawing/2014/main" id="{204ADC40-1D61-539F-22ED-6B21D67FBDE6}"/>
+              </a:ext>
+            </a:extLst>
+          </p:cNvPr>
+          <p:cNvPicPr>
+            <a:picLocks noChangeAspect="1"/>
+          </p:cNvPicPr>
+          <p:nvPr/>
+        </p:nvPicPr>
+        <p:blipFill>
+          <a:blip r:embed="rId2">
+            <a:extLst>
+              <a:ext uri="{28A0092B-C50C-407E-A947-70E740481C1C}">
+                <a14:useLocalDpi xmlns:a14="http://schemas.microsoft.com/office/drawing/2010/main" val="0"/>
+              </a:ext>
+            </a:extLst>
+          </a:blip>
+          <a:stretch>
+            <a:fillRect/>
+          </a:stretch>
+        </p:blipFill>
+        <p:spPr>
+          <a:xfrm>
+            <a:off x="202922" y="5934456"/>
+            <a:ext cx="1825291" cy="749808"/>
+          </a:xfrm>
+          <a:prstGeom prst="rect">
+            <a:avLst/>
+          </a:prstGeom>
+        </p:spPr>
+      </p:pic>
+      <p:pic>
+        <p:nvPicPr>
+          <p:cNvPr id="2050" name="Picture 2" descr="Résultat de recherche d'images pour &quot;github logo&quot;">
+            <a:extLst>
+              <a:ext uri="{FF2B5EF4-FFF2-40B4-BE49-F238E27FC236}">
+                <a16:creationId xmlns:a16="http://schemas.microsoft.com/office/drawing/2014/main" id="{EF17F59B-3DC2-541B-6AF7-484C8DC259FE}"/>
+              </a:ext>
+            </a:extLst>
+          </p:cNvPr>
+          <p:cNvPicPr>
+            <a:picLocks noChangeAspect="1" noChangeArrowheads="1"/>
+          </p:cNvPicPr>
+          <p:nvPr/>
+        </p:nvPicPr>
+        <p:blipFill>
+          <a:blip r:embed="rId3">
+            <a:extLst>
+              <a:ext uri="{28A0092B-C50C-407E-A947-70E740481C1C}">
+                <a14:useLocalDpi xmlns:a14="http://schemas.microsoft.com/office/drawing/2010/main" val="0"/>
+              </a:ext>
+            </a:extLst>
+          </a:blip>
+          <a:srcRect/>
+          <a:stretch>
+            <a:fillRect/>
+          </a:stretch>
+        </p:blipFill>
+        <p:spPr bwMode="auto">
+          <a:xfrm>
+            <a:off x="9076379" y="461391"/>
+            <a:ext cx="2276475" cy="1266825"/>
+          </a:xfrm>
+          <a:prstGeom prst="rect">
+            <a:avLst/>
+          </a:prstGeom>
+          <a:noFill/>
+          <a:extLst>
+            <a:ext uri="{909E8E84-426E-40DD-AFC4-6F175D3DCCD1}">
+              <a14:hiddenFill xmlns:a14="http://schemas.microsoft.com/office/drawing/2010/main">
+                <a:solidFill>
+                  <a:srgbClr val="FFFFFF"/>
+                </a:solidFill>
+              </a14:hiddenFill>
+            </a:ext>
+          </a:extLst>
+        </p:spPr>
+      </p:pic>
+      <p:sp>
+        <p:nvSpPr>
+          <p:cNvPr id="26" name="ZoneTexte 25">
+            <a:extLst>
+              <a:ext uri="{FF2B5EF4-FFF2-40B4-BE49-F238E27FC236}">
+                <a16:creationId xmlns:a16="http://schemas.microsoft.com/office/drawing/2014/main" id="{F08C0E92-34E3-2C36-4A6A-83BF6D640F89}"/>
+              </a:ext>
+            </a:extLst>
+          </p:cNvPr>
+          <p:cNvSpPr txBox="1"/>
+          <p:nvPr/>
+        </p:nvSpPr>
+        <p:spPr>
+          <a:xfrm>
+            <a:off x="1238864" y="2264443"/>
+            <a:ext cx="4857136" cy="369332"/>
+          </a:xfrm>
+          <a:prstGeom prst="rect">
+            <a:avLst/>
+          </a:prstGeom>
+          <a:noFill/>
+        </p:spPr>
+        <p:txBody>
+          <a:bodyPr wrap="square">
+            <a:spAutoFit/>
+          </a:bodyPr>
+          <a:lstStyle/>
+          <a:p>
+            <a:r>
+              <a:rPr lang="fr-FR" b="1" dirty="0">
+                <a:solidFill>
+                  <a:schemeClr val="bg1"/>
+                </a:solidFill>
+              </a:rPr>
+              <a:t>github.com/orgs/IOGS-Digital-Methods/</a:t>
+            </a:r>
+          </a:p>
+        </p:txBody>
+      </p:sp>
+      <p:sp>
+        <p:nvSpPr>
+          <p:cNvPr id="33" name="Organigramme : Multidocument 32">
+            <a:extLst>
+              <a:ext uri="{FF2B5EF4-FFF2-40B4-BE49-F238E27FC236}">
+                <a16:creationId xmlns:a16="http://schemas.microsoft.com/office/drawing/2014/main" id="{C06DF6EC-93DC-3317-BB3F-7C922B719ADD}"/>
+              </a:ext>
+            </a:extLst>
+          </p:cNvPr>
+          <p:cNvSpPr/>
+          <p:nvPr/>
+        </p:nvSpPr>
+        <p:spPr>
+          <a:xfrm>
+            <a:off x="825910" y="2679192"/>
+            <a:ext cx="2753031" cy="749808"/>
+          </a:xfrm>
+          <a:prstGeom prst="flowChartMultidocument">
+            <a:avLst/>
+          </a:prstGeom>
+          <a:solidFill>
+            <a:schemeClr val="accent5">
+              <a:lumMod val="40000"/>
+              <a:lumOff val="60000"/>
+            </a:schemeClr>
+          </a:solidFill>
+        </p:spPr>
+        <p:style>
+          <a:lnRef idx="2">
+            <a:schemeClr val="accent1">
+              <a:shade val="50000"/>
+            </a:schemeClr>
+          </a:lnRef>
+          <a:fillRef idx="1">
+            <a:schemeClr val="accent1"/>
+          </a:fillRef>
+          <a:effectRef idx="0">
+            <a:schemeClr val="accent1"/>
+          </a:effectRef>
+          <a:fontRef idx="minor">
+            <a:schemeClr val="lt1"/>
+          </a:fontRef>
+        </p:style>
+        <p:txBody>
+          <a:bodyPr rtlCol="0" anchor="ctr"/>
+          <a:lstStyle/>
+          <a:p>
+            <a:pPr algn="ctr"/>
+            <a:r>
+              <a:rPr lang="fr-FR" sz="1600" b="1" dirty="0" err="1">
+                <a:solidFill>
+                  <a:schemeClr val="tx1"/>
+                </a:solidFill>
+              </a:rPr>
+              <a:t>SupOpToolBox</a:t>
+            </a:r>
+            <a:endParaRPr lang="fr-FR" sz="1600" b="1" dirty="0">
+              <a:solidFill>
+                <a:schemeClr val="tx1"/>
+              </a:solidFill>
+            </a:endParaRPr>
+          </a:p>
+        </p:txBody>
+      </p:sp>
+      <p:sp>
+        <p:nvSpPr>
+          <p:cNvPr id="37" name="ZoneTexte 36">
+            <a:extLst>
+              <a:ext uri="{FF2B5EF4-FFF2-40B4-BE49-F238E27FC236}">
+                <a16:creationId xmlns:a16="http://schemas.microsoft.com/office/drawing/2014/main" id="{FEA998A8-8F4C-DEB5-AB8F-3A1BFF987EF1}"/>
+              </a:ext>
+            </a:extLst>
+          </p:cNvPr>
+          <p:cNvSpPr txBox="1"/>
+          <p:nvPr/>
+        </p:nvSpPr>
+        <p:spPr>
+          <a:xfrm>
+            <a:off x="3637934" y="2669212"/>
+            <a:ext cx="2241756" cy="738664"/>
+          </a:xfrm>
+          <a:prstGeom prst="rect">
+            <a:avLst/>
+          </a:prstGeom>
+          <a:noFill/>
+        </p:spPr>
+        <p:txBody>
+          <a:bodyPr wrap="square">
+            <a:spAutoFit/>
+          </a:bodyPr>
+          <a:lstStyle/>
+          <a:p>
+            <a:r>
+              <a:rPr lang="fr-FR" sz="1400" dirty="0">
+                <a:solidFill>
+                  <a:schemeClr val="bg1"/>
+                </a:solidFill>
+              </a:rPr>
+              <a:t>Librairies</a:t>
+            </a:r>
+            <a:br>
+              <a:rPr lang="fr-FR" sz="1400" dirty="0">
+                <a:solidFill>
+                  <a:schemeClr val="bg1"/>
+                </a:solidFill>
+              </a:rPr>
+            </a:br>
+            <a:r>
+              <a:rPr lang="fr-FR" sz="1400" dirty="0">
+                <a:solidFill>
+                  <a:schemeClr val="bg1"/>
+                </a:solidFill>
+              </a:rPr>
+              <a:t>Exemples</a:t>
+            </a:r>
+          </a:p>
+          <a:p>
+            <a:r>
+              <a:rPr lang="fr-FR" sz="1400" i="1" dirty="0">
+                <a:solidFill>
+                  <a:schemeClr val="bg1"/>
+                </a:solidFill>
+              </a:rPr>
+              <a:t>Python / C/C++ / Matlab</a:t>
+            </a:r>
+          </a:p>
+        </p:txBody>
+      </p:sp>
+      <p:sp>
+        <p:nvSpPr>
+          <p:cNvPr id="38" name="Organigramme : Multidocument 37">
+            <a:extLst>
+              <a:ext uri="{FF2B5EF4-FFF2-40B4-BE49-F238E27FC236}">
+                <a16:creationId xmlns:a16="http://schemas.microsoft.com/office/drawing/2014/main" id="{F97A46F0-1D38-4DA8-754A-364645430D76}"/>
+              </a:ext>
+            </a:extLst>
+          </p:cNvPr>
+          <p:cNvSpPr/>
+          <p:nvPr/>
+        </p:nvSpPr>
+        <p:spPr>
+          <a:xfrm>
+            <a:off x="801331" y="3609569"/>
+            <a:ext cx="2753031" cy="749808"/>
+          </a:xfrm>
+          <a:prstGeom prst="flowChartMultidocument">
+            <a:avLst/>
+          </a:prstGeom>
+          <a:solidFill>
+            <a:schemeClr val="accent5">
+              <a:lumMod val="40000"/>
+              <a:lumOff val="60000"/>
+            </a:schemeClr>
+          </a:solidFill>
+        </p:spPr>
+        <p:style>
+          <a:lnRef idx="2">
+            <a:schemeClr val="accent1">
+              <a:shade val="50000"/>
+            </a:schemeClr>
+          </a:lnRef>
+          <a:fillRef idx="1">
+            <a:schemeClr val="accent1"/>
+          </a:fillRef>
+          <a:effectRef idx="0">
+            <a:schemeClr val="accent1"/>
+          </a:effectRef>
+          <a:fontRef idx="minor">
+            <a:schemeClr val="lt1"/>
+          </a:fontRef>
+        </p:style>
+        <p:txBody>
+          <a:bodyPr rtlCol="0" anchor="ctr"/>
+          <a:lstStyle/>
+          <a:p>
+            <a:pPr algn="ctr"/>
+            <a:r>
+              <a:rPr lang="fr-FR" sz="1600" b="1" dirty="0" err="1">
+                <a:solidFill>
+                  <a:schemeClr val="tx1"/>
+                </a:solidFill>
+              </a:rPr>
+              <a:t>Engineer</a:t>
+            </a:r>
+            <a:r>
+              <a:rPr lang="fr-FR" sz="1600" b="1" dirty="0">
+                <a:solidFill>
+                  <a:schemeClr val="tx1"/>
+                </a:solidFill>
+              </a:rPr>
+              <a:t> courses</a:t>
+            </a:r>
+          </a:p>
+        </p:txBody>
+      </p:sp>
+      <p:sp>
+        <p:nvSpPr>
+          <p:cNvPr id="39" name="ZoneTexte 38">
+            <a:extLst>
+              <a:ext uri="{FF2B5EF4-FFF2-40B4-BE49-F238E27FC236}">
+                <a16:creationId xmlns:a16="http://schemas.microsoft.com/office/drawing/2014/main" id="{3587397D-3581-92C8-8BB3-9B22ABDD174C}"/>
+              </a:ext>
+            </a:extLst>
+          </p:cNvPr>
+          <p:cNvSpPr txBox="1"/>
+          <p:nvPr/>
+        </p:nvSpPr>
+        <p:spPr>
+          <a:xfrm>
+            <a:off x="3667432" y="3620713"/>
+            <a:ext cx="2428568" cy="954107"/>
+          </a:xfrm>
+          <a:prstGeom prst="rect">
+            <a:avLst/>
+          </a:prstGeom>
+          <a:noFill/>
+        </p:spPr>
+        <p:txBody>
+          <a:bodyPr wrap="square">
+            <a:spAutoFit/>
+          </a:bodyPr>
+          <a:lstStyle/>
+          <a:p>
+            <a:r>
+              <a:rPr lang="fr-FR" sz="1400" dirty="0">
+                <a:solidFill>
+                  <a:schemeClr val="bg1"/>
+                </a:solidFill>
+              </a:rPr>
+              <a:t>Ressources / Cours</a:t>
+            </a:r>
+            <a:br>
+              <a:rPr lang="fr-FR" sz="1400" dirty="0">
+                <a:solidFill>
+                  <a:schemeClr val="bg1"/>
+                </a:solidFill>
+              </a:rPr>
+            </a:br>
+            <a:r>
+              <a:rPr lang="fr-FR" sz="1400" dirty="0">
+                <a:solidFill>
+                  <a:schemeClr val="bg1"/>
+                </a:solidFill>
+              </a:rPr>
+              <a:t>Exemples</a:t>
+            </a:r>
+          </a:p>
+          <a:p>
+            <a:r>
+              <a:rPr lang="fr-FR" sz="1400" i="1" dirty="0">
+                <a:solidFill>
+                  <a:schemeClr val="bg1"/>
+                </a:solidFill>
+              </a:rPr>
+              <a:t>Outils Numériques</a:t>
+            </a:r>
+          </a:p>
+          <a:p>
+            <a:r>
+              <a:rPr lang="fr-FR" sz="1400" i="1" dirty="0">
+                <a:solidFill>
+                  <a:schemeClr val="bg1"/>
+                </a:solidFill>
+              </a:rPr>
+              <a:t>	Classé par semestre</a:t>
+            </a:r>
+          </a:p>
+        </p:txBody>
+      </p:sp>
+      <p:sp>
+        <p:nvSpPr>
+          <p:cNvPr id="40" name="Organigramme : Multidocument 39">
+            <a:extLst>
+              <a:ext uri="{FF2B5EF4-FFF2-40B4-BE49-F238E27FC236}">
+                <a16:creationId xmlns:a16="http://schemas.microsoft.com/office/drawing/2014/main" id="{0C4D0EC6-35DD-6AF1-055F-1163CB7AD350}"/>
+              </a:ext>
+            </a:extLst>
+          </p:cNvPr>
+          <p:cNvSpPr/>
+          <p:nvPr/>
+        </p:nvSpPr>
+        <p:spPr>
+          <a:xfrm>
+            <a:off x="747253" y="4485346"/>
+            <a:ext cx="2753031" cy="749808"/>
+          </a:xfrm>
+          <a:prstGeom prst="flowChartMultidocument">
+            <a:avLst/>
+          </a:prstGeom>
+          <a:solidFill>
+            <a:schemeClr val="accent5">
+              <a:lumMod val="40000"/>
+              <a:lumOff val="60000"/>
+            </a:schemeClr>
+          </a:solidFill>
+        </p:spPr>
+        <p:style>
+          <a:lnRef idx="2">
+            <a:schemeClr val="accent1">
+              <a:shade val="50000"/>
+            </a:schemeClr>
+          </a:lnRef>
+          <a:fillRef idx="1">
+            <a:schemeClr val="accent1"/>
+          </a:fillRef>
+          <a:effectRef idx="0">
+            <a:schemeClr val="accent1"/>
+          </a:effectRef>
+          <a:fontRef idx="minor">
+            <a:schemeClr val="lt1"/>
+          </a:fontRef>
+        </p:style>
+        <p:txBody>
+          <a:bodyPr rtlCol="0" anchor="ctr"/>
+          <a:lstStyle/>
+          <a:p>
+            <a:pPr algn="ctr"/>
+            <a:r>
+              <a:rPr lang="fr-FR" sz="1600" b="1" dirty="0" err="1">
+                <a:solidFill>
+                  <a:schemeClr val="tx1"/>
+                </a:solidFill>
+              </a:rPr>
+              <a:t>Physics</a:t>
+            </a:r>
+            <a:r>
+              <a:rPr lang="fr-FR" sz="1600" b="1" dirty="0">
+                <a:solidFill>
+                  <a:schemeClr val="tx1"/>
+                </a:solidFill>
+              </a:rPr>
+              <a:t> Demos</a:t>
+            </a:r>
+          </a:p>
+        </p:txBody>
+      </p:sp>
+      <p:sp>
+        <p:nvSpPr>
+          <p:cNvPr id="41" name="Organigramme : Procédé prédéfini 40">
+            <a:extLst>
+              <a:ext uri="{FF2B5EF4-FFF2-40B4-BE49-F238E27FC236}">
+                <a16:creationId xmlns:a16="http://schemas.microsoft.com/office/drawing/2014/main" id="{F85948BA-F471-97C7-3CF0-5A46593EDA26}"/>
+              </a:ext>
+            </a:extLst>
+          </p:cNvPr>
+          <p:cNvSpPr/>
+          <p:nvPr/>
+        </p:nvSpPr>
+        <p:spPr>
+          <a:xfrm>
+            <a:off x="7880556" y="2238984"/>
+            <a:ext cx="3859159" cy="1085400"/>
+          </a:xfrm>
+          <a:prstGeom prst="flowChartPredefinedProcess">
+            <a:avLst/>
+          </a:prstGeom>
+        </p:spPr>
+        <p:style>
+          <a:lnRef idx="2">
+            <a:schemeClr val="accent1">
+              <a:shade val="50000"/>
+            </a:schemeClr>
+          </a:lnRef>
+          <a:fillRef idx="1">
+            <a:schemeClr val="accent1"/>
+          </a:fillRef>
+          <a:effectRef idx="0">
+            <a:schemeClr val="accent1"/>
+          </a:effectRef>
+          <a:fontRef idx="minor">
+            <a:schemeClr val="lt1"/>
+          </a:fontRef>
+        </p:style>
+        <p:txBody>
+          <a:bodyPr rtlCol="0" anchor="ctr"/>
+          <a:lstStyle/>
+          <a:p>
+            <a:pPr algn="ctr"/>
+            <a:endParaRPr lang="fr-FR" dirty="0"/>
+          </a:p>
+        </p:txBody>
+      </p:sp>
+      <p:sp>
+        <p:nvSpPr>
+          <p:cNvPr id="42" name="ZoneTexte 41">
+            <a:extLst>
+              <a:ext uri="{FF2B5EF4-FFF2-40B4-BE49-F238E27FC236}">
+                <a16:creationId xmlns:a16="http://schemas.microsoft.com/office/drawing/2014/main" id="{621A7EA8-7F54-0BCB-E49D-1C2B148CBF73}"/>
+              </a:ext>
+            </a:extLst>
+          </p:cNvPr>
+          <p:cNvSpPr txBox="1"/>
+          <p:nvPr/>
+        </p:nvSpPr>
+        <p:spPr>
+          <a:xfrm>
+            <a:off x="8424046" y="2299880"/>
+            <a:ext cx="2989006" cy="369332"/>
+          </a:xfrm>
+          <a:prstGeom prst="rect">
+            <a:avLst/>
+          </a:prstGeom>
+          <a:noFill/>
+        </p:spPr>
+        <p:txBody>
+          <a:bodyPr wrap="square">
+            <a:spAutoFit/>
+          </a:bodyPr>
+          <a:lstStyle/>
+          <a:p>
+            <a:r>
+              <a:rPr lang="fr-FR" b="1" dirty="0">
+                <a:solidFill>
+                  <a:schemeClr val="bg1"/>
+                </a:solidFill>
+              </a:rPr>
+              <a:t>IOGS-</a:t>
+            </a:r>
+            <a:r>
+              <a:rPr lang="fr-FR" b="1" dirty="0" err="1">
+                <a:solidFill>
+                  <a:schemeClr val="bg1"/>
+                </a:solidFill>
+              </a:rPr>
+              <a:t>LEnsE</a:t>
+            </a:r>
+            <a:r>
+              <a:rPr lang="fr-FR" b="1" dirty="0">
+                <a:solidFill>
+                  <a:schemeClr val="bg1"/>
+                </a:solidFill>
+              </a:rPr>
+              <a:t>-</a:t>
+            </a:r>
+            <a:r>
+              <a:rPr lang="fr-FR" b="1" dirty="0" err="1">
+                <a:solidFill>
+                  <a:schemeClr val="bg1"/>
+                </a:solidFill>
+              </a:rPr>
+              <a:t>embedded</a:t>
+            </a:r>
+            <a:r>
+              <a:rPr lang="fr-FR" b="1" dirty="0">
+                <a:solidFill>
+                  <a:schemeClr val="bg1"/>
+                </a:solidFill>
+              </a:rPr>
+              <a:t>/</a:t>
+            </a:r>
+          </a:p>
+        </p:txBody>
+      </p:sp>
+      <p:sp>
+        <p:nvSpPr>
+          <p:cNvPr id="43" name="Organigramme : Procédé prédéfini 42">
+            <a:extLst>
+              <a:ext uri="{FF2B5EF4-FFF2-40B4-BE49-F238E27FC236}">
+                <a16:creationId xmlns:a16="http://schemas.microsoft.com/office/drawing/2014/main" id="{4D7B85F0-18FC-29B8-DB3A-8C7DF1EDDA05}"/>
+              </a:ext>
+            </a:extLst>
+          </p:cNvPr>
+          <p:cNvSpPr/>
+          <p:nvPr/>
+        </p:nvSpPr>
+        <p:spPr>
+          <a:xfrm>
+            <a:off x="7880556" y="3832565"/>
+            <a:ext cx="3859159" cy="1085400"/>
+          </a:xfrm>
+          <a:prstGeom prst="flowChartPredefinedProcess">
+            <a:avLst/>
+          </a:prstGeom>
+        </p:spPr>
+        <p:style>
+          <a:lnRef idx="2">
+            <a:schemeClr val="accent1">
+              <a:shade val="50000"/>
+            </a:schemeClr>
+          </a:lnRef>
+          <a:fillRef idx="1">
+            <a:schemeClr val="accent1"/>
+          </a:fillRef>
+          <a:effectRef idx="0">
+            <a:schemeClr val="accent1"/>
+          </a:effectRef>
+          <a:fontRef idx="minor">
+            <a:schemeClr val="lt1"/>
+          </a:fontRef>
+        </p:style>
+        <p:txBody>
+          <a:bodyPr rtlCol="0" anchor="ctr"/>
+          <a:lstStyle/>
+          <a:p>
+            <a:pPr algn="ctr"/>
+            <a:endParaRPr lang="fr-FR" dirty="0"/>
+          </a:p>
+        </p:txBody>
+      </p:sp>
+      <p:sp>
+        <p:nvSpPr>
+          <p:cNvPr id="44" name="ZoneTexte 43">
+            <a:extLst>
+              <a:ext uri="{FF2B5EF4-FFF2-40B4-BE49-F238E27FC236}">
+                <a16:creationId xmlns:a16="http://schemas.microsoft.com/office/drawing/2014/main" id="{D80E2957-A949-8B49-7A5F-C50213921CB0}"/>
+              </a:ext>
+            </a:extLst>
+          </p:cNvPr>
+          <p:cNvSpPr txBox="1"/>
+          <p:nvPr/>
+        </p:nvSpPr>
+        <p:spPr>
+          <a:xfrm>
+            <a:off x="8008373" y="3891565"/>
+            <a:ext cx="3731342" cy="369332"/>
+          </a:xfrm>
+          <a:prstGeom prst="rect">
+            <a:avLst/>
+          </a:prstGeom>
+          <a:noFill/>
+        </p:spPr>
+        <p:txBody>
+          <a:bodyPr wrap="square">
+            <a:spAutoFit/>
+          </a:bodyPr>
+          <a:lstStyle/>
+          <a:p>
+            <a:r>
+              <a:rPr lang="fr-FR" b="1" dirty="0">
+                <a:solidFill>
+                  <a:schemeClr val="bg1"/>
+                </a:solidFill>
+              </a:rPr>
+              <a:t>IOGS-</a:t>
+            </a:r>
+            <a:r>
+              <a:rPr lang="fr-FR" b="1" dirty="0" err="1">
+                <a:solidFill>
+                  <a:schemeClr val="bg1"/>
+                </a:solidFill>
+              </a:rPr>
+              <a:t>LEnsE</a:t>
+            </a:r>
+            <a:r>
+              <a:rPr lang="fr-FR" b="1" dirty="0">
+                <a:solidFill>
+                  <a:schemeClr val="bg1"/>
+                </a:solidFill>
+              </a:rPr>
+              <a:t>-interface-</a:t>
+            </a:r>
+            <a:r>
+              <a:rPr lang="fr-FR" b="1" dirty="0" err="1">
+                <a:solidFill>
+                  <a:schemeClr val="bg1"/>
+                </a:solidFill>
+              </a:rPr>
+              <a:t>projects</a:t>
+            </a:r>
+            <a:r>
+              <a:rPr lang="fr-FR" b="1" dirty="0">
+                <a:solidFill>
+                  <a:schemeClr val="bg1"/>
+                </a:solidFill>
+              </a:rPr>
+              <a:t>/</a:t>
+            </a:r>
+          </a:p>
+        </p:txBody>
+      </p:sp>
+      <p:sp>
+        <p:nvSpPr>
+          <p:cNvPr id="45" name="ZoneTexte 44">
+            <a:extLst>
+              <a:ext uri="{FF2B5EF4-FFF2-40B4-BE49-F238E27FC236}">
+                <a16:creationId xmlns:a16="http://schemas.microsoft.com/office/drawing/2014/main" id="{8CF4056A-B9CD-99EE-C2D3-223259BCBD2A}"/>
+              </a:ext>
+            </a:extLst>
+          </p:cNvPr>
+          <p:cNvSpPr txBox="1"/>
+          <p:nvPr/>
+        </p:nvSpPr>
+        <p:spPr>
+          <a:xfrm>
+            <a:off x="8549406" y="2664198"/>
+            <a:ext cx="2738286" cy="523220"/>
+          </a:xfrm>
+          <a:prstGeom prst="rect">
+            <a:avLst/>
+          </a:prstGeom>
+          <a:noFill/>
+        </p:spPr>
+        <p:txBody>
+          <a:bodyPr wrap="square">
+            <a:spAutoFit/>
+          </a:bodyPr>
+          <a:lstStyle/>
+          <a:p>
+            <a:r>
+              <a:rPr lang="fr-FR" sz="1400" dirty="0">
+                <a:solidFill>
+                  <a:schemeClr val="bg1"/>
+                </a:solidFill>
+              </a:rPr>
+              <a:t>Librairies pour l’embarqué</a:t>
+            </a:r>
+            <a:br>
+              <a:rPr lang="fr-FR" sz="1400" dirty="0">
+                <a:solidFill>
+                  <a:schemeClr val="bg1"/>
+                </a:solidFill>
+              </a:rPr>
+            </a:br>
+            <a:r>
+              <a:rPr lang="fr-FR" sz="1400" i="1" dirty="0">
+                <a:solidFill>
+                  <a:schemeClr val="bg1"/>
+                </a:solidFill>
+              </a:rPr>
+              <a:t>Systèmes électroniques</a:t>
+            </a:r>
+          </a:p>
+        </p:txBody>
+      </p:sp>
+      <p:sp>
+        <p:nvSpPr>
+          <p:cNvPr id="46" name="ZoneTexte 45">
+            <a:extLst>
+              <a:ext uri="{FF2B5EF4-FFF2-40B4-BE49-F238E27FC236}">
+                <a16:creationId xmlns:a16="http://schemas.microsoft.com/office/drawing/2014/main" id="{6490D335-DE65-8A66-2168-6117F49CDFB5}"/>
+              </a:ext>
+            </a:extLst>
+          </p:cNvPr>
+          <p:cNvSpPr txBox="1"/>
+          <p:nvPr/>
+        </p:nvSpPr>
+        <p:spPr>
+          <a:xfrm>
+            <a:off x="8549406" y="4245858"/>
+            <a:ext cx="2738286" cy="307777"/>
+          </a:xfrm>
+          <a:prstGeom prst="rect">
+            <a:avLst/>
+          </a:prstGeom>
+          <a:noFill/>
+        </p:spPr>
+        <p:txBody>
+          <a:bodyPr wrap="square">
+            <a:spAutoFit/>
+          </a:bodyPr>
+          <a:lstStyle/>
+          <a:p>
+            <a:r>
+              <a:rPr lang="fr-FR" sz="1400" dirty="0">
+                <a:solidFill>
+                  <a:schemeClr val="bg1"/>
+                </a:solidFill>
+              </a:rPr>
+              <a:t>Dépôts des projets de 1A et 2A</a:t>
+            </a:r>
+            <a:endParaRPr lang="fr-FR" sz="1400" i="1" dirty="0">
+              <a:solidFill>
+                <a:schemeClr val="bg1"/>
+              </a:solidFill>
+            </a:endParaRPr>
+          </a:p>
+        </p:txBody>
+      </p:sp>
+    </p:spTree>
+    <p:extLst>
+      <p:ext uri="{BB962C8B-B14F-4D97-AF65-F5344CB8AC3E}">
+        <p14:creationId xmlns:p14="http://schemas.microsoft.com/office/powerpoint/2010/main" val="953354878"/>
+      </p:ext>
+    </p:extLst>
+  </p:cSld>
+  <p:clrMapOvr>
+    <a:masterClrMapping/>
+  </p:clrMapOvr>
+</p:sld>
+</file>
+
+<file path=ppt/slides/slide9.xml><?xml version="1.0" encoding="utf-8"?>
+<p:sld xmlns:a="http://schemas.openxmlformats.org/drawingml/2006/main" xmlns:r="http://schemas.openxmlformats.org/officeDocument/2006/relationships" xmlns:p="http://schemas.openxmlformats.org/presentationml/2006/main">
+  <p:cSld>
     <p:bg>
       <p:bgPr>
         <a:solidFill>
@@ -9278,248 +10420,6 @@
   </p:cSld>
   <p:clrMapOvr>
     <a:overrideClrMapping bg1="dk1" tx1="lt1" bg2="dk2" tx2="lt2" accent1="accent1" accent2="accent2" accent3="accent3" accent4="accent4" accent5="accent5" accent6="accent6" hlink="hlink" folHlink="folHlink"/>
-  </p:clrMapOvr>
-</p:sld>
-</file>
-
-<file path=ppt/slides/slide9.xml><?xml version="1.0" encoding="utf-8"?>
-<p:sld xmlns:a="http://schemas.openxmlformats.org/drawingml/2006/main" xmlns:r="http://schemas.openxmlformats.org/officeDocument/2006/relationships" xmlns:p="http://schemas.openxmlformats.org/presentationml/2006/main">
-  <p:cSld>
-    <p:spTree>
-      <p:nvGrpSpPr>
-        <p:cNvPr id="1" name=""/>
-        <p:cNvGrpSpPr/>
-        <p:nvPr/>
-      </p:nvGrpSpPr>
-      <p:grpSpPr>
-        <a:xfrm>
-          <a:off x="0" y="0"/>
-          <a:ext cx="0" cy="0"/>
-          <a:chOff x="0" y="0"/>
-          <a:chExt cx="0" cy="0"/>
-        </a:xfrm>
-      </p:grpSpPr>
-      <p:sp>
-        <p:nvSpPr>
-          <p:cNvPr id="3" name="Espace réservé du contenu 2">
-            <a:extLst>
-              <a:ext uri="{FF2B5EF4-FFF2-40B4-BE49-F238E27FC236}">
-                <a16:creationId xmlns:a16="http://schemas.microsoft.com/office/drawing/2014/main" id="{E0BBB9DE-019C-C741-F224-494739D4B752}"/>
-              </a:ext>
-            </a:extLst>
-          </p:cNvPr>
-          <p:cNvSpPr>
-            <a:spLocks noGrp="1"/>
-          </p:cNvSpPr>
-          <p:nvPr>
-            <p:ph sz="half" idx="1"/>
-          </p:nvPr>
-        </p:nvSpPr>
-        <p:spPr>
-          <a:xfrm>
-            <a:off x="1115568" y="2478024"/>
-            <a:ext cx="10407838" cy="3694176"/>
-          </a:xfrm>
-        </p:spPr>
-        <p:txBody>
-          <a:bodyPr>
-            <a:normAutofit/>
-          </a:bodyPr>
-          <a:lstStyle/>
-          <a:p>
-            <a:r>
-              <a:rPr lang="fr-FR" sz="2400" dirty="0"/>
-              <a:t>Développement sous </a:t>
-            </a:r>
-            <a:r>
-              <a:rPr lang="fr-FR" sz="2400" b="1" dirty="0"/>
-              <a:t>Python 3.9 </a:t>
-            </a:r>
-            <a:r>
-              <a:rPr lang="fr-FR" sz="2400" dirty="0"/>
-              <a:t>(min) / </a:t>
-            </a:r>
-            <a:r>
-              <a:rPr lang="fr-FR" sz="2400" b="1" dirty="0"/>
-              <a:t>Anaconda 3</a:t>
-            </a:r>
-            <a:r>
-              <a:rPr lang="fr-FR" sz="2400" dirty="0"/>
-              <a:t> / </a:t>
-            </a:r>
-            <a:r>
-              <a:rPr lang="fr-FR" sz="2400" b="1" dirty="0" err="1"/>
-              <a:t>Spyder</a:t>
-            </a:r>
-            <a:r>
-              <a:rPr lang="fr-FR" sz="2400" b="1" dirty="0"/>
-              <a:t> 5</a:t>
-            </a:r>
-          </a:p>
-          <a:p>
-            <a:pPr lvl="1"/>
-            <a:r>
-              <a:rPr lang="fr-FR" dirty="0"/>
-              <a:t>Style de code selon le guide </a:t>
-            </a:r>
-            <a:r>
-              <a:rPr lang="fr-FR" b="1" dirty="0"/>
-              <a:t>PEP 8</a:t>
-            </a:r>
-            <a:r>
-              <a:rPr lang="fr-FR" dirty="0"/>
-              <a:t>  </a:t>
-            </a:r>
-            <a:br>
-              <a:rPr lang="fr-FR" dirty="0"/>
-            </a:br>
-            <a:r>
-              <a:rPr lang="fr-FR" dirty="0"/>
-              <a:t>		https://peps.python.org/pep-0008/</a:t>
-            </a:r>
-          </a:p>
-          <a:p>
-            <a:pPr lvl="1"/>
-            <a:r>
-              <a:rPr lang="fr-FR" dirty="0"/>
-              <a:t>Style de commentaires et de documentation selon le guide </a:t>
-            </a:r>
-            <a:r>
-              <a:rPr lang="fr-FR" b="1" dirty="0"/>
-              <a:t>PEP 257 </a:t>
-            </a:r>
-            <a:br>
-              <a:rPr lang="fr-FR" b="1" dirty="0"/>
-            </a:br>
-            <a:r>
-              <a:rPr lang="fr-FR" b="1" dirty="0"/>
-              <a:t>		</a:t>
-            </a:r>
-            <a:r>
-              <a:rPr lang="fr-FR" dirty="0"/>
-              <a:t>https://peps.python.org/pep-0257/</a:t>
-            </a:r>
-          </a:p>
-          <a:p>
-            <a:r>
-              <a:rPr lang="fr-FR" sz="2400" dirty="0"/>
-              <a:t>Utilisation de bibliothèques standards (</a:t>
-            </a:r>
-            <a:r>
-              <a:rPr lang="fr-FR" sz="2400" dirty="0" err="1"/>
-              <a:t>Numpy</a:t>
-            </a:r>
-            <a:r>
-              <a:rPr lang="fr-FR" sz="2400" dirty="0"/>
-              <a:t>, </a:t>
-            </a:r>
-            <a:r>
-              <a:rPr lang="fr-FR" sz="2400" dirty="0" err="1"/>
-              <a:t>Matplotlib</a:t>
-            </a:r>
-            <a:r>
-              <a:rPr lang="fr-FR" sz="2400" dirty="0"/>
-              <a:t>, </a:t>
-            </a:r>
-            <a:r>
-              <a:rPr lang="fr-FR" sz="2400" dirty="0" err="1"/>
-              <a:t>Scipy</a:t>
-            </a:r>
-            <a:r>
-              <a:rPr lang="fr-FR" sz="2400" dirty="0"/>
-              <a:t>…)</a:t>
-            </a:r>
-          </a:p>
-          <a:p>
-            <a:r>
-              <a:rPr lang="fr-FR" sz="2400" dirty="0"/>
-              <a:t>Découpage en fonctions simples (fichiers .</a:t>
-            </a:r>
-            <a:r>
-              <a:rPr lang="fr-FR" sz="2400" dirty="0" err="1"/>
-              <a:t>py</a:t>
-            </a:r>
-            <a:r>
-              <a:rPr lang="fr-FR" sz="2400" dirty="0"/>
-              <a:t> séparés)</a:t>
-            </a:r>
-            <a:endParaRPr lang="fr-FR" dirty="0"/>
-          </a:p>
-        </p:txBody>
-      </p:sp>
-      <p:sp>
-        <p:nvSpPr>
-          <p:cNvPr id="2" name="Titre 1">
-            <a:extLst>
-              <a:ext uri="{FF2B5EF4-FFF2-40B4-BE49-F238E27FC236}">
-                <a16:creationId xmlns:a16="http://schemas.microsoft.com/office/drawing/2014/main" id="{90162AE8-C1B0-5C56-8313-DEE494F38273}"/>
-              </a:ext>
-            </a:extLst>
-          </p:cNvPr>
-          <p:cNvSpPr>
-            <a:spLocks noGrp="1"/>
-          </p:cNvSpPr>
-          <p:nvPr>
-            <p:ph type="title"/>
-          </p:nvPr>
-        </p:nvSpPr>
-        <p:spPr/>
-        <p:txBody>
-          <a:bodyPr/>
-          <a:lstStyle/>
-          <a:p>
-            <a:r>
-              <a:rPr lang="fr-FR" dirty="0"/>
-              <a:t>Méthode de travail / Bonnes pratiques</a:t>
-            </a:r>
-          </a:p>
-        </p:txBody>
-      </p:sp>
-      <p:pic>
-        <p:nvPicPr>
-          <p:cNvPr id="5" name="Image 4" descr="Une image contenant texte&#10;&#10;Description générée automatiquement">
-            <a:extLst>
-              <a:ext uri="{FF2B5EF4-FFF2-40B4-BE49-F238E27FC236}">
-                <a16:creationId xmlns:a16="http://schemas.microsoft.com/office/drawing/2014/main" id="{204ADC40-1D61-539F-22ED-6B21D67FBDE6}"/>
-              </a:ext>
-            </a:extLst>
-          </p:cNvPr>
-          <p:cNvPicPr>
-            <a:picLocks noChangeAspect="1"/>
-          </p:cNvPicPr>
-          <p:nvPr/>
-        </p:nvPicPr>
-        <p:blipFill>
-          <a:blip r:embed="rId2">
-            <a:extLst>
-              <a:ext uri="{28A0092B-C50C-407E-A947-70E740481C1C}">
-                <a14:useLocalDpi xmlns:a14="http://schemas.microsoft.com/office/drawing/2010/main" val="0"/>
-              </a:ext>
-            </a:extLst>
-          </a:blip>
-          <a:stretch>
-            <a:fillRect/>
-          </a:stretch>
-        </p:blipFill>
-        <p:spPr>
-          <a:xfrm>
-            <a:off x="202922" y="5934456"/>
-            <a:ext cx="1825291" cy="749808"/>
-          </a:xfrm>
-          <a:prstGeom prst="rect">
-            <a:avLst/>
-          </a:prstGeom>
-        </p:spPr>
-      </p:pic>
-    </p:spTree>
-    <p:extLst>
-      <p:ext uri="{BB962C8B-B14F-4D97-AF65-F5344CB8AC3E}">
-        <p14:creationId xmlns:p14="http://schemas.microsoft.com/office/powerpoint/2010/main" val="3230963344"/>
-      </p:ext>
-    </p:extLst>
-  </p:cSld>
-  <p:clrMapOvr>
-    <a:masterClrMapping/>
   </p:clrMapOvr>
 </p:sld>
 </file>
